--- a/ipsa/slides/lambda.pptx
+++ b/ipsa/slides/lambda.pptx
@@ -135,14 +135,6 @@
 </p:presentation>
 </file>
 
-<file path=ppt/revisionInfo.xml><?xml version="1.0" encoding="utf-8"?>
-<p1510:revInfo xmlns:a="http://schemas.openxmlformats.org/drawingml/2006/main" xmlns:r="http://schemas.openxmlformats.org/officeDocument/2006/relationships" xmlns:p1510="http://schemas.microsoft.com/office/powerpoint/2015/10/main">
-  <p1510:revLst>
-    <p1510:client id="{93408A75-2116-4BC9-8B13-FD5E23B56413}" v="25" dt="2022-03-02T12:38:47.471"/>
-  </p1510:revLst>
-</p1510:revInfo>
-</file>
-
 <file path=ppt/changesInfos/changesInfo1.xml><?xml version="1.0" encoding="utf-8"?>
 <pc:chgInfo xmlns:a="http://schemas.openxmlformats.org/drawingml/2006/main" xmlns:r="http://schemas.openxmlformats.org/officeDocument/2006/relationships" xmlns:ac="http://schemas.microsoft.com/office/drawing/2013/main/command" xmlns:pc="http://schemas.microsoft.com/office/powerpoint/2013/main/command">
   <pc:docChgLst>
@@ -173,6 +165,30 @@
           <pc:docMk/>
           <pc:sldMk cId="2401375598" sldId="616"/>
         </pc:sldMkLst>
+      </pc:sldChg>
+    </pc:docChg>
+  </pc:docChgLst>
+  <pc:docChgLst>
+    <pc:chgData name="Gerth Stølting Brodal" userId="04ef4784-6591-4f86-a140-f5c3b108582a" providerId="ADAL" clId="{734C3A8B-8F67-4AB6-A6C8-CFD1AC566D4B}"/>
+    <pc:docChg chg="undo custSel modSld">
+      <pc:chgData name="Gerth Stølting Brodal" userId="04ef4784-6591-4f86-a140-f5c3b108582a" providerId="ADAL" clId="{734C3A8B-8F67-4AB6-A6C8-CFD1AC566D4B}" dt="2023-02-15T08:10:35.589" v="27" actId="20577"/>
+      <pc:docMkLst>
+        <pc:docMk/>
+      </pc:docMkLst>
+      <pc:sldChg chg="modSp mod">
+        <pc:chgData name="Gerth Stølting Brodal" userId="04ef4784-6591-4f86-a140-f5c3b108582a" providerId="ADAL" clId="{734C3A8B-8F67-4AB6-A6C8-CFD1AC566D4B}" dt="2023-02-15T08:10:35.589" v="27" actId="20577"/>
+        <pc:sldMkLst>
+          <pc:docMk/>
+          <pc:sldMk cId="2553496854" sldId="614"/>
+        </pc:sldMkLst>
+        <pc:graphicFrameChg chg="modGraphic">
+          <ac:chgData name="Gerth Stølting Brodal" userId="04ef4784-6591-4f86-a140-f5c3b108582a" providerId="ADAL" clId="{734C3A8B-8F67-4AB6-A6C8-CFD1AC566D4B}" dt="2023-02-15T08:10:35.589" v="27" actId="20577"/>
+          <ac:graphicFrameMkLst>
+            <pc:docMk/>
+            <pc:sldMk cId="2553496854" sldId="614"/>
+            <ac:graphicFrameMk id="4" creationId="{00000000-0000-0000-0000-000000000000}"/>
+          </ac:graphicFrameMkLst>
+        </pc:graphicFrameChg>
       </pc:sldChg>
     </pc:docChg>
   </pc:docChgLst>
@@ -384,7 +400,7 @@
           <a:p>
             <a:fld id="{FB1A172F-81D4-4DC4-9113-1DBD56EC3646}" type="datetimeFigureOut">
               <a:rPr lang="en-US" smtClean="0"/>
-              <a:t>3/2/2022</a:t>
+              <a:t>2/15/2023</a:t>
             </a:fld>
             <a:endParaRPr lang="en-US"/>
           </a:p>
@@ -1967,7 +1983,7 @@
           <a:p>
             <a:fld id="{0560A9CD-0304-4E0B-9E82-E7E0115DE05B}" type="datetimeFigureOut">
               <a:rPr lang="en-US" smtClean="0"/>
-              <a:t>3/2/2022</a:t>
+              <a:t>2/15/2023</a:t>
             </a:fld>
             <a:endParaRPr lang="en-US"/>
           </a:p>
@@ -2135,7 +2151,7 @@
           <a:p>
             <a:fld id="{0560A9CD-0304-4E0B-9E82-E7E0115DE05B}" type="datetimeFigureOut">
               <a:rPr lang="en-US" smtClean="0"/>
-              <a:t>3/2/2022</a:t>
+              <a:t>2/15/2023</a:t>
             </a:fld>
             <a:endParaRPr lang="en-US"/>
           </a:p>
@@ -2313,7 +2329,7 @@
           <a:p>
             <a:fld id="{0560A9CD-0304-4E0B-9E82-E7E0115DE05B}" type="datetimeFigureOut">
               <a:rPr lang="en-US" smtClean="0"/>
-              <a:t>3/2/2022</a:t>
+              <a:t>2/15/2023</a:t>
             </a:fld>
             <a:endParaRPr lang="en-US"/>
           </a:p>
@@ -2496,7 +2512,7 @@
           <a:p>
             <a:fld id="{0560A9CD-0304-4E0B-9E82-E7E0115DE05B}" type="datetimeFigureOut">
               <a:rPr lang="en-US" smtClean="0"/>
-              <a:t>3/2/2022</a:t>
+              <a:t>2/15/2023</a:t>
             </a:fld>
             <a:endParaRPr lang="en-US"/>
           </a:p>
@@ -2741,7 +2757,7 @@
           <a:p>
             <a:fld id="{0560A9CD-0304-4E0B-9E82-E7E0115DE05B}" type="datetimeFigureOut">
               <a:rPr lang="en-US" smtClean="0"/>
-              <a:t>3/2/2022</a:t>
+              <a:t>2/15/2023</a:t>
             </a:fld>
             <a:endParaRPr lang="en-US"/>
           </a:p>
@@ -2970,7 +2986,7 @@
           <a:p>
             <a:fld id="{0560A9CD-0304-4E0B-9E82-E7E0115DE05B}" type="datetimeFigureOut">
               <a:rPr lang="en-US" smtClean="0"/>
-              <a:t>3/2/2022</a:t>
+              <a:t>2/15/2023</a:t>
             </a:fld>
             <a:endParaRPr lang="en-US"/>
           </a:p>
@@ -3334,7 +3350,7 @@
           <a:p>
             <a:fld id="{0560A9CD-0304-4E0B-9E82-E7E0115DE05B}" type="datetimeFigureOut">
               <a:rPr lang="en-US" smtClean="0"/>
-              <a:t>3/2/2022</a:t>
+              <a:t>2/15/2023</a:t>
             </a:fld>
             <a:endParaRPr lang="en-US"/>
           </a:p>
@@ -3451,7 +3467,7 @@
           <a:p>
             <a:fld id="{0560A9CD-0304-4E0B-9E82-E7E0115DE05B}" type="datetimeFigureOut">
               <a:rPr lang="en-US" smtClean="0"/>
-              <a:t>3/2/2022</a:t>
+              <a:t>2/15/2023</a:t>
             </a:fld>
             <a:endParaRPr lang="en-US"/>
           </a:p>
@@ -3546,7 +3562,7 @@
           <a:p>
             <a:fld id="{0560A9CD-0304-4E0B-9E82-E7E0115DE05B}" type="datetimeFigureOut">
               <a:rPr lang="en-US" smtClean="0"/>
-              <a:t>3/2/2022</a:t>
+              <a:t>2/15/2023</a:t>
             </a:fld>
             <a:endParaRPr lang="en-US"/>
           </a:p>
@@ -3821,7 +3837,7 @@
           <a:p>
             <a:fld id="{0560A9CD-0304-4E0B-9E82-E7E0115DE05B}" type="datetimeFigureOut">
               <a:rPr lang="en-US" smtClean="0"/>
-              <a:t>3/2/2022</a:t>
+              <a:t>2/15/2023</a:t>
             </a:fld>
             <a:endParaRPr lang="en-US"/>
           </a:p>
@@ -4073,7 +4089,7 @@
           <a:p>
             <a:fld id="{0560A9CD-0304-4E0B-9E82-E7E0115DE05B}" type="datetimeFigureOut">
               <a:rPr lang="en-US" smtClean="0"/>
-              <a:t>3/2/2022</a:t>
+              <a:t>2/15/2023</a:t>
             </a:fld>
             <a:endParaRPr lang="en-US"/>
           </a:p>
@@ -4284,7 +4300,7 @@
           <a:p>
             <a:fld id="{0560A9CD-0304-4E0B-9E82-E7E0115DE05B}" type="datetimeFigureOut">
               <a:rPr lang="en-US" smtClean="0"/>
-              <a:t>3/2/2022</a:t>
+              <a:t>2/15/2023</a:t>
             </a:fld>
             <a:endParaRPr lang="en-US"/>
           </a:p>
@@ -13653,7 +13669,7 @@
           <p:nvPr>
             <p:extLst>
               <p:ext uri="{D42A27DB-BD31-4B8C-83A1-F6EECF244321}">
-                <p14:modId xmlns:p14="http://schemas.microsoft.com/office/powerpoint/2010/main" val="2222004760"/>
+                <p14:modId xmlns:p14="http://schemas.microsoft.com/office/powerpoint/2010/main" val="1531812639"/>
               </p:ext>
             </p:extLst>
           </p:nvPr>
@@ -13813,7 +13829,23 @@
                           <a:latin typeface="Courier New" panose="02070309020205020404" pitchFamily="49" charset="0"/>
                           <a:cs typeface="Courier New" panose="02070309020205020404" pitchFamily="49" charset="0"/>
                         </a:rPr>
-                        <a:t>        if not isinstance(tree, tuple): return [tree], []</a:t>
+                        <a:t>        if not isinstance(tree, tuple): </a:t>
+                      </a:r>
+                    </a:p>
+                    <a:p>
+                      <a:r>
+                        <a:rPr lang="pt-BR" sz="1600" b="1">
+                          <a:latin typeface="Courier New" panose="02070309020205020404" pitchFamily="49" charset="0"/>
+                          <a:cs typeface="Courier New" panose="02070309020205020404" pitchFamily="49" charset="0"/>
+                        </a:rPr>
+                        <a:t>            return </a:t>
+                      </a:r>
+                      <a:r>
+                        <a:rPr lang="pt-BR" sz="1600" b="1" dirty="0">
+                          <a:latin typeface="Courier New" panose="02070309020205020404" pitchFamily="49" charset="0"/>
+                          <a:cs typeface="Courier New" panose="02070309020205020404" pitchFamily="49" charset="0"/>
+                        </a:rPr>
+                        <a:t>[tree], []</a:t>
                       </a:r>
                     </a:p>
                     <a:p>
@@ -13921,16 +13953,7 @@
                           <a:latin typeface="Courier New" panose="02070309020205020404" pitchFamily="49" charset="0"/>
                           <a:cs typeface="Courier New" panose="02070309020205020404" pitchFamily="49" charset="0"/>
                         </a:rPr>
-                        <a:t>    n = len(L1)</a:t>
-                      </a:r>
-                    </a:p>
-                    <a:p>
-                      <a:r>
-                        <a:rPr lang="pt-BR" sz="1600" b="1" dirty="0">
-                          <a:latin typeface="Courier New" panose="02070309020205020404" pitchFamily="49" charset="0"/>
-                          <a:cs typeface="Courier New" panose="02070309020205020404" pitchFamily="49" charset="0"/>
-                        </a:rPr>
-                        <a:t>    return n * (n-1) * (n-2) // 6 - len(set(T1) &amp; set(T2))</a:t>
+                        <a:t>    return len(set(T1) - set(T2))</a:t>
                       </a:r>
                       <a:endParaRPr lang="da-DK" sz="1600" b="1" dirty="0">
                         <a:latin typeface="Courier New" panose="02070309020205020404" pitchFamily="49" charset="0"/>

--- a/ipsa/slides/lambda.pptx
+++ b/ipsa/slides/lambda.pptx
@@ -135,6 +135,14 @@
 </p:presentation>
 </file>
 
+<file path=ppt/revisionInfo.xml><?xml version="1.0" encoding="utf-8"?>
+<p1510:revInfo xmlns:a="http://schemas.openxmlformats.org/drawingml/2006/main" xmlns:r="http://schemas.openxmlformats.org/officeDocument/2006/relationships" xmlns:p1510="http://schemas.microsoft.com/office/powerpoint/2015/10/main">
+  <p1510:revLst>
+    <p1510:client id="{734C3A8B-8F67-4AB6-A6C8-CFD1AC566D4B}" v="13" dt="2023-03-01T15:01:10.467"/>
+  </p1510:revLst>
+</p1510:revInfo>
+</file>
+
 <file path=ppt/changesInfos/changesInfo1.xml><?xml version="1.0" encoding="utf-8"?>
 <pc:chgInfo xmlns:a="http://schemas.openxmlformats.org/drawingml/2006/main" xmlns:r="http://schemas.openxmlformats.org/officeDocument/2006/relationships" xmlns:ac="http://schemas.microsoft.com/office/drawing/2013/main/command" xmlns:pc="http://schemas.microsoft.com/office/powerpoint/2013/main/command">
   <pc:docChgLst>
@@ -171,10 +179,17 @@
   <pc:docChgLst>
     <pc:chgData name="Gerth Stølting Brodal" userId="04ef4784-6591-4f86-a140-f5c3b108582a" providerId="ADAL" clId="{734C3A8B-8F67-4AB6-A6C8-CFD1AC566D4B}"/>
     <pc:docChg chg="undo custSel modSld">
-      <pc:chgData name="Gerth Stølting Brodal" userId="04ef4784-6591-4f86-a140-f5c3b108582a" providerId="ADAL" clId="{734C3A8B-8F67-4AB6-A6C8-CFD1AC566D4B}" dt="2023-02-15T08:10:35.589" v="27" actId="20577"/>
+      <pc:chgData name="Gerth Stølting Brodal" userId="04ef4784-6591-4f86-a140-f5c3b108582a" providerId="ADAL" clId="{734C3A8B-8F67-4AB6-A6C8-CFD1AC566D4B}" dt="2023-03-01T15:01:13.907" v="446" actId="20577"/>
       <pc:docMkLst>
         <pc:docMk/>
       </pc:docMkLst>
+      <pc:sldChg chg="modNotesTx">
+        <pc:chgData name="Gerth Stølting Brodal" userId="04ef4784-6591-4f86-a140-f5c3b108582a" providerId="ADAL" clId="{734C3A8B-8F67-4AB6-A6C8-CFD1AC566D4B}" dt="2023-03-01T09:12:03.962" v="260" actId="20577"/>
+        <pc:sldMkLst>
+          <pc:docMk/>
+          <pc:sldMk cId="3317218114" sldId="584"/>
+        </pc:sldMkLst>
+      </pc:sldChg>
       <pc:sldChg chg="modSp mod">
         <pc:chgData name="Gerth Stølting Brodal" userId="04ef4784-6591-4f86-a140-f5c3b108582a" providerId="ADAL" clId="{734C3A8B-8F67-4AB6-A6C8-CFD1AC566D4B}" dt="2023-02-15T08:10:35.589" v="27" actId="20577"/>
         <pc:sldMkLst>
@@ -189,6 +204,133 @@
             <ac:graphicFrameMk id="4" creationId="{00000000-0000-0000-0000-000000000000}"/>
           </ac:graphicFrameMkLst>
         </pc:graphicFrameChg>
+      </pc:sldChg>
+      <pc:sldChg chg="modSp mod">
+        <pc:chgData name="Gerth Stølting Brodal" userId="04ef4784-6591-4f86-a140-f5c3b108582a" providerId="ADAL" clId="{734C3A8B-8F67-4AB6-A6C8-CFD1AC566D4B}" dt="2023-03-01T08:59:27.625" v="50" actId="20577"/>
+        <pc:sldMkLst>
+          <pc:docMk/>
+          <pc:sldMk cId="1968763958" sldId="615"/>
+        </pc:sldMkLst>
+        <pc:graphicFrameChg chg="modGraphic">
+          <ac:chgData name="Gerth Stølting Brodal" userId="04ef4784-6591-4f86-a140-f5c3b108582a" providerId="ADAL" clId="{734C3A8B-8F67-4AB6-A6C8-CFD1AC566D4B}" dt="2023-03-01T08:59:27.625" v="50" actId="20577"/>
+          <ac:graphicFrameMkLst>
+            <pc:docMk/>
+            <pc:sldMk cId="1968763958" sldId="615"/>
+            <ac:graphicFrameMk id="4" creationId="{00000000-0000-0000-0000-000000000000}"/>
+          </ac:graphicFrameMkLst>
+        </pc:graphicFrameChg>
+      </pc:sldChg>
+      <pc:sldChg chg="modSp mod modNotesTx">
+        <pc:chgData name="Gerth Stølting Brodal" userId="04ef4784-6591-4f86-a140-f5c3b108582a" providerId="ADAL" clId="{734C3A8B-8F67-4AB6-A6C8-CFD1AC566D4B}" dt="2023-03-01T09:10:30.045" v="238" actId="20577"/>
+        <pc:sldMkLst>
+          <pc:docMk/>
+          <pc:sldMk cId="2401375598" sldId="616"/>
+        </pc:sldMkLst>
+        <pc:graphicFrameChg chg="modGraphic">
+          <ac:chgData name="Gerth Stølting Brodal" userId="04ef4784-6591-4f86-a140-f5c3b108582a" providerId="ADAL" clId="{734C3A8B-8F67-4AB6-A6C8-CFD1AC566D4B}" dt="2023-03-01T09:08:10.656" v="232" actId="207"/>
+          <ac:graphicFrameMkLst>
+            <pc:docMk/>
+            <pc:sldMk cId="2401375598" sldId="616"/>
+            <ac:graphicFrameMk id="4" creationId="{00000000-0000-0000-0000-000000000000}"/>
+          </ac:graphicFrameMkLst>
+        </pc:graphicFrameChg>
+      </pc:sldChg>
+      <pc:sldChg chg="modSp mod modNotesTx">
+        <pc:chgData name="Gerth Stølting Brodal" userId="04ef4784-6591-4f86-a140-f5c3b108582a" providerId="ADAL" clId="{734C3A8B-8F67-4AB6-A6C8-CFD1AC566D4B}" dt="2023-03-01T09:07:49.743" v="231" actId="20577"/>
+        <pc:sldMkLst>
+          <pc:docMk/>
+          <pc:sldMk cId="1159102347" sldId="617"/>
+        </pc:sldMkLst>
+        <pc:spChg chg="mod">
+          <ac:chgData name="Gerth Stølting Brodal" userId="04ef4784-6591-4f86-a140-f5c3b108582a" providerId="ADAL" clId="{734C3A8B-8F67-4AB6-A6C8-CFD1AC566D4B}" dt="2023-03-01T09:06:26.380" v="51" actId="6549"/>
+          <ac:spMkLst>
+            <pc:docMk/>
+            <pc:sldMk cId="1159102347" sldId="617"/>
+            <ac:spMk id="3" creationId="{00000000-0000-0000-0000-000000000000}"/>
+          </ac:spMkLst>
+        </pc:spChg>
+      </pc:sldChg>
+      <pc:sldChg chg="modSp mod modNotesTx">
+        <pc:chgData name="Gerth Stølting Brodal" userId="04ef4784-6591-4f86-a140-f5c3b108582a" providerId="ADAL" clId="{734C3A8B-8F67-4AB6-A6C8-CFD1AC566D4B}" dt="2023-03-01T15:01:13.907" v="446" actId="20577"/>
+        <pc:sldMkLst>
+          <pc:docMk/>
+          <pc:sldMk cId="2185570808" sldId="618"/>
+        </pc:sldMkLst>
+        <pc:graphicFrameChg chg="mod modGraphic">
+          <ac:chgData name="Gerth Stølting Brodal" userId="04ef4784-6591-4f86-a140-f5c3b108582a" providerId="ADAL" clId="{734C3A8B-8F67-4AB6-A6C8-CFD1AC566D4B}" dt="2023-03-01T15:01:13.907" v="446" actId="20577"/>
+          <ac:graphicFrameMkLst>
+            <pc:docMk/>
+            <pc:sldMk cId="2185570808" sldId="618"/>
+            <ac:graphicFrameMk id="4" creationId="{00000000-0000-0000-0000-000000000000}"/>
+          </ac:graphicFrameMkLst>
+        </pc:graphicFrameChg>
+      </pc:sldChg>
+      <pc:sldChg chg="modSp mod">
+        <pc:chgData name="Gerth Stølting Brodal" userId="04ef4784-6591-4f86-a140-f5c3b108582a" providerId="ADAL" clId="{734C3A8B-8F67-4AB6-A6C8-CFD1AC566D4B}" dt="2023-03-01T08:55:32.470" v="48" actId="121"/>
+        <pc:sldMkLst>
+          <pc:docMk/>
+          <pc:sldMk cId="2566093429" sldId="619"/>
+        </pc:sldMkLst>
+        <pc:graphicFrameChg chg="modGraphic">
+          <ac:chgData name="Gerth Stølting Brodal" userId="04ef4784-6591-4f86-a140-f5c3b108582a" providerId="ADAL" clId="{734C3A8B-8F67-4AB6-A6C8-CFD1AC566D4B}" dt="2023-03-01T08:55:32.470" v="48" actId="121"/>
+          <ac:graphicFrameMkLst>
+            <pc:docMk/>
+            <pc:sldMk cId="2566093429" sldId="619"/>
+            <ac:graphicFrameMk id="4" creationId="{00000000-0000-0000-0000-000000000000}"/>
+          </ac:graphicFrameMkLst>
+        </pc:graphicFrameChg>
+      </pc:sldChg>
+      <pc:sldChg chg="modSp mod modNotesTx">
+        <pc:chgData name="Gerth Stølting Brodal" userId="04ef4784-6591-4f86-a140-f5c3b108582a" providerId="ADAL" clId="{734C3A8B-8F67-4AB6-A6C8-CFD1AC566D4B}" dt="2023-03-01T09:21:47.541" v="316" actId="6549"/>
+        <pc:sldMkLst>
+          <pc:docMk/>
+          <pc:sldMk cId="2156517149" sldId="622"/>
+        </pc:sldMkLst>
+        <pc:graphicFrameChg chg="mod modGraphic">
+          <ac:chgData name="Gerth Stølting Brodal" userId="04ef4784-6591-4f86-a140-f5c3b108582a" providerId="ADAL" clId="{734C3A8B-8F67-4AB6-A6C8-CFD1AC566D4B}" dt="2023-03-01T09:21:16.121" v="315" actId="20577"/>
+          <ac:graphicFrameMkLst>
+            <pc:docMk/>
+            <pc:sldMk cId="2156517149" sldId="622"/>
+            <ac:graphicFrameMk id="4" creationId="{00000000-0000-0000-0000-000000000000}"/>
+          </ac:graphicFrameMkLst>
+        </pc:graphicFrameChg>
+      </pc:sldChg>
+      <pc:sldChg chg="modSp mod">
+        <pc:chgData name="Gerth Stølting Brodal" userId="04ef4784-6591-4f86-a140-f5c3b108582a" providerId="ADAL" clId="{734C3A8B-8F67-4AB6-A6C8-CFD1AC566D4B}" dt="2023-03-01T10:17:36.510" v="434" actId="207"/>
+        <pc:sldMkLst>
+          <pc:docMk/>
+          <pc:sldMk cId="2117179183" sldId="626"/>
+        </pc:sldMkLst>
+        <pc:graphicFrameChg chg="mod modGraphic">
+          <ac:chgData name="Gerth Stølting Brodal" userId="04ef4784-6591-4f86-a140-f5c3b108582a" providerId="ADAL" clId="{734C3A8B-8F67-4AB6-A6C8-CFD1AC566D4B}" dt="2023-03-01T10:17:36.510" v="434" actId="207"/>
+          <ac:graphicFrameMkLst>
+            <pc:docMk/>
+            <pc:sldMk cId="2117179183" sldId="626"/>
+            <ac:graphicFrameMk id="4" creationId="{00000000-0000-0000-0000-000000000000}"/>
+          </ac:graphicFrameMkLst>
+        </pc:graphicFrameChg>
+      </pc:sldChg>
+      <pc:sldChg chg="modSp mod">
+        <pc:chgData name="Gerth Stølting Brodal" userId="04ef4784-6591-4f86-a140-f5c3b108582a" providerId="ADAL" clId="{734C3A8B-8F67-4AB6-A6C8-CFD1AC566D4B}" dt="2023-03-01T10:27:37.070" v="435" actId="20577"/>
+        <pc:sldMkLst>
+          <pc:docMk/>
+          <pc:sldMk cId="256353597" sldId="628"/>
+        </pc:sldMkLst>
+        <pc:graphicFrameChg chg="modGraphic">
+          <ac:chgData name="Gerth Stølting Brodal" userId="04ef4784-6591-4f86-a140-f5c3b108582a" providerId="ADAL" clId="{734C3A8B-8F67-4AB6-A6C8-CFD1AC566D4B}" dt="2023-03-01T10:27:37.070" v="435" actId="20577"/>
+          <ac:graphicFrameMkLst>
+            <pc:docMk/>
+            <pc:sldMk cId="256353597" sldId="628"/>
+            <ac:graphicFrameMk id="4" creationId="{00000000-0000-0000-0000-000000000000}"/>
+          </ac:graphicFrameMkLst>
+        </pc:graphicFrameChg>
+      </pc:sldChg>
+      <pc:sldChg chg="modNotesTx">
+        <pc:chgData name="Gerth Stølting Brodal" userId="04ef4784-6591-4f86-a140-f5c3b108582a" providerId="ADAL" clId="{734C3A8B-8F67-4AB6-A6C8-CFD1AC566D4B}" dt="2023-03-01T11:21:10.038" v="437" actId="20577"/>
+        <pc:sldMkLst>
+          <pc:docMk/>
+          <pc:sldMk cId="2011582212" sldId="630"/>
+        </pc:sldMkLst>
       </pc:sldChg>
     </pc:docChg>
   </pc:docChgLst>
@@ -400,7 +542,7 @@
           <a:p>
             <a:fld id="{FB1A172F-81D4-4DC4-9113-1DBD56EC3646}" type="datetimeFigureOut">
               <a:rPr lang="en-US" smtClean="0"/>
-              <a:t>2/15/2023</a:t>
+              <a:t>3/1/2023</a:t>
             </a:fld>
             <a:endParaRPr lang="en-US"/>
           </a:p>
@@ -852,6 +994,206 @@
           <a:lstStyle/>
           <a:p>
             <a:r>
+              <a:rPr lang="en-US" dirty="0"/>
+              <a:t>Why do we need a </a:t>
+            </a:r>
+            <a:r>
+              <a:rPr lang="en-US" i="1" dirty="0"/>
+              <a:t>factory function</a:t>
+            </a:r>
+            <a:r>
+              <a:rPr lang="en-US" dirty="0"/>
+              <a:t>? Otherwise, a fixed (but mutable) [] would be </a:t>
+            </a:r>
+            <a:r>
+              <a:rPr lang="en-US" i="1" dirty="0"/>
+              <a:t>shared</a:t>
+            </a:r>
+            <a:r>
+              <a:rPr lang="en-US" dirty="0"/>
+              <a:t> among all undefined entries.</a:t>
+            </a:r>
+          </a:p>
+          <a:p>
+            <a:r>
+              <a:rPr lang="en-US" dirty="0" err="1"/>
+              <a:t>dict.get</a:t>
+            </a:r>
+            <a:r>
+              <a:rPr lang="en-US" dirty="0"/>
+              <a:t>(key, default)  does not create entry in dictionary, and we need to evaluate default on each call, e.g. create an empty list, even that the entry is defined.</a:t>
+            </a:r>
+          </a:p>
+          <a:p>
+            <a:endParaRPr lang="en-US" dirty="0"/>
+          </a:p>
+        </p:txBody>
+      </p:sp>
+      <p:sp>
+        <p:nvSpPr>
+          <p:cNvPr id="4" name="Slide Number Placeholder 3"/>
+          <p:cNvSpPr>
+            <a:spLocks noGrp="1"/>
+          </p:cNvSpPr>
+          <p:nvPr>
+            <p:ph type="sldNum" sz="quarter" idx="10"/>
+          </p:nvPr>
+        </p:nvSpPr>
+        <p:spPr/>
+        <p:txBody>
+          <a:bodyPr/>
+          <a:lstStyle/>
+          <a:p>
+            <a:fld id="{CD563DD8-32AB-41BE-B1C6-8EAC45222ACE}" type="slidenum">
+              <a:rPr lang="en-US" smtClean="0"/>
+              <a:t>16</a:t>
+            </a:fld>
+            <a:endParaRPr lang="en-US"/>
+          </a:p>
+        </p:txBody>
+      </p:sp>
+    </p:spTree>
+    <p:extLst>
+      <p:ext uri="{BB962C8B-B14F-4D97-AF65-F5344CB8AC3E}">
+        <p14:creationId xmlns:p14="http://schemas.microsoft.com/office/powerpoint/2010/main" val="209096355"/>
+      </p:ext>
+    </p:extLst>
+  </p:cSld>
+  <p:clrMapOvr>
+    <a:masterClrMapping/>
+  </p:clrMapOvr>
+</p:notes>
+</file>
+
+<file path=ppt/notesSlides/notesSlide11.xml><?xml version="1.0" encoding="utf-8"?>
+<p:notes xmlns:a="http://schemas.openxmlformats.org/drawingml/2006/main" xmlns:r="http://schemas.openxmlformats.org/officeDocument/2006/relationships" xmlns:p="http://schemas.openxmlformats.org/presentationml/2006/main">
+  <p:cSld>
+    <p:spTree>
+      <p:nvGrpSpPr>
+        <p:cNvPr id="1" name=""/>
+        <p:cNvGrpSpPr/>
+        <p:nvPr/>
+      </p:nvGrpSpPr>
+      <p:grpSpPr>
+        <a:xfrm>
+          <a:off x="0" y="0"/>
+          <a:ext cx="0" cy="0"/>
+          <a:chOff x="0" y="0"/>
+          <a:chExt cx="0" cy="0"/>
+        </a:xfrm>
+      </p:grpSpPr>
+      <p:sp>
+        <p:nvSpPr>
+          <p:cNvPr id="2" name="Slide Image Placeholder 1"/>
+          <p:cNvSpPr>
+            <a:spLocks noGrp="1" noRot="1" noChangeAspect="1"/>
+          </p:cNvSpPr>
+          <p:nvPr>
+            <p:ph type="sldImg"/>
+          </p:nvPr>
+        </p:nvSpPr>
+        <p:spPr/>
+      </p:sp>
+      <p:sp>
+        <p:nvSpPr>
+          <p:cNvPr id="3" name="Notes Placeholder 2"/>
+          <p:cNvSpPr>
+            <a:spLocks noGrp="1"/>
+          </p:cNvSpPr>
+          <p:nvPr>
+            <p:ph type="body" idx="1"/>
+          </p:nvPr>
+        </p:nvSpPr>
+        <p:spPr/>
+        <p:txBody>
+          <a:bodyPr/>
+          <a:lstStyle/>
+          <a:p>
+            <a:endParaRPr lang="en-US" dirty="0"/>
+          </a:p>
+        </p:txBody>
+      </p:sp>
+      <p:sp>
+        <p:nvSpPr>
+          <p:cNvPr id="4" name="Slide Number Placeholder 3"/>
+          <p:cNvSpPr>
+            <a:spLocks noGrp="1"/>
+          </p:cNvSpPr>
+          <p:nvPr>
+            <p:ph type="sldNum" sz="quarter" idx="10"/>
+          </p:nvPr>
+        </p:nvSpPr>
+        <p:spPr/>
+        <p:txBody>
+          <a:bodyPr/>
+          <a:lstStyle/>
+          <a:p>
+            <a:fld id="{CD563DD8-32AB-41BE-B1C6-8EAC45222ACE}" type="slidenum">
+              <a:rPr lang="en-US" smtClean="0"/>
+              <a:t>17</a:t>
+            </a:fld>
+            <a:endParaRPr lang="en-US"/>
+          </a:p>
+        </p:txBody>
+      </p:sp>
+    </p:spTree>
+    <p:extLst>
+      <p:ext uri="{BB962C8B-B14F-4D97-AF65-F5344CB8AC3E}">
+        <p14:creationId xmlns:p14="http://schemas.microsoft.com/office/powerpoint/2010/main" val="2237500373"/>
+      </p:ext>
+    </p:extLst>
+  </p:cSld>
+  <p:clrMapOvr>
+    <a:masterClrMapping/>
+  </p:clrMapOvr>
+</p:notes>
+</file>
+
+<file path=ppt/notesSlides/notesSlide12.xml><?xml version="1.0" encoding="utf-8"?>
+<p:notes xmlns:a="http://schemas.openxmlformats.org/drawingml/2006/main" xmlns:r="http://schemas.openxmlformats.org/officeDocument/2006/relationships" xmlns:p="http://schemas.openxmlformats.org/presentationml/2006/main">
+  <p:cSld>
+    <p:spTree>
+      <p:nvGrpSpPr>
+        <p:cNvPr id="1" name=""/>
+        <p:cNvGrpSpPr/>
+        <p:nvPr/>
+      </p:nvGrpSpPr>
+      <p:grpSpPr>
+        <a:xfrm>
+          <a:off x="0" y="0"/>
+          <a:ext cx="0" cy="0"/>
+          <a:chOff x="0" y="0"/>
+          <a:chExt cx="0" cy="0"/>
+        </a:xfrm>
+      </p:grpSpPr>
+      <p:sp>
+        <p:nvSpPr>
+          <p:cNvPr id="2" name="Slide Image Placeholder 1"/>
+          <p:cNvSpPr>
+            <a:spLocks noGrp="1" noRot="1" noChangeAspect="1"/>
+          </p:cNvSpPr>
+          <p:nvPr>
+            <p:ph type="sldImg"/>
+          </p:nvPr>
+        </p:nvSpPr>
+        <p:spPr/>
+      </p:sp>
+      <p:sp>
+        <p:nvSpPr>
+          <p:cNvPr id="3" name="Notes Placeholder 2"/>
+          <p:cNvSpPr>
+            <a:spLocks noGrp="1"/>
+          </p:cNvSpPr>
+          <p:nvPr>
+            <p:ph type="body" idx="1"/>
+          </p:nvPr>
+        </p:nvSpPr>
+        <p:spPr/>
+        <p:txBody>
+          <a:bodyPr/>
+          <a:lstStyle/>
+          <a:p>
+            <a:r>
               <a:rPr lang="da-DK" dirty="0" err="1"/>
               <a:t>Notice</a:t>
             </a:r>
@@ -967,7 +1309,91 @@
 </p:notes>
 </file>
 
-<file path=ppt/notesSlides/notesSlide11.xml><?xml version="1.0" encoding="utf-8"?>
+<file path=ppt/notesSlides/notesSlide13.xml><?xml version="1.0" encoding="utf-8"?>
+<p:notes xmlns:a="http://schemas.openxmlformats.org/drawingml/2006/main" xmlns:r="http://schemas.openxmlformats.org/officeDocument/2006/relationships" xmlns:p="http://schemas.openxmlformats.org/presentationml/2006/main">
+  <p:cSld>
+    <p:spTree>
+      <p:nvGrpSpPr>
+        <p:cNvPr id="1" name=""/>
+        <p:cNvGrpSpPr/>
+        <p:nvPr/>
+      </p:nvGrpSpPr>
+      <p:grpSpPr>
+        <a:xfrm>
+          <a:off x="0" y="0"/>
+          <a:ext cx="0" cy="0"/>
+          <a:chOff x="0" y="0"/>
+          <a:chExt cx="0" cy="0"/>
+        </a:xfrm>
+      </p:grpSpPr>
+      <p:sp>
+        <p:nvSpPr>
+          <p:cNvPr id="2" name="Slide Image Placeholder 1"/>
+          <p:cNvSpPr>
+            <a:spLocks noGrp="1" noRot="1" noChangeAspect="1"/>
+          </p:cNvSpPr>
+          <p:nvPr>
+            <p:ph type="sldImg"/>
+          </p:nvPr>
+        </p:nvSpPr>
+        <p:spPr/>
+      </p:sp>
+      <p:sp>
+        <p:nvSpPr>
+          <p:cNvPr id="3" name="Notes Placeholder 2"/>
+          <p:cNvSpPr>
+            <a:spLocks noGrp="1"/>
+          </p:cNvSpPr>
+          <p:nvPr>
+            <p:ph type="body" idx="1"/>
+          </p:nvPr>
+        </p:nvSpPr>
+        <p:spPr/>
+        <p:txBody>
+          <a:bodyPr/>
+          <a:lstStyle/>
+          <a:p>
+            <a:endParaRPr lang="da-DK" dirty="0"/>
+          </a:p>
+        </p:txBody>
+      </p:sp>
+      <p:sp>
+        <p:nvSpPr>
+          <p:cNvPr id="4" name="Slide Number Placeholder 3"/>
+          <p:cNvSpPr>
+            <a:spLocks noGrp="1"/>
+          </p:cNvSpPr>
+          <p:nvPr>
+            <p:ph type="sldNum" sz="quarter" idx="5"/>
+          </p:nvPr>
+        </p:nvSpPr>
+        <p:spPr/>
+        <p:txBody>
+          <a:bodyPr/>
+          <a:lstStyle/>
+          <a:p>
+            <a:fld id="{CD563DD8-32AB-41BE-B1C6-8EAC45222ACE}" type="slidenum">
+              <a:rPr lang="en-US" smtClean="0"/>
+              <a:t>20</a:t>
+            </a:fld>
+            <a:endParaRPr lang="en-US"/>
+          </a:p>
+        </p:txBody>
+      </p:sp>
+    </p:spTree>
+    <p:extLst>
+      <p:ext uri="{BB962C8B-B14F-4D97-AF65-F5344CB8AC3E}">
+        <p14:creationId xmlns:p14="http://schemas.microsoft.com/office/powerpoint/2010/main" val="2290740725"/>
+      </p:ext>
+    </p:extLst>
+  </p:cSld>
+  <p:clrMapOvr>
+    <a:masterClrMapping/>
+  </p:clrMapOvr>
+</p:notes>
+</file>
+
+<file path=ppt/notesSlides/notesSlide14.xml><?xml version="1.0" encoding="utf-8"?>
 <p:notes xmlns:a="http://schemas.openxmlformats.org/drawingml/2006/main" xmlns:r="http://schemas.openxmlformats.org/officeDocument/2006/relationships" xmlns:p="http://schemas.openxmlformats.org/presentationml/2006/main">
   <p:cSld>
     <p:spTree>
@@ -1096,48 +1522,58 @@
           <a:lstStyle/>
           <a:p>
             <a:r>
-              <a:rPr lang="en-US" dirty="0"/>
-              <a:t>x, y =</a:t>
-            </a:r>
-            <a:r>
-              <a:rPr lang="en-US" baseline="0" dirty="0"/>
-              <a:t> </a:t>
-            </a:r>
-            <a:r>
-              <a:rPr lang="en-US" dirty="0"/>
-              <a:t>map(</a:t>
-            </a:r>
-            <a:r>
-              <a:rPr lang="en-US" dirty="0" err="1"/>
-              <a:t>int</a:t>
-            </a:r>
-            <a:r>
-              <a:rPr lang="en-US" dirty="0"/>
-              <a:t>,</a:t>
-            </a:r>
-            <a:r>
-              <a:rPr lang="en-US" baseline="0" dirty="0"/>
-              <a:t> input().split())</a:t>
+              <a:rPr lang="da-DK" dirty="0"/>
+              <a:t>type(kvadrat)</a:t>
             </a:r>
           </a:p>
           <a:p>
             <a:r>
-              <a:rPr lang="en-US" baseline="0" dirty="0"/>
-              <a:t>L = list(map(</a:t>
-            </a:r>
-            <a:r>
-              <a:rPr lang="en-US" baseline="0" dirty="0" err="1"/>
-              <a:t>int</a:t>
-            </a:r>
-            <a:r>
-              <a:rPr lang="en-US" baseline="0" dirty="0"/>
-              <a:t>, input</a:t>
-            </a:r>
-            <a:r>
-              <a:rPr lang="en-US" baseline="0"/>
-              <a:t>().split())</a:t>
-            </a:r>
-            <a:endParaRPr lang="en-US" dirty="0"/>
+              <a:rPr lang="da-DK" dirty="0"/>
+              <a:t>&lt;class '</a:t>
+            </a:r>
+            <a:r>
+              <a:rPr lang="da-DK" dirty="0" err="1"/>
+              <a:t>function</a:t>
+            </a:r>
+            <a:r>
+              <a:rPr lang="da-DK" dirty="0"/>
+              <a:t>’&gt;</a:t>
+            </a:r>
+          </a:p>
+          <a:p>
+            <a:r>
+              <a:rPr lang="da-DK" dirty="0" err="1"/>
+              <a:t>square</a:t>
+            </a:r>
+            <a:r>
+              <a:rPr lang="da-DK" dirty="0"/>
+              <a:t>.__</a:t>
+            </a:r>
+            <a:r>
+              <a:rPr lang="da-DK" dirty="0" err="1"/>
+              <a:t>name</a:t>
+            </a:r>
+            <a:r>
+              <a:rPr lang="da-DK" dirty="0"/>
+              <a:t>__</a:t>
+            </a:r>
+          </a:p>
+          <a:p>
+            <a:r>
+              <a:rPr lang="da-DK" dirty="0"/>
+              <a:t>'</a:t>
+            </a:r>
+            <a:r>
+              <a:rPr lang="da-DK" dirty="0" err="1"/>
+              <a:t>square</a:t>
+            </a:r>
+            <a:r>
+              <a:rPr lang="da-DK" dirty="0"/>
+              <a:t>’</a:t>
+            </a:r>
+          </a:p>
+          <a:p>
+            <a:endParaRPr lang="da-DK" dirty="0"/>
           </a:p>
         </p:txBody>
       </p:sp>
@@ -1148,7 +1584,7 @@
             <a:spLocks noGrp="1"/>
           </p:cNvSpPr>
           <p:nvPr>
-            <p:ph type="sldNum" sz="quarter" idx="10"/>
+            <p:ph type="sldNum" sz="quarter" idx="5"/>
           </p:nvPr>
         </p:nvSpPr>
         <p:spPr/>
@@ -1158,7 +1594,7 @@
           <a:p>
             <a:fld id="{CD563DD8-32AB-41BE-B1C6-8EAC45222ACE}" type="slidenum">
               <a:rPr lang="en-US" smtClean="0"/>
-              <a:t>8</a:t>
+              <a:t>4</a:t>
             </a:fld>
             <a:endParaRPr lang="en-US"/>
           </a:p>
@@ -1167,7 +1603,7 @@
     </p:spTree>
     <p:extLst>
       <p:ext uri="{BB962C8B-B14F-4D97-AF65-F5344CB8AC3E}">
-        <p14:creationId xmlns:p14="http://schemas.microsoft.com/office/powerpoint/2010/main" val="1340784834"/>
+        <p14:creationId xmlns:p14="http://schemas.microsoft.com/office/powerpoint/2010/main" val="3962183776"/>
       </p:ext>
     </p:extLst>
   </p:cSld>
@@ -1223,11 +1659,45 @@
           <a:p>
             <a:r>
               <a:rPr lang="en-US" dirty="0"/>
-              <a:t>key is only computed once for</a:t>
+              <a:t>x, y =</a:t>
             </a:r>
             <a:r>
               <a:rPr lang="en-US" baseline="0" dirty="0"/>
-              <a:t> each element during sorting</a:t>
+              <a:t> </a:t>
+            </a:r>
+            <a:r>
+              <a:rPr lang="en-US" dirty="0"/>
+              <a:t>map(</a:t>
+            </a:r>
+            <a:r>
+              <a:rPr lang="en-US" dirty="0" err="1"/>
+              <a:t>int</a:t>
+            </a:r>
+            <a:r>
+              <a:rPr lang="en-US" dirty="0"/>
+              <a:t>,</a:t>
+            </a:r>
+            <a:r>
+              <a:rPr lang="en-US" baseline="0" dirty="0"/>
+              <a:t> input().split())</a:t>
+            </a:r>
+          </a:p>
+          <a:p>
+            <a:r>
+              <a:rPr lang="en-US" baseline="0" dirty="0"/>
+              <a:t>L = list(map(</a:t>
+            </a:r>
+            <a:r>
+              <a:rPr lang="en-US" baseline="0" dirty="0" err="1"/>
+              <a:t>int</a:t>
+            </a:r>
+            <a:r>
+              <a:rPr lang="en-US" baseline="0" dirty="0"/>
+              <a:t>, input</a:t>
+            </a:r>
+            <a:r>
+              <a:rPr lang="en-US" baseline="0"/>
+              <a:t>().split())</a:t>
             </a:r>
             <a:endParaRPr lang="en-US" dirty="0"/>
           </a:p>
@@ -1250,7 +1720,7 @@
           <a:p>
             <a:fld id="{CD563DD8-32AB-41BE-B1C6-8EAC45222ACE}" type="slidenum">
               <a:rPr lang="en-US" smtClean="0"/>
-              <a:t>9</a:t>
+              <a:t>8</a:t>
             </a:fld>
             <a:endParaRPr lang="en-US"/>
           </a:p>
@@ -1259,7 +1729,7 @@
     </p:spTree>
     <p:extLst>
       <p:ext uri="{BB962C8B-B14F-4D97-AF65-F5344CB8AC3E}">
-        <p14:creationId xmlns:p14="http://schemas.microsoft.com/office/powerpoint/2010/main" val="1913400565"/>
+        <p14:creationId xmlns:p14="http://schemas.microsoft.com/office/powerpoint/2010/main" val="1340784834"/>
       </p:ext>
     </p:extLst>
   </p:cSld>
@@ -1315,25 +1785,11 @@
           <a:p>
             <a:r>
               <a:rPr lang="en-US" dirty="0"/>
-              <a:t>exercise to implement ‘</a:t>
-            </a:r>
-            <a:r>
-              <a:rPr lang="en-US" dirty="0" err="1"/>
-              <a:t>foldr</a:t>
-            </a:r>
-            <a:r>
-              <a:rPr lang="en-US" dirty="0"/>
-              <a:t>’</a:t>
-            </a:r>
-          </a:p>
-          <a:p>
-            <a:r>
-              <a:rPr lang="en-US" dirty="0"/>
-              <a:t>2**(2**(2**(2**2))) is a </a:t>
-            </a:r>
-            <a:r>
-              <a:rPr lang="en-US"/>
-              <a:t>number with 19729 digits !!!</a:t>
+              <a:t>key is only computed once for</a:t>
+            </a:r>
+            <a:r>
+              <a:rPr lang="en-US" baseline="0" dirty="0"/>
+              <a:t> each element during sorting</a:t>
             </a:r>
             <a:endParaRPr lang="en-US" dirty="0"/>
           </a:p>
@@ -1356,7 +1812,7 @@
           <a:p>
             <a:fld id="{CD563DD8-32AB-41BE-B1C6-8EAC45222ACE}" type="slidenum">
               <a:rPr lang="en-US" smtClean="0"/>
-              <a:t>12</a:t>
+              <a:t>9</a:t>
             </a:fld>
             <a:endParaRPr lang="en-US"/>
           </a:p>
@@ -1365,7 +1821,7 @@
     </p:spTree>
     <p:extLst>
       <p:ext uri="{BB962C8B-B14F-4D97-AF65-F5344CB8AC3E}">
-        <p14:creationId xmlns:p14="http://schemas.microsoft.com/office/powerpoint/2010/main" val="627148978"/>
+        <p14:creationId xmlns:p14="http://schemas.microsoft.com/office/powerpoint/2010/main" val="1913400565"/>
       </p:ext>
     </p:extLst>
   </p:cSld>
@@ -1421,8 +1877,9 @@
           <a:p>
             <a:r>
               <a:rPr lang="en-US" dirty="0"/>
-              <a:t>Note: Not allowed to write “return”</a:t>
-            </a:r>
+              <a:t>Main difference between calling filter and the list comprehension is that filter generates output on demand, so can be applied to streams of temporary existing values</a:t>
+            </a:r>
+            <a:endParaRPr lang="da-DK" dirty="0"/>
           </a:p>
         </p:txBody>
       </p:sp>
@@ -1433,7 +1890,7 @@
             <a:spLocks noGrp="1"/>
           </p:cNvSpPr>
           <p:nvPr>
-            <p:ph type="sldNum" sz="quarter" idx="10"/>
+            <p:ph type="sldNum" sz="quarter" idx="5"/>
           </p:nvPr>
         </p:nvSpPr>
         <p:spPr/>
@@ -1443,7 +1900,7 @@
           <a:p>
             <a:fld id="{CD563DD8-32AB-41BE-B1C6-8EAC45222ACE}" type="slidenum">
               <a:rPr lang="en-US" smtClean="0"/>
-              <a:t>13</a:t>
+              <a:t>11</a:t>
             </a:fld>
             <a:endParaRPr lang="en-US"/>
           </a:p>
@@ -1452,7 +1909,7 @@
     </p:spTree>
     <p:extLst>
       <p:ext uri="{BB962C8B-B14F-4D97-AF65-F5344CB8AC3E}">
-        <p14:creationId xmlns:p14="http://schemas.microsoft.com/office/powerpoint/2010/main" val="3113442933"/>
+        <p14:creationId xmlns:p14="http://schemas.microsoft.com/office/powerpoint/2010/main" val="3714638543"/>
       </p:ext>
     </p:extLst>
   </p:cSld>
@@ -1508,20 +1965,45 @@
           <a:p>
             <a:r>
               <a:rPr lang="en-US" dirty="0"/>
-              <a:t>add ‘~’ as symbol (larger than all </a:t>
+              <a:t>exercise to implement ‘</a:t>
             </a:r>
             <a:r>
               <a:rPr lang="en-US" dirty="0" err="1"/>
-              <a:t>isalpha</a:t>
+              <a:t>foldr</a:t>
             </a:r>
             <a:r>
               <a:rPr lang="en-US" dirty="0"/>
-              <a:t> symbols),</a:t>
-            </a:r>
-            <a:r>
-              <a:rPr lang="en-US" baseline="0" dirty="0"/>
-              <a:t> to ensure non-alphabetic strings end up last</a:t>
-            </a:r>
+              <a:t>’</a:t>
+            </a:r>
+          </a:p>
+          <a:p>
+            <a:r>
+              <a:rPr lang="en-US" dirty="0"/>
+              <a:t>2**(2**(2**(2**2))) is a number with 19729 digits !!!</a:t>
+            </a:r>
+          </a:p>
+          <a:p>
+            <a:endParaRPr lang="en-US" dirty="0"/>
+          </a:p>
+          <a:p>
+            <a:r>
+              <a:rPr lang="en-US" dirty="0"/>
+              <a:t>def add(x, y): return x + y</a:t>
+            </a:r>
+          </a:p>
+          <a:p>
+            <a:r>
+              <a:rPr lang="en-US" dirty="0"/>
+              <a:t>reduce(add, [1,2,3,4,5])</a:t>
+            </a:r>
+          </a:p>
+          <a:p>
+            <a:r>
+              <a:rPr lang="en-US" dirty="0"/>
+              <a:t>reduce(add, range(100))</a:t>
+            </a:r>
+          </a:p>
+          <a:p>
             <a:endParaRPr lang="en-US" dirty="0"/>
           </a:p>
         </p:txBody>
@@ -1543,7 +2025,7 @@
           <a:p>
             <a:fld id="{CD563DD8-32AB-41BE-B1C6-8EAC45222ACE}" type="slidenum">
               <a:rPr lang="en-US" smtClean="0"/>
-              <a:t>14</a:t>
+              <a:t>12</a:t>
             </a:fld>
             <a:endParaRPr lang="en-US"/>
           </a:p>
@@ -1552,7 +2034,7 @@
     </p:spTree>
     <p:extLst>
       <p:ext uri="{BB962C8B-B14F-4D97-AF65-F5344CB8AC3E}">
-        <p14:creationId xmlns:p14="http://schemas.microsoft.com/office/powerpoint/2010/main" val="4126061466"/>
+        <p14:creationId xmlns:p14="http://schemas.microsoft.com/office/powerpoint/2010/main" val="627148978"/>
       </p:ext>
     </p:extLst>
   </p:cSld>
@@ -1607,8 +2089,30 @@
           <a:lstStyle/>
           <a:p>
             <a:r>
+              <a:rPr lang="es-ES" dirty="0" err="1"/>
+              <a:t>def</a:t>
+            </a:r>
+            <a:r>
+              <a:rPr lang="es-ES" dirty="0"/>
+              <a:t> f(x, y): </a:t>
+            </a:r>
+            <a:r>
+              <a:rPr lang="es-ES" dirty="0" err="1"/>
+              <a:t>return</a:t>
+            </a:r>
+            <a:r>
+              <a:rPr lang="es-ES" dirty="0"/>
+              <a:t> x + y</a:t>
+            </a:r>
+            <a:endParaRPr lang="en-US" dirty="0"/>
+          </a:p>
+          <a:p>
+            <a:endParaRPr lang="en-US" dirty="0"/>
+          </a:p>
+          <a:p>
+            <a:r>
               <a:rPr lang="en-US" dirty="0"/>
-              <a:t>Last min = minimum number when read in reverse order</a:t>
+              <a:t>Note: Not allowed to write “return” in lambda</a:t>
             </a:r>
           </a:p>
         </p:txBody>
@@ -1630,7 +2134,7 @@
           <a:p>
             <a:fld id="{CD563DD8-32AB-41BE-B1C6-8EAC45222ACE}" type="slidenum">
               <a:rPr lang="en-US" smtClean="0"/>
-              <a:t>15</a:t>
+              <a:t>13</a:t>
             </a:fld>
             <a:endParaRPr lang="en-US"/>
           </a:p>
@@ -1639,7 +2143,7 @@
     </p:spTree>
     <p:extLst>
       <p:ext uri="{BB962C8B-B14F-4D97-AF65-F5344CB8AC3E}">
-        <p14:creationId xmlns:p14="http://schemas.microsoft.com/office/powerpoint/2010/main" val="2441903922"/>
+        <p14:creationId xmlns:p14="http://schemas.microsoft.com/office/powerpoint/2010/main" val="3113442933"/>
       </p:ext>
     </p:extLst>
   </p:cSld>
@@ -1650,119 +2154,6 @@
 </file>
 
 <file path=ppt/notesSlides/notesSlide8.xml><?xml version="1.0" encoding="utf-8"?>
-<p:notes xmlns:a="http://schemas.openxmlformats.org/drawingml/2006/main" xmlns:r="http://schemas.openxmlformats.org/officeDocument/2006/relationships" xmlns:p="http://schemas.openxmlformats.org/presentationml/2006/main">
-  <p:cSld>
-    <p:spTree>
-      <p:nvGrpSpPr>
-        <p:cNvPr id="1" name=""/>
-        <p:cNvGrpSpPr/>
-        <p:nvPr/>
-      </p:nvGrpSpPr>
-      <p:grpSpPr>
-        <a:xfrm>
-          <a:off x="0" y="0"/>
-          <a:ext cx="0" cy="0"/>
-          <a:chOff x="0" y="0"/>
-          <a:chExt cx="0" cy="0"/>
-        </a:xfrm>
-      </p:grpSpPr>
-      <p:sp>
-        <p:nvSpPr>
-          <p:cNvPr id="2" name="Slide Image Placeholder 1"/>
-          <p:cNvSpPr>
-            <a:spLocks noGrp="1" noRot="1" noChangeAspect="1"/>
-          </p:cNvSpPr>
-          <p:nvPr>
-            <p:ph type="sldImg"/>
-          </p:nvPr>
-        </p:nvSpPr>
-        <p:spPr/>
-      </p:sp>
-      <p:sp>
-        <p:nvSpPr>
-          <p:cNvPr id="3" name="Notes Placeholder 2"/>
-          <p:cNvSpPr>
-            <a:spLocks noGrp="1"/>
-          </p:cNvSpPr>
-          <p:nvPr>
-            <p:ph type="body" idx="1"/>
-          </p:nvPr>
-        </p:nvSpPr>
-        <p:spPr/>
-        <p:txBody>
-          <a:bodyPr/>
-          <a:lstStyle/>
-          <a:p>
-            <a:r>
-              <a:rPr lang="en-US" dirty="0"/>
-              <a:t>Why do we need a </a:t>
-            </a:r>
-            <a:r>
-              <a:rPr lang="en-US" i="1" dirty="0"/>
-              <a:t>factory function</a:t>
-            </a:r>
-            <a:r>
-              <a:rPr lang="en-US" dirty="0"/>
-              <a:t>? Otherwise, a fixed (but mutable) [] would be </a:t>
-            </a:r>
-            <a:r>
-              <a:rPr lang="en-US" i="1" dirty="0"/>
-              <a:t>shared</a:t>
-            </a:r>
-            <a:r>
-              <a:rPr lang="en-US" dirty="0"/>
-              <a:t> among all undefined entries.</a:t>
-            </a:r>
-          </a:p>
-          <a:p>
-            <a:r>
-              <a:rPr lang="en-US" dirty="0" err="1"/>
-              <a:t>dict.get</a:t>
-            </a:r>
-            <a:r>
-              <a:rPr lang="en-US" dirty="0"/>
-              <a:t>(key, default)  does not create entry in dictionary, and we need to evaluate default on each call, e.g. create an empty list, even that the entry is defined.</a:t>
-            </a:r>
-          </a:p>
-        </p:txBody>
-      </p:sp>
-      <p:sp>
-        <p:nvSpPr>
-          <p:cNvPr id="4" name="Slide Number Placeholder 3"/>
-          <p:cNvSpPr>
-            <a:spLocks noGrp="1"/>
-          </p:cNvSpPr>
-          <p:nvPr>
-            <p:ph type="sldNum" sz="quarter" idx="10"/>
-          </p:nvPr>
-        </p:nvSpPr>
-        <p:spPr/>
-        <p:txBody>
-          <a:bodyPr/>
-          <a:lstStyle/>
-          <a:p>
-            <a:fld id="{CD563DD8-32AB-41BE-B1C6-8EAC45222ACE}" type="slidenum">
-              <a:rPr lang="en-US" smtClean="0"/>
-              <a:t>16</a:t>
-            </a:fld>
-            <a:endParaRPr lang="en-US"/>
-          </a:p>
-        </p:txBody>
-      </p:sp>
-    </p:spTree>
-    <p:extLst>
-      <p:ext uri="{BB962C8B-B14F-4D97-AF65-F5344CB8AC3E}">
-        <p14:creationId xmlns:p14="http://schemas.microsoft.com/office/powerpoint/2010/main" val="209096355"/>
-      </p:ext>
-    </p:extLst>
-  </p:cSld>
-  <p:clrMapOvr>
-    <a:masterClrMapping/>
-  </p:clrMapOvr>
-</p:notes>
-</file>
-
-<file path=ppt/notesSlides/notesSlide9.xml><?xml version="1.0" encoding="utf-8"?>
 <p:notes xmlns:a="http://schemas.openxmlformats.org/drawingml/2006/main" xmlns:r="http://schemas.openxmlformats.org/officeDocument/2006/relationships" xmlns:p="http://schemas.openxmlformats.org/presentationml/2006/main">
   <p:cSld>
     <p:spTree>
@@ -1827,7 +2218,7 @@
           <a:p>
             <a:fld id="{CD563DD8-32AB-41BE-B1C6-8EAC45222ACE}" type="slidenum">
               <a:rPr lang="en-US" smtClean="0"/>
-              <a:t>17</a:t>
+              <a:t>14</a:t>
             </a:fld>
             <a:endParaRPr lang="en-US"/>
           </a:p>
@@ -1836,7 +2227,94 @@
     </p:spTree>
     <p:extLst>
       <p:ext uri="{BB962C8B-B14F-4D97-AF65-F5344CB8AC3E}">
-        <p14:creationId xmlns:p14="http://schemas.microsoft.com/office/powerpoint/2010/main" val="2237500373"/>
+        <p14:creationId xmlns:p14="http://schemas.microsoft.com/office/powerpoint/2010/main" val="4126061466"/>
+      </p:ext>
+    </p:extLst>
+  </p:cSld>
+  <p:clrMapOvr>
+    <a:masterClrMapping/>
+  </p:clrMapOvr>
+</p:notes>
+</file>
+
+<file path=ppt/notesSlides/notesSlide9.xml><?xml version="1.0" encoding="utf-8"?>
+<p:notes xmlns:a="http://schemas.openxmlformats.org/drawingml/2006/main" xmlns:r="http://schemas.openxmlformats.org/officeDocument/2006/relationships" xmlns:p="http://schemas.openxmlformats.org/presentationml/2006/main">
+  <p:cSld>
+    <p:spTree>
+      <p:nvGrpSpPr>
+        <p:cNvPr id="1" name=""/>
+        <p:cNvGrpSpPr/>
+        <p:nvPr/>
+      </p:nvGrpSpPr>
+      <p:grpSpPr>
+        <a:xfrm>
+          <a:off x="0" y="0"/>
+          <a:ext cx="0" cy="0"/>
+          <a:chOff x="0" y="0"/>
+          <a:chExt cx="0" cy="0"/>
+        </a:xfrm>
+      </p:grpSpPr>
+      <p:sp>
+        <p:nvSpPr>
+          <p:cNvPr id="2" name="Slide Image Placeholder 1"/>
+          <p:cNvSpPr>
+            <a:spLocks noGrp="1" noRot="1" noChangeAspect="1"/>
+          </p:cNvSpPr>
+          <p:nvPr>
+            <p:ph type="sldImg"/>
+          </p:nvPr>
+        </p:nvSpPr>
+        <p:spPr/>
+      </p:sp>
+      <p:sp>
+        <p:nvSpPr>
+          <p:cNvPr id="3" name="Notes Placeholder 2"/>
+          <p:cNvSpPr>
+            <a:spLocks noGrp="1"/>
+          </p:cNvSpPr>
+          <p:nvPr>
+            <p:ph type="body" idx="1"/>
+          </p:nvPr>
+        </p:nvSpPr>
+        <p:spPr/>
+        <p:txBody>
+          <a:bodyPr/>
+          <a:lstStyle/>
+          <a:p>
+            <a:r>
+              <a:rPr lang="en-US" dirty="0"/>
+              <a:t>Last min = minimum number when read in reverse order</a:t>
+            </a:r>
+          </a:p>
+        </p:txBody>
+      </p:sp>
+      <p:sp>
+        <p:nvSpPr>
+          <p:cNvPr id="4" name="Slide Number Placeholder 3"/>
+          <p:cNvSpPr>
+            <a:spLocks noGrp="1"/>
+          </p:cNvSpPr>
+          <p:nvPr>
+            <p:ph type="sldNum" sz="quarter" idx="10"/>
+          </p:nvPr>
+        </p:nvSpPr>
+        <p:spPr/>
+        <p:txBody>
+          <a:bodyPr/>
+          <a:lstStyle/>
+          <a:p>
+            <a:fld id="{CD563DD8-32AB-41BE-B1C6-8EAC45222ACE}" type="slidenum">
+              <a:rPr lang="en-US" smtClean="0"/>
+              <a:t>15</a:t>
+            </a:fld>
+            <a:endParaRPr lang="en-US"/>
+          </a:p>
+        </p:txBody>
+      </p:sp>
+    </p:spTree>
+    <p:extLst>
+      <p:ext uri="{BB962C8B-B14F-4D97-AF65-F5344CB8AC3E}">
+        <p14:creationId xmlns:p14="http://schemas.microsoft.com/office/powerpoint/2010/main" val="2441903922"/>
       </p:ext>
     </p:extLst>
   </p:cSld>
@@ -1983,7 +2461,7 @@
           <a:p>
             <a:fld id="{0560A9CD-0304-4E0B-9E82-E7E0115DE05B}" type="datetimeFigureOut">
               <a:rPr lang="en-US" smtClean="0"/>
-              <a:t>2/15/2023</a:t>
+              <a:t>3/1/2023</a:t>
             </a:fld>
             <a:endParaRPr lang="en-US"/>
           </a:p>
@@ -2151,7 +2629,7 @@
           <a:p>
             <a:fld id="{0560A9CD-0304-4E0B-9E82-E7E0115DE05B}" type="datetimeFigureOut">
               <a:rPr lang="en-US" smtClean="0"/>
-              <a:t>2/15/2023</a:t>
+              <a:t>3/1/2023</a:t>
             </a:fld>
             <a:endParaRPr lang="en-US"/>
           </a:p>
@@ -2329,7 +2807,7 @@
           <a:p>
             <a:fld id="{0560A9CD-0304-4E0B-9E82-E7E0115DE05B}" type="datetimeFigureOut">
               <a:rPr lang="en-US" smtClean="0"/>
-              <a:t>2/15/2023</a:t>
+              <a:t>3/1/2023</a:t>
             </a:fld>
             <a:endParaRPr lang="en-US"/>
           </a:p>
@@ -2512,7 +2990,7 @@
           <a:p>
             <a:fld id="{0560A9CD-0304-4E0B-9E82-E7E0115DE05B}" type="datetimeFigureOut">
               <a:rPr lang="en-US" smtClean="0"/>
-              <a:t>2/15/2023</a:t>
+              <a:t>3/1/2023</a:t>
             </a:fld>
             <a:endParaRPr lang="en-US"/>
           </a:p>
@@ -2757,7 +3235,7 @@
           <a:p>
             <a:fld id="{0560A9CD-0304-4E0B-9E82-E7E0115DE05B}" type="datetimeFigureOut">
               <a:rPr lang="en-US" smtClean="0"/>
-              <a:t>2/15/2023</a:t>
+              <a:t>3/1/2023</a:t>
             </a:fld>
             <a:endParaRPr lang="en-US"/>
           </a:p>
@@ -2986,7 +3464,7 @@
           <a:p>
             <a:fld id="{0560A9CD-0304-4E0B-9E82-E7E0115DE05B}" type="datetimeFigureOut">
               <a:rPr lang="en-US" smtClean="0"/>
-              <a:t>2/15/2023</a:t>
+              <a:t>3/1/2023</a:t>
             </a:fld>
             <a:endParaRPr lang="en-US"/>
           </a:p>
@@ -3350,7 +3828,7 @@
           <a:p>
             <a:fld id="{0560A9CD-0304-4E0B-9E82-E7E0115DE05B}" type="datetimeFigureOut">
               <a:rPr lang="en-US" smtClean="0"/>
-              <a:t>2/15/2023</a:t>
+              <a:t>3/1/2023</a:t>
             </a:fld>
             <a:endParaRPr lang="en-US"/>
           </a:p>
@@ -3467,7 +3945,7 @@
           <a:p>
             <a:fld id="{0560A9CD-0304-4E0B-9E82-E7E0115DE05B}" type="datetimeFigureOut">
               <a:rPr lang="en-US" smtClean="0"/>
-              <a:t>2/15/2023</a:t>
+              <a:t>3/1/2023</a:t>
             </a:fld>
             <a:endParaRPr lang="en-US"/>
           </a:p>
@@ -3562,7 +4040,7 @@
           <a:p>
             <a:fld id="{0560A9CD-0304-4E0B-9E82-E7E0115DE05B}" type="datetimeFigureOut">
               <a:rPr lang="en-US" smtClean="0"/>
-              <a:t>2/15/2023</a:t>
+              <a:t>3/1/2023</a:t>
             </a:fld>
             <a:endParaRPr lang="en-US"/>
           </a:p>
@@ -3837,7 +4315,7 @@
           <a:p>
             <a:fld id="{0560A9CD-0304-4E0B-9E82-E7E0115DE05B}" type="datetimeFigureOut">
               <a:rPr lang="en-US" smtClean="0"/>
-              <a:t>2/15/2023</a:t>
+              <a:t>3/1/2023</a:t>
             </a:fld>
             <a:endParaRPr lang="en-US"/>
           </a:p>
@@ -4089,7 +4567,7 @@
           <a:p>
             <a:fld id="{0560A9CD-0304-4E0B-9E82-E7E0115DE05B}" type="datetimeFigureOut">
               <a:rPr lang="en-US" smtClean="0"/>
-              <a:t>2/15/2023</a:t>
+              <a:t>3/1/2023</a:t>
             </a:fld>
             <a:endParaRPr lang="en-US"/>
           </a:p>
@@ -4300,7 +4778,7 @@
           <a:p>
             <a:fld id="{0560A9CD-0304-4E0B-9E82-E7E0115DE05B}" type="datetimeFigureOut">
               <a:rPr lang="en-US" smtClean="0"/>
-              <a:t>2/15/2023</a:t>
+              <a:t>3/1/2023</a:t>
             </a:fld>
             <a:endParaRPr lang="en-US"/>
           </a:p>
@@ -6402,19 +6880,11 @@
             </a:r>
             <a:r>
               <a:rPr lang="da-DK" sz="2400" dirty="0"/>
-              <a:t> </a:t>
+              <a:t> returns the </a:t>
             </a:r>
             <a:r>
               <a:rPr lang="da-DK" sz="2400" dirty="0" err="1"/>
-              <a:t>returns</a:t>
-            </a:r>
-            <a:r>
-              <a:rPr lang="da-DK" sz="2400" dirty="0"/>
-              <a:t> the </a:t>
-            </a:r>
-            <a:r>
-              <a:rPr lang="da-DK" sz="2400" dirty="0" err="1"/>
-              <a:t>subsequenece</a:t>
+              <a:t>subsequence</a:t>
             </a:r>
             <a:r>
               <a:rPr lang="da-DK" sz="2400" dirty="0"/>
@@ -7275,7 +7745,7 @@
           <p:nvPr>
             <p:extLst>
               <p:ext uri="{D42A27DB-BD31-4B8C-83A1-F6EECF244321}">
-                <p14:modId xmlns:p14="http://schemas.microsoft.com/office/powerpoint/2010/main" val="4128985113"/>
+                <p14:modId xmlns:p14="http://schemas.microsoft.com/office/powerpoint/2010/main" val="1996424070"/>
               </p:ext>
             </p:extLst>
           </p:nvPr>
@@ -7428,12 +7898,18 @@
                       </a:r>
                       <a:r>
                         <a:rPr lang="da-DK" sz="1800" b="1" baseline="0" dirty="0" err="1">
+                          <a:solidFill>
+                            <a:srgbClr val="C00000"/>
+                          </a:solidFill>
                           <a:latin typeface="Courier New" panose="02070309020205020404" pitchFamily="49" charset="0"/>
                           <a:cs typeface="Courier New" panose="02070309020205020404" pitchFamily="49" charset="0"/>
                         </a:rPr>
                         <a:t>reduce</a:t>
                       </a:r>
                       <a:endParaRPr lang="en-US" sz="1800" b="1" baseline="0" dirty="0">
+                        <a:solidFill>
+                          <a:srgbClr val="C00000"/>
+                        </a:solidFill>
                         <a:latin typeface="Courier New" panose="02070309020205020404" pitchFamily="49" charset="0"/>
                         <a:cs typeface="Courier New" panose="02070309020205020404" pitchFamily="49" charset="0"/>
                       </a:endParaRPr>
@@ -8451,7 +8927,7 @@
           <p:nvPr>
             <p:extLst>
               <p:ext uri="{D42A27DB-BD31-4B8C-83A1-F6EECF244321}">
-                <p14:modId xmlns:p14="http://schemas.microsoft.com/office/powerpoint/2010/main" val="1336834725"/>
+                <p14:modId xmlns:p14="http://schemas.microsoft.com/office/powerpoint/2010/main" val="1784115705"/>
               </p:ext>
             </p:extLst>
           </p:nvPr>
@@ -8939,7 +9415,7 @@
                           <a:latin typeface="Courier New" panose="02070309020205020404" pitchFamily="49" charset="0"/>
                           <a:cs typeface="Courier New" panose="02070309020205020404" pitchFamily="49" charset="0"/>
                         </a:rPr>
-                        <a:t>()] + ['~'])</a:t>
+                        <a:t>()])</a:t>
                       </a:r>
                       <a:r>
                         <a:rPr lang="en-US" sz="1600" b="1" baseline="0" dirty="0">
@@ -9021,7 +9497,7 @@
                           <a:latin typeface="Courier New" panose="02070309020205020404" pitchFamily="49" charset="0"/>
                           <a:cs typeface="Courier New" panose="02070309020205020404" pitchFamily="49" charset="0"/>
                         </a:rPr>
-                        <a:t>() for a in 'Beatles' if </a:t>
+                        <a:t>() for a in 'AC/DC' if </a:t>
                       </a:r>
                       <a:r>
                         <a:rPr lang="en-US" sz="1600" b="1" baseline="0" dirty="0" err="1">
@@ -9035,7 +9511,7 @@
                           <a:latin typeface="Courier New" panose="02070309020205020404" pitchFamily="49" charset="0"/>
                           <a:cs typeface="Courier New" panose="02070309020205020404" pitchFamily="49" charset="0"/>
                         </a:rPr>
-                        <a:t>()] + ['~'])</a:t>
+                        <a:t>()])</a:t>
                       </a:r>
                       <a:endParaRPr lang="pt-BR" sz="1600" b="1" baseline="0" dirty="0">
                         <a:latin typeface="Courier New" panose="02070309020205020404" pitchFamily="49" charset="0"/>
@@ -9069,21 +9545,7 @@
                           <a:latin typeface="Courier New" panose="02070309020205020404" pitchFamily="49" charset="0"/>
                           <a:cs typeface="Courier New" panose="02070309020205020404" pitchFamily="49" charset="0"/>
                         </a:rPr>
-                        <a:t>['a', 'b', 'e', 'e', 'l', 's', 't'</a:t>
-                      </a:r>
-                      <a:r>
-                        <a:rPr lang="en-US" sz="1600" b="1" baseline="0" dirty="0">
-                          <a:latin typeface="Courier New" panose="02070309020205020404" pitchFamily="49" charset="0"/>
-                          <a:cs typeface="Courier New" panose="02070309020205020404" pitchFamily="49" charset="0"/>
-                        </a:rPr>
-                        <a:t>, '~'</a:t>
-                      </a:r>
-                      <a:r>
-                        <a:rPr lang="pt-BR" sz="1600" b="1" baseline="0" dirty="0">
-                          <a:latin typeface="Courier New" panose="02070309020205020404" pitchFamily="49" charset="0"/>
-                          <a:cs typeface="Courier New" panose="02070309020205020404" pitchFamily="49" charset="0"/>
-                        </a:rPr>
-                        <a:t>]</a:t>
+                        <a:t>['a', 'c', 'c', 'd']</a:t>
                       </a:r>
                     </a:p>
                   </a:txBody>
@@ -11359,7 +11821,7 @@
           <p:nvPr>
             <p:extLst>
               <p:ext uri="{D42A27DB-BD31-4B8C-83A1-F6EECF244321}">
-                <p14:modId xmlns:p14="http://schemas.microsoft.com/office/powerpoint/2010/main" val="678316690"/>
+                <p14:modId xmlns:p14="http://schemas.microsoft.com/office/powerpoint/2010/main" val="3458669630"/>
               </p:ext>
             </p:extLst>
           </p:nvPr>
@@ -12033,7 +12495,21 @@
                           <a:latin typeface="Courier New" panose="02070309020205020404" pitchFamily="49" charset="0"/>
                           <a:cs typeface="Courier New" panose="02070309020205020404" pitchFamily="49" charset="0"/>
                         </a:rPr>
-                        <a:t>    print("f(%s) = %s" % (x, </a:t>
+                        <a:t>    print(</a:t>
+                      </a:r>
+                      <a:r>
+                        <a:rPr lang="en-US" sz="1400" b="1" dirty="0" err="1">
+                          <a:latin typeface="Courier New" panose="02070309020205020404" pitchFamily="49" charset="0"/>
+                          <a:cs typeface="Courier New" panose="02070309020205020404" pitchFamily="49" charset="0"/>
+                        </a:rPr>
+                        <a:t>f'f</a:t>
+                      </a:r>
+                      <a:r>
+                        <a:rPr lang="en-US" sz="1400" b="1" dirty="0">
+                          <a:latin typeface="Courier New" panose="02070309020205020404" pitchFamily="49" charset="0"/>
+                          <a:cs typeface="Courier New" panose="02070309020205020404" pitchFamily="49" charset="0"/>
+                        </a:rPr>
+                        <a:t>({x}) = {</a:t>
                       </a:r>
                       <a:r>
                         <a:rPr lang="en-US" sz="1400" b="1" dirty="0">
@@ -12050,7 +12526,7 @@
                           <a:latin typeface="Courier New" panose="02070309020205020404" pitchFamily="49" charset="0"/>
                           <a:cs typeface="Courier New" panose="02070309020205020404" pitchFamily="49" charset="0"/>
                         </a:rPr>
-                        <a:t>(x)))</a:t>
+                        <a:t>(x)}')</a:t>
                       </a:r>
                     </a:p>
                     <a:p>
@@ -12109,7 +12585,21 @@
                           <a:latin typeface="Courier New" panose="02070309020205020404" pitchFamily="49" charset="0"/>
                           <a:cs typeface="Courier New" panose="02070309020205020404" pitchFamily="49" charset="0"/>
                         </a:rPr>
-                        <a:t>    print("p(%s) = %s" % (x, </a:t>
+                        <a:t>    print(</a:t>
+                      </a:r>
+                      <a:r>
+                        <a:rPr lang="en-US" sz="1400" b="1" dirty="0" err="1">
+                          <a:latin typeface="Courier New" panose="02070309020205020404" pitchFamily="49" charset="0"/>
+                          <a:cs typeface="Courier New" panose="02070309020205020404" pitchFamily="49" charset="0"/>
+                        </a:rPr>
+                        <a:t>f'p</a:t>
+                      </a:r>
+                      <a:r>
+                        <a:rPr lang="en-US" sz="1400" b="1" dirty="0">
+                          <a:latin typeface="Courier New" panose="02070309020205020404" pitchFamily="49" charset="0"/>
+                          <a:cs typeface="Courier New" panose="02070309020205020404" pitchFamily="49" charset="0"/>
+                        </a:rPr>
+                        <a:t>({x}) = {</a:t>
                       </a:r>
                       <a:r>
                         <a:rPr lang="en-US" sz="1400" b="1" dirty="0">
@@ -12126,7 +12616,7 @@
                           <a:latin typeface="Courier New" panose="02070309020205020404" pitchFamily="49" charset="0"/>
                           <a:cs typeface="Courier New" panose="02070309020205020404" pitchFamily="49" charset="0"/>
                         </a:rPr>
-                        <a:t>(x)))</a:t>
+                        <a:t>(x)}')</a:t>
                       </a:r>
                     </a:p>
                     <a:p>
@@ -12140,7 +12630,7 @@
                           <a:latin typeface="Courier New" panose="02070309020205020404" pitchFamily="49" charset="0"/>
                           <a:cs typeface="Courier New" panose="02070309020205020404" pitchFamily="49" charset="0"/>
                         </a:rPr>
-                        <a:t>print("polynomial([3, 2, 1])(2) =", </a:t>
+                        <a:t>print(f'{</a:t>
                       </a:r>
                       <a:r>
                         <a:rPr lang="en-US" sz="1400" b="1" dirty="0">
@@ -12157,7 +12647,7 @@
                           <a:latin typeface="Courier New" panose="02070309020205020404" pitchFamily="49" charset="0"/>
                           <a:cs typeface="Courier New" panose="02070309020205020404" pitchFamily="49" charset="0"/>
                         </a:rPr>
-                        <a:t>([3, 2, 1])(2))</a:t>
+                        <a:t>([3, 2, 1])(2) = }')</a:t>
                       </a:r>
                     </a:p>
                     <a:p>
@@ -12238,7 +12728,7 @@
                           <a:latin typeface="Courier New" panose="02070309020205020404" pitchFamily="49" charset="0"/>
                           <a:cs typeface="Courier New" panose="02070309020205020404" pitchFamily="49" charset="0"/>
                         </a:rPr>
-                        <a:t>print("h(3, 5) =", </a:t>
+                        <a:t>print(f'{</a:t>
                       </a:r>
                       <a:r>
                         <a:rPr lang="en-US" sz="1400" b="1" dirty="0">
@@ -12255,7 +12745,7 @@
                           <a:latin typeface="Courier New" panose="02070309020205020404" pitchFamily="49" charset="0"/>
                           <a:cs typeface="Courier New" panose="02070309020205020404" pitchFamily="49" charset="0"/>
                         </a:rPr>
-                        <a:t>(3, 5))</a:t>
+                        <a:t>(3, 5) = }')</a:t>
                       </a:r>
                     </a:p>
                   </a:txBody>
@@ -20139,7 +20629,7 @@
           <p:nvPr>
             <p:extLst>
               <p:ext uri="{D42A27DB-BD31-4B8C-83A1-F6EECF244321}">
-                <p14:modId xmlns:p14="http://schemas.microsoft.com/office/powerpoint/2010/main" val="3367288835"/>
+                <p14:modId xmlns:p14="http://schemas.microsoft.com/office/powerpoint/2010/main" val="3108472226"/>
               </p:ext>
             </p:extLst>
           </p:nvPr>
@@ -20902,7 +21392,7 @@
                           <a:latin typeface="Courier New" panose="02070309020205020404" pitchFamily="49" charset="0"/>
                           <a:cs typeface="Courier New" panose="02070309020205020404" pitchFamily="49" charset="0"/>
                         </a:rPr>
-                        <a:t> = partial(f, 2, 1 )</a:t>
+                        <a:t> = partial(f, 2, 1)</a:t>
                       </a:r>
                     </a:p>
                     <a:p>
@@ -22542,14 +23032,14 @@
           <p:nvPr>
             <p:extLst>
               <p:ext uri="{D42A27DB-BD31-4B8C-83A1-F6EECF244321}">
-                <p14:modId xmlns:p14="http://schemas.microsoft.com/office/powerpoint/2010/main" val="2396671776"/>
+                <p14:modId xmlns:p14="http://schemas.microsoft.com/office/powerpoint/2010/main" val="2343224345"/>
               </p:ext>
             </p:extLst>
           </p:nvPr>
         </p:nvGraphicFramePr>
         <p:xfrm>
-          <a:off x="3961410" y="1916319"/>
-          <a:ext cx="4778829" cy="4337370"/>
+          <a:off x="3961410" y="1702563"/>
+          <a:ext cx="4778829" cy="4886010"/>
         </p:xfrm>
         <a:graphic>
           <a:graphicData uri="http://schemas.openxmlformats.org/drawingml/2006/table">
@@ -22816,11 +23306,13 @@
                     <a:p>
                       <a:pPr marL="266700" indent="-266700">
                         <a:buClr>
-                          <a:srgbClr val="C00000"/>
+                          <a:schemeClr val="accent1">
+                            <a:lumMod val="50000"/>
+                          </a:schemeClr>
                         </a:buClr>
-                        <a:buSzPct val="100000"/>
+                        <a:buSzPct val="120000"/>
                         <a:buFont typeface="Courier New" panose="02070309020205020404" pitchFamily="49" charset="0"/>
-                        <a:buChar char="&gt;"/>
+                        <a:buChar char="|"/>
                       </a:pPr>
                       <a:r>
                         <a:rPr lang="pt-BR" sz="1800" b="1" baseline="0" dirty="0">
@@ -22848,6 +23340,53 @@
                         </a:rPr>
                         <a:t>25</a:t>
                       </a:r>
+                    </a:p>
+                    <a:p>
+                      <a:pPr marL="266700" indent="-266700">
+                        <a:buClr>
+                          <a:srgbClr val="C00000"/>
+                        </a:buClr>
+                        <a:buSzPct val="100000"/>
+                        <a:buFont typeface="Courier New" panose="02070309020205020404" pitchFamily="49" charset="0"/>
+                        <a:buChar char="&gt;"/>
+                      </a:pPr>
+                      <a:r>
+                        <a:rPr lang="pt-BR" sz="1800" b="1" baseline="0" dirty="0">
+                          <a:latin typeface="Courier New" panose="02070309020205020404" pitchFamily="49" charset="0"/>
+                          <a:cs typeface="Courier New" panose="02070309020205020404" pitchFamily="49" charset="0"/>
+                        </a:rPr>
+                        <a:t>kvadrat</a:t>
+                      </a:r>
+                    </a:p>
+                    <a:p>
+                      <a:pPr marL="266700" indent="-266700">
+                        <a:buClr>
+                          <a:schemeClr val="accent1">
+                            <a:lumMod val="50000"/>
+                          </a:schemeClr>
+                        </a:buClr>
+                        <a:buSzPct val="120000"/>
+                        <a:buFont typeface="Courier New" panose="02070309020205020404" pitchFamily="49" charset="0"/>
+                        <a:buChar char="|"/>
+                      </a:pPr>
+                      <a:r>
+                        <a:rPr lang="pt-BR" sz="1800" b="1" baseline="0" dirty="0">
+                          <a:latin typeface="Courier New" panose="02070309020205020404" pitchFamily="49" charset="0"/>
+                          <a:cs typeface="Courier New" panose="02070309020205020404" pitchFamily="49" charset="0"/>
+                        </a:rPr>
+                        <a:t>&lt;function square at </a:t>
+                      </a:r>
+                      <a:r>
+                        <a:rPr lang="pt-BR" sz="1800" b="1" baseline="0">
+                          <a:latin typeface="Courier New" panose="02070309020205020404" pitchFamily="49" charset="0"/>
+                          <a:cs typeface="Courier New" panose="02070309020205020404" pitchFamily="49" charset="0"/>
+                        </a:rPr>
+                        <a:t>0x0329A390&gt;</a:t>
+                      </a:r>
+                      <a:endParaRPr lang="pt-BR" sz="1800" b="1" baseline="0" dirty="0">
+                        <a:latin typeface="Courier New" panose="02070309020205020404" pitchFamily="49" charset="0"/>
+                        <a:cs typeface="Courier New" panose="02070309020205020404" pitchFamily="49" charset="0"/>
+                      </a:endParaRPr>
                     </a:p>
                     <a:p>
                       <a:pPr marL="266700" indent="-266700">
@@ -24858,7 +25397,7 @@
           <p:nvPr>
             <p:extLst>
               <p:ext uri="{D42A27DB-BD31-4B8C-83A1-F6EECF244321}">
-                <p14:modId xmlns:p14="http://schemas.microsoft.com/office/powerpoint/2010/main" val="4147956340"/>
+                <p14:modId xmlns:p14="http://schemas.microsoft.com/office/powerpoint/2010/main" val="338673522"/>
               </p:ext>
             </p:extLst>
           </p:nvPr>
@@ -26569,7 +27108,7 @@
           <p:nvPr>
             <p:extLst>
               <p:ext uri="{D42A27DB-BD31-4B8C-83A1-F6EECF244321}">
-                <p14:modId xmlns:p14="http://schemas.microsoft.com/office/powerpoint/2010/main" val="911252935"/>
+                <p14:modId xmlns:p14="http://schemas.microsoft.com/office/powerpoint/2010/main" val="829230961"/>
               </p:ext>
             </p:extLst>
           </p:nvPr>
@@ -26740,7 +27279,7 @@
                           <a:latin typeface="Courier New" panose="02070309020205020404" pitchFamily="49" charset="0"/>
                           <a:cs typeface="Courier New" panose="02070309020205020404" pitchFamily="49" charset="0"/>
                         </a:rPr>
-                        <a:t>      return x*x</a:t>
+                        <a:t>      return x * x</a:t>
                       </a:r>
                     </a:p>
                     <a:p>

--- a/ipsa/slides/lambda.pptx
+++ b/ipsa/slides/lambda.pptx
@@ -138,7 +138,7 @@
 <file path=ppt/revisionInfo.xml><?xml version="1.0" encoding="utf-8"?>
 <p1510:revInfo xmlns:a="http://schemas.openxmlformats.org/drawingml/2006/main" xmlns:r="http://schemas.openxmlformats.org/officeDocument/2006/relationships" xmlns:p1510="http://schemas.microsoft.com/office/powerpoint/2015/10/main">
   <p1510:revLst>
-    <p1510:client id="{734C3A8B-8F67-4AB6-A6C8-CFD1AC566D4B}" v="13" dt="2023-03-01T15:01:10.467"/>
+    <p1510:client id="{734C3A8B-8F67-4AB6-A6C8-CFD1AC566D4B}" v="19" dt="2023-03-05T16:28:10.914"/>
   </p1510:revLst>
 </p1510:revInfo>
 </file>
@@ -179,7 +179,7 @@
   <pc:docChgLst>
     <pc:chgData name="Gerth Stølting Brodal" userId="04ef4784-6591-4f86-a140-f5c3b108582a" providerId="ADAL" clId="{734C3A8B-8F67-4AB6-A6C8-CFD1AC566D4B}"/>
     <pc:docChg chg="undo custSel modSld">
-      <pc:chgData name="Gerth Stølting Brodal" userId="04ef4784-6591-4f86-a140-f5c3b108582a" providerId="ADAL" clId="{734C3A8B-8F67-4AB6-A6C8-CFD1AC566D4B}" dt="2023-03-01T15:01:13.907" v="446" actId="20577"/>
+      <pc:chgData name="Gerth Stølting Brodal" userId="04ef4784-6591-4f86-a140-f5c3b108582a" providerId="ADAL" clId="{734C3A8B-8F67-4AB6-A6C8-CFD1AC566D4B}" dt="2023-03-05T16:25:58.321" v="519" actId="20577"/>
       <pc:docMkLst>
         <pc:docMk/>
       </pc:docMkLst>
@@ -294,6 +294,13 @@
             <ac:graphicFrameMk id="4" creationId="{00000000-0000-0000-0000-000000000000}"/>
           </ac:graphicFrameMkLst>
         </pc:graphicFrameChg>
+      </pc:sldChg>
+      <pc:sldChg chg="modNotesTx">
+        <pc:chgData name="Gerth Stølting Brodal" userId="04ef4784-6591-4f86-a140-f5c3b108582a" providerId="ADAL" clId="{734C3A8B-8F67-4AB6-A6C8-CFD1AC566D4B}" dt="2023-03-05T16:25:58.321" v="519" actId="20577"/>
+        <pc:sldMkLst>
+          <pc:docMk/>
+          <pc:sldMk cId="4193267438" sldId="625"/>
+        </pc:sldMkLst>
       </pc:sldChg>
       <pc:sldChg chg="modSp mod">
         <pc:chgData name="Gerth Stølting Brodal" userId="04ef4784-6591-4f86-a140-f5c3b108582a" providerId="ADAL" clId="{734C3A8B-8F67-4AB6-A6C8-CFD1AC566D4B}" dt="2023-03-01T10:17:36.510" v="434" actId="207"/>
@@ -542,7 +549,7 @@
           <a:p>
             <a:fld id="{FB1A172F-81D4-4DC4-9113-1DBD56EC3646}" type="datetimeFigureOut">
               <a:rPr lang="en-US" smtClean="0"/>
-              <a:t>3/1/2023</a:t>
+              <a:t>3/5/2023</a:t>
             </a:fld>
             <a:endParaRPr lang="en-US"/>
           </a:p>
@@ -1353,6 +1360,14 @@
           <a:bodyPr/>
           <a:lstStyle/>
           <a:p>
+            <a:r>
+              <a:rPr lang="en-US" dirty="0"/>
+              <a:t>Dotted edges show the namespace of a function</a:t>
+            </a:r>
+            <a:r>
+              <a:rPr lang="en-US"/>
+              <a:t>/lambda</a:t>
+            </a:r>
             <a:endParaRPr lang="da-DK" dirty="0"/>
           </a:p>
         </p:txBody>
@@ -2461,7 +2476,7 @@
           <a:p>
             <a:fld id="{0560A9CD-0304-4E0B-9E82-E7E0115DE05B}" type="datetimeFigureOut">
               <a:rPr lang="en-US" smtClean="0"/>
-              <a:t>3/1/2023</a:t>
+              <a:t>3/5/2023</a:t>
             </a:fld>
             <a:endParaRPr lang="en-US"/>
           </a:p>
@@ -2629,7 +2644,7 @@
           <a:p>
             <a:fld id="{0560A9CD-0304-4E0B-9E82-E7E0115DE05B}" type="datetimeFigureOut">
               <a:rPr lang="en-US" smtClean="0"/>
-              <a:t>3/1/2023</a:t>
+              <a:t>3/5/2023</a:t>
             </a:fld>
             <a:endParaRPr lang="en-US"/>
           </a:p>
@@ -2807,7 +2822,7 @@
           <a:p>
             <a:fld id="{0560A9CD-0304-4E0B-9E82-E7E0115DE05B}" type="datetimeFigureOut">
               <a:rPr lang="en-US" smtClean="0"/>
-              <a:t>3/1/2023</a:t>
+              <a:t>3/5/2023</a:t>
             </a:fld>
             <a:endParaRPr lang="en-US"/>
           </a:p>
@@ -2990,7 +3005,7 @@
           <a:p>
             <a:fld id="{0560A9CD-0304-4E0B-9E82-E7E0115DE05B}" type="datetimeFigureOut">
               <a:rPr lang="en-US" smtClean="0"/>
-              <a:t>3/1/2023</a:t>
+              <a:t>3/5/2023</a:t>
             </a:fld>
             <a:endParaRPr lang="en-US"/>
           </a:p>
@@ -3235,7 +3250,7 @@
           <a:p>
             <a:fld id="{0560A9CD-0304-4E0B-9E82-E7E0115DE05B}" type="datetimeFigureOut">
               <a:rPr lang="en-US" smtClean="0"/>
-              <a:t>3/1/2023</a:t>
+              <a:t>3/5/2023</a:t>
             </a:fld>
             <a:endParaRPr lang="en-US"/>
           </a:p>
@@ -3464,7 +3479,7 @@
           <a:p>
             <a:fld id="{0560A9CD-0304-4E0B-9E82-E7E0115DE05B}" type="datetimeFigureOut">
               <a:rPr lang="en-US" smtClean="0"/>
-              <a:t>3/1/2023</a:t>
+              <a:t>3/5/2023</a:t>
             </a:fld>
             <a:endParaRPr lang="en-US"/>
           </a:p>
@@ -3828,7 +3843,7 @@
           <a:p>
             <a:fld id="{0560A9CD-0304-4E0B-9E82-E7E0115DE05B}" type="datetimeFigureOut">
               <a:rPr lang="en-US" smtClean="0"/>
-              <a:t>3/1/2023</a:t>
+              <a:t>3/5/2023</a:t>
             </a:fld>
             <a:endParaRPr lang="en-US"/>
           </a:p>
@@ -3945,7 +3960,7 @@
           <a:p>
             <a:fld id="{0560A9CD-0304-4E0B-9E82-E7E0115DE05B}" type="datetimeFigureOut">
               <a:rPr lang="en-US" smtClean="0"/>
-              <a:t>3/1/2023</a:t>
+              <a:t>3/5/2023</a:t>
             </a:fld>
             <a:endParaRPr lang="en-US"/>
           </a:p>
@@ -4040,7 +4055,7 @@
           <a:p>
             <a:fld id="{0560A9CD-0304-4E0B-9E82-E7E0115DE05B}" type="datetimeFigureOut">
               <a:rPr lang="en-US" smtClean="0"/>
-              <a:t>3/1/2023</a:t>
+              <a:t>3/5/2023</a:t>
             </a:fld>
             <a:endParaRPr lang="en-US"/>
           </a:p>
@@ -4315,7 +4330,7 @@
           <a:p>
             <a:fld id="{0560A9CD-0304-4E0B-9E82-E7E0115DE05B}" type="datetimeFigureOut">
               <a:rPr lang="en-US" smtClean="0"/>
-              <a:t>3/1/2023</a:t>
+              <a:t>3/5/2023</a:t>
             </a:fld>
             <a:endParaRPr lang="en-US"/>
           </a:p>
@@ -4567,7 +4582,7 @@
           <a:p>
             <a:fld id="{0560A9CD-0304-4E0B-9E82-E7E0115DE05B}" type="datetimeFigureOut">
               <a:rPr lang="en-US" smtClean="0"/>
-              <a:t>3/1/2023</a:t>
+              <a:t>3/5/2023</a:t>
             </a:fld>
             <a:endParaRPr lang="en-US"/>
           </a:p>
@@ -4778,7 +4793,7 @@
           <a:p>
             <a:fld id="{0560A9CD-0304-4E0B-9E82-E7E0115DE05B}" type="datetimeFigureOut">
               <a:rPr lang="en-US" smtClean="0"/>
-              <a:t>3/1/2023</a:t>
+              <a:t>3/5/2023</a:t>
             </a:fld>
             <a:endParaRPr lang="en-US"/>
           </a:p>

--- a/ipsa/slides/lambda.pptx
+++ b/ipsa/slides/lambda.pptx
@@ -21,10 +21,10 @@
     <p:sldId id="617" r:id="rId12"/>
     <p:sldId id="616" r:id="rId13"/>
     <p:sldId id="584" r:id="rId14"/>
-    <p:sldId id="622" r:id="rId15"/>
-    <p:sldId id="629" r:id="rId16"/>
-    <p:sldId id="630" r:id="rId17"/>
-    <p:sldId id="510" r:id="rId18"/>
+    <p:sldId id="510" r:id="rId15"/>
+    <p:sldId id="622" r:id="rId16"/>
+    <p:sldId id="629" r:id="rId17"/>
+    <p:sldId id="630" r:id="rId18"/>
     <p:sldId id="626" r:id="rId19"/>
     <p:sldId id="624" r:id="rId20"/>
     <p:sldId id="625" r:id="rId21"/>
@@ -172,6 +172,22 @@
         <pc:sldMkLst>
           <pc:docMk/>
           <pc:sldMk cId="2401375598" sldId="616"/>
+        </pc:sldMkLst>
+      </pc:sldChg>
+    </pc:docChg>
+  </pc:docChgLst>
+  <pc:docChgLst>
+    <pc:chgData name="Gerth Stølting" userId="04ef4784-6591-4f86-a140-f5c3b108582a" providerId="ADAL" clId="{734C3A8B-8F67-4AB6-A6C8-CFD1AC566D4B}"/>
+    <pc:docChg chg="modSld sldOrd">
+      <pc:chgData name="Gerth Stølting" userId="04ef4784-6591-4f86-a140-f5c3b108582a" providerId="ADAL" clId="{734C3A8B-8F67-4AB6-A6C8-CFD1AC566D4B}" dt="2023-03-06T07:56:07.490" v="3"/>
+      <pc:docMkLst>
+        <pc:docMk/>
+      </pc:docMkLst>
+      <pc:sldChg chg="ord">
+        <pc:chgData name="Gerth Stølting" userId="04ef4784-6591-4f86-a140-f5c3b108582a" providerId="ADAL" clId="{734C3A8B-8F67-4AB6-A6C8-CFD1AC566D4B}" dt="2023-03-06T07:56:07.490" v="3"/>
+        <pc:sldMkLst>
+          <pc:docMk/>
+          <pc:sldMk cId="801879974" sldId="510"/>
         </pc:sldMkLst>
       </pc:sldChg>
     </pc:docChg>
@@ -549,7 +565,7 @@
           <a:p>
             <a:fld id="{FB1A172F-81D4-4DC4-9113-1DBD56EC3646}" type="datetimeFigureOut">
               <a:rPr lang="en-US" smtClean="0"/>
-              <a:t>3/5/2023</a:t>
+              <a:t>3/6/2023</a:t>
             </a:fld>
             <a:endParaRPr lang="en-US"/>
           </a:p>
@@ -1002,37 +1018,8 @@
           <a:p>
             <a:r>
               <a:rPr lang="en-US" dirty="0"/>
-              <a:t>Why do we need a </a:t>
-            </a:r>
-            <a:r>
-              <a:rPr lang="en-US" i="1" dirty="0"/>
-              <a:t>factory function</a:t>
-            </a:r>
-            <a:r>
-              <a:rPr lang="en-US" dirty="0"/>
-              <a:t>? Otherwise, a fixed (but mutable) [] would be </a:t>
-            </a:r>
-            <a:r>
-              <a:rPr lang="en-US" i="1" dirty="0"/>
-              <a:t>shared</a:t>
-            </a:r>
-            <a:r>
-              <a:rPr lang="en-US" dirty="0"/>
-              <a:t> among all undefined entries.</a:t>
-            </a:r>
-          </a:p>
-          <a:p>
-            <a:r>
-              <a:rPr lang="en-US" dirty="0" err="1"/>
-              <a:t>dict.get</a:t>
-            </a:r>
-            <a:r>
-              <a:rPr lang="en-US" dirty="0"/>
-              <a:t>(key, default)  does not create entry in dictionary, and we need to evaluate default on each call, e.g. create an empty list, even that the entry is defined.</a:t>
-            </a:r>
-          </a:p>
-          <a:p>
-            <a:endParaRPr lang="en-US" dirty="0"/>
+              <a:t>Last min = minimum number when read in reverse order</a:t>
+            </a:r>
           </a:p>
         </p:txBody>
       </p:sp>
@@ -1062,7 +1049,7 @@
     </p:spTree>
     <p:extLst>
       <p:ext uri="{BB962C8B-B14F-4D97-AF65-F5344CB8AC3E}">
-        <p14:creationId xmlns:p14="http://schemas.microsoft.com/office/powerpoint/2010/main" val="209096355"/>
+        <p14:creationId xmlns:p14="http://schemas.microsoft.com/office/powerpoint/2010/main" val="2441903922"/>
       </p:ext>
     </p:extLst>
   </p:cSld>
@@ -1116,6 +1103,38 @@
           <a:bodyPr/>
           <a:lstStyle/>
           <a:p>
+            <a:r>
+              <a:rPr lang="en-US" dirty="0"/>
+              <a:t>Why do we need a </a:t>
+            </a:r>
+            <a:r>
+              <a:rPr lang="en-US" i="1" dirty="0"/>
+              <a:t>factory function</a:t>
+            </a:r>
+            <a:r>
+              <a:rPr lang="en-US" dirty="0"/>
+              <a:t>? Otherwise, a fixed (but mutable) [] would be </a:t>
+            </a:r>
+            <a:r>
+              <a:rPr lang="en-US" i="1" dirty="0"/>
+              <a:t>shared</a:t>
+            </a:r>
+            <a:r>
+              <a:rPr lang="en-US" dirty="0"/>
+              <a:t> among all undefined entries.</a:t>
+            </a:r>
+          </a:p>
+          <a:p>
+            <a:r>
+              <a:rPr lang="en-US" dirty="0" err="1"/>
+              <a:t>dict.get</a:t>
+            </a:r>
+            <a:r>
+              <a:rPr lang="en-US" dirty="0"/>
+              <a:t>(key, default)  does not create entry in dictionary, and we need to evaluate default on each call, e.g. create an empty list, even that the entry is defined.</a:t>
+            </a:r>
+          </a:p>
+          <a:p>
             <a:endParaRPr lang="en-US" dirty="0"/>
           </a:p>
         </p:txBody>
@@ -1146,7 +1165,7 @@
     </p:spTree>
     <p:extLst>
       <p:ext uri="{BB962C8B-B14F-4D97-AF65-F5344CB8AC3E}">
-        <p14:creationId xmlns:p14="http://schemas.microsoft.com/office/powerpoint/2010/main" val="2237500373"/>
+        <p14:creationId xmlns:p14="http://schemas.microsoft.com/office/powerpoint/2010/main" val="209096355"/>
       </p:ext>
     </p:extLst>
   </p:cSld>
@@ -2242,7 +2261,7 @@
     </p:spTree>
     <p:extLst>
       <p:ext uri="{BB962C8B-B14F-4D97-AF65-F5344CB8AC3E}">
-        <p14:creationId xmlns:p14="http://schemas.microsoft.com/office/powerpoint/2010/main" val="4126061466"/>
+        <p14:creationId xmlns:p14="http://schemas.microsoft.com/office/powerpoint/2010/main" val="2237500373"/>
       </p:ext>
     </p:extLst>
   </p:cSld>
@@ -2296,10 +2315,7 @@
           <a:bodyPr/>
           <a:lstStyle/>
           <a:p>
-            <a:r>
-              <a:rPr lang="en-US" dirty="0"/>
-              <a:t>Last min = minimum number when read in reverse order</a:t>
-            </a:r>
+            <a:endParaRPr lang="en-US" dirty="0"/>
           </a:p>
         </p:txBody>
       </p:sp>
@@ -2329,7 +2345,7 @@
     </p:spTree>
     <p:extLst>
       <p:ext uri="{BB962C8B-B14F-4D97-AF65-F5344CB8AC3E}">
-        <p14:creationId xmlns:p14="http://schemas.microsoft.com/office/powerpoint/2010/main" val="2441903922"/>
+        <p14:creationId xmlns:p14="http://schemas.microsoft.com/office/powerpoint/2010/main" val="4126061466"/>
       </p:ext>
     </p:extLst>
   </p:cSld>
@@ -2476,7 +2492,7 @@
           <a:p>
             <a:fld id="{0560A9CD-0304-4E0B-9E82-E7E0115DE05B}" type="datetimeFigureOut">
               <a:rPr lang="en-US" smtClean="0"/>
-              <a:t>3/5/2023</a:t>
+              <a:t>3/6/2023</a:t>
             </a:fld>
             <a:endParaRPr lang="en-US"/>
           </a:p>
@@ -2644,7 +2660,7 @@
           <a:p>
             <a:fld id="{0560A9CD-0304-4E0B-9E82-E7E0115DE05B}" type="datetimeFigureOut">
               <a:rPr lang="en-US" smtClean="0"/>
-              <a:t>3/5/2023</a:t>
+              <a:t>3/6/2023</a:t>
             </a:fld>
             <a:endParaRPr lang="en-US"/>
           </a:p>
@@ -2822,7 +2838,7 @@
           <a:p>
             <a:fld id="{0560A9CD-0304-4E0B-9E82-E7E0115DE05B}" type="datetimeFigureOut">
               <a:rPr lang="en-US" smtClean="0"/>
-              <a:t>3/5/2023</a:t>
+              <a:t>3/6/2023</a:t>
             </a:fld>
             <a:endParaRPr lang="en-US"/>
           </a:p>
@@ -3005,7 +3021,7 @@
           <a:p>
             <a:fld id="{0560A9CD-0304-4E0B-9E82-E7E0115DE05B}" type="datetimeFigureOut">
               <a:rPr lang="en-US" smtClean="0"/>
-              <a:t>3/5/2023</a:t>
+              <a:t>3/6/2023</a:t>
             </a:fld>
             <a:endParaRPr lang="en-US"/>
           </a:p>
@@ -3250,7 +3266,7 @@
           <a:p>
             <a:fld id="{0560A9CD-0304-4E0B-9E82-E7E0115DE05B}" type="datetimeFigureOut">
               <a:rPr lang="en-US" smtClean="0"/>
-              <a:t>3/5/2023</a:t>
+              <a:t>3/6/2023</a:t>
             </a:fld>
             <a:endParaRPr lang="en-US"/>
           </a:p>
@@ -3479,7 +3495,7 @@
           <a:p>
             <a:fld id="{0560A9CD-0304-4E0B-9E82-E7E0115DE05B}" type="datetimeFigureOut">
               <a:rPr lang="en-US" smtClean="0"/>
-              <a:t>3/5/2023</a:t>
+              <a:t>3/6/2023</a:t>
             </a:fld>
             <a:endParaRPr lang="en-US"/>
           </a:p>
@@ -3843,7 +3859,7 @@
           <a:p>
             <a:fld id="{0560A9CD-0304-4E0B-9E82-E7E0115DE05B}" type="datetimeFigureOut">
               <a:rPr lang="en-US" smtClean="0"/>
-              <a:t>3/5/2023</a:t>
+              <a:t>3/6/2023</a:t>
             </a:fld>
             <a:endParaRPr lang="en-US"/>
           </a:p>
@@ -3960,7 +3976,7 @@
           <a:p>
             <a:fld id="{0560A9CD-0304-4E0B-9E82-E7E0115DE05B}" type="datetimeFigureOut">
               <a:rPr lang="en-US" smtClean="0"/>
-              <a:t>3/5/2023</a:t>
+              <a:t>3/6/2023</a:t>
             </a:fld>
             <a:endParaRPr lang="en-US"/>
           </a:p>
@@ -4055,7 +4071,7 @@
           <a:p>
             <a:fld id="{0560A9CD-0304-4E0B-9E82-E7E0115DE05B}" type="datetimeFigureOut">
               <a:rPr lang="en-US" smtClean="0"/>
-              <a:t>3/5/2023</a:t>
+              <a:t>3/6/2023</a:t>
             </a:fld>
             <a:endParaRPr lang="en-US"/>
           </a:p>
@@ -4330,7 +4346,7 @@
           <a:p>
             <a:fld id="{0560A9CD-0304-4E0B-9E82-E7E0115DE05B}" type="datetimeFigureOut">
               <a:rPr lang="en-US" smtClean="0"/>
-              <a:t>3/5/2023</a:t>
+              <a:t>3/6/2023</a:t>
             </a:fld>
             <a:endParaRPr lang="en-US"/>
           </a:p>
@@ -4582,7 +4598,7 @@
           <a:p>
             <a:fld id="{0560A9CD-0304-4E0B-9E82-E7E0115DE05B}" type="datetimeFigureOut">
               <a:rPr lang="en-US" smtClean="0"/>
-              <a:t>3/5/2023</a:t>
+              <a:t>3/6/2023</a:t>
             </a:fld>
             <a:endParaRPr lang="en-US"/>
           </a:p>
@@ -4793,7 +4809,7 @@
           <a:p>
             <a:fld id="{0560A9CD-0304-4E0B-9E82-E7E0115DE05B}" type="datetimeFigureOut">
               <a:rPr lang="en-US" smtClean="0"/>
-              <a:t>3/5/2023</a:t>
+              <a:t>3/6/2023</a:t>
             </a:fld>
             <a:endParaRPr lang="en-US"/>
           </a:p>
@@ -8903,6 +8919,171 @@
           <a:p>
             <a:r>
               <a:rPr lang="da-DK" dirty="0" err="1"/>
+              <a:t>History</a:t>
+            </a:r>
+            <a:r>
+              <a:rPr lang="da-DK" dirty="0"/>
+              <a:t> of </a:t>
+            </a:r>
+            <a:r>
+              <a:rPr lang="da-DK" dirty="0" err="1"/>
+              <a:t>lambda</a:t>
+            </a:r>
+            <a:r>
+              <a:rPr lang="da-DK" dirty="0"/>
+              <a:t> in </a:t>
+            </a:r>
+            <a:r>
+              <a:rPr lang="da-DK" dirty="0" err="1"/>
+              <a:t>programming</a:t>
+            </a:r>
+            <a:r>
+              <a:rPr lang="da-DK" dirty="0"/>
+              <a:t> </a:t>
+            </a:r>
+            <a:r>
+              <a:rPr lang="da-DK" dirty="0" err="1"/>
+              <a:t>languages</a:t>
+            </a:r>
+            <a:endParaRPr lang="en-US" dirty="0"/>
+          </a:p>
+        </p:txBody>
+      </p:sp>
+      <p:sp>
+        <p:nvSpPr>
+          <p:cNvPr id="3" name="Content Placeholder 2"/>
+          <p:cNvSpPr>
+            <a:spLocks noGrp="1"/>
+          </p:cNvSpPr>
+          <p:nvPr>
+            <p:ph idx="1"/>
+          </p:nvPr>
+        </p:nvSpPr>
+        <p:spPr>
+          <a:xfrm>
+            <a:off x="838200" y="1825624"/>
+            <a:ext cx="10515600" cy="4895809"/>
+          </a:xfrm>
+        </p:spPr>
+        <p:txBody>
+          <a:bodyPr>
+            <a:normAutofit/>
+          </a:bodyPr>
+          <a:lstStyle/>
+          <a:p>
+            <a:r>
+              <a:rPr lang="pt-BR" dirty="0"/>
+              <a:t>lambda calculus invented by Alonzo Church in 1930s</a:t>
+            </a:r>
+          </a:p>
+          <a:p>
+            <a:endParaRPr lang="pt-BR" dirty="0"/>
+          </a:p>
+          <a:p>
+            <a:r>
+              <a:rPr lang="da-DK" dirty="0"/>
+              <a:t>Lisp has had </a:t>
+            </a:r>
+            <a:r>
+              <a:rPr lang="da-DK" dirty="0" err="1"/>
+              <a:t>lambdas</a:t>
+            </a:r>
+            <a:r>
+              <a:rPr lang="da-DK" dirty="0"/>
+              <a:t> </a:t>
+            </a:r>
+            <a:r>
+              <a:rPr lang="da-DK" dirty="0" err="1"/>
+              <a:t>since</a:t>
+            </a:r>
+            <a:r>
+              <a:rPr lang="da-DK" dirty="0"/>
+              <a:t> 1958</a:t>
+            </a:r>
+            <a:endParaRPr lang="en-US" dirty="0"/>
+          </a:p>
+          <a:p>
+            <a:endParaRPr lang="pt-BR" dirty="0"/>
+          </a:p>
+          <a:p>
+            <a:r>
+              <a:rPr lang="pt-BR" dirty="0"/>
+              <a:t>C++ got lambdas in C++11 in 2011</a:t>
+            </a:r>
+          </a:p>
+          <a:p>
+            <a:endParaRPr lang="pt-BR" dirty="0"/>
+          </a:p>
+          <a:p>
+            <a:r>
+              <a:rPr lang="pt-BR" dirty="0"/>
+              <a:t>Java first got lambdas in Java 8 in 2014</a:t>
+            </a:r>
+          </a:p>
+          <a:p>
+            <a:endParaRPr lang="pt-BR" dirty="0"/>
+          </a:p>
+          <a:p>
+            <a:r>
+              <a:rPr lang="pt-BR" dirty="0"/>
+              <a:t>Python has had lambdas since Version 1.0 in 1994</a:t>
+            </a:r>
+          </a:p>
+          <a:p>
+            <a:endParaRPr lang="pt-BR" dirty="0"/>
+          </a:p>
+          <a:p>
+            <a:endParaRPr lang="da-DK" dirty="0"/>
+          </a:p>
+        </p:txBody>
+      </p:sp>
+    </p:spTree>
+    <p:extLst>
+      <p:ext uri="{BB962C8B-B14F-4D97-AF65-F5344CB8AC3E}">
+        <p14:creationId xmlns:p14="http://schemas.microsoft.com/office/powerpoint/2010/main" val="801879974"/>
+      </p:ext>
+    </p:extLst>
+  </p:cSld>
+  <p:clrMapOvr>
+    <a:masterClrMapping/>
+  </p:clrMapOvr>
+</p:sld>
+</file>
+
+<file path=ppt/slides/slide15.xml><?xml version="1.0" encoding="utf-8"?>
+<p:sld xmlns:a="http://schemas.openxmlformats.org/drawingml/2006/main" xmlns:r="http://schemas.openxmlformats.org/officeDocument/2006/relationships" xmlns:p="http://schemas.openxmlformats.org/presentationml/2006/main">
+  <p:cSld>
+    <p:spTree>
+      <p:nvGrpSpPr>
+        <p:cNvPr id="1" name=""/>
+        <p:cNvGrpSpPr/>
+        <p:nvPr/>
+      </p:nvGrpSpPr>
+      <p:grpSpPr>
+        <a:xfrm>
+          <a:off x="0" y="0"/>
+          <a:ext cx="0" cy="0"/>
+          <a:chOff x="0" y="0"/>
+          <a:chExt cx="0" cy="0"/>
+        </a:xfrm>
+      </p:grpSpPr>
+      <p:sp>
+        <p:nvSpPr>
+          <p:cNvPr id="2" name="Title 1"/>
+          <p:cNvSpPr>
+            <a:spLocks noGrp="1"/>
+          </p:cNvSpPr>
+          <p:nvPr>
+            <p:ph type="title"/>
+          </p:nvPr>
+        </p:nvSpPr>
+        <p:spPr/>
+        <p:txBody>
+          <a:bodyPr/>
+          <a:lstStyle/>
+          <a:p>
+            <a:r>
+              <a:rPr lang="da-DK" dirty="0" err="1"/>
               <a:t>Examples</a:t>
             </a:r>
             <a:r>
@@ -9640,7 +9821,7 @@
 </p:sld>
 </file>
 
-<file path=ppt/slides/slide15.xml><?xml version="1.0" encoding="utf-8"?>
+<file path=ppt/slides/slide16.xml><?xml version="1.0" encoding="utf-8"?>
 <p:sld xmlns:a="http://schemas.openxmlformats.org/drawingml/2006/main" xmlns:r="http://schemas.openxmlformats.org/officeDocument/2006/relationships" xmlns:p="http://schemas.openxmlformats.org/presentationml/2006/main">
   <p:cSld>
     <p:spTree>
@@ -10399,7 +10580,7 @@
 </p:sld>
 </file>
 
-<file path=ppt/slides/slide16.xml><?xml version="1.0" encoding="utf-8"?>
+<file path=ppt/slides/slide17.xml><?xml version="1.0" encoding="utf-8"?>
 <p:sld xmlns:a="http://schemas.openxmlformats.org/drawingml/2006/main" xmlns:r="http://schemas.openxmlformats.org/officeDocument/2006/relationships" xmlns:p="http://schemas.openxmlformats.org/presentationml/2006/main">
   <p:cSld>
     <p:spTree>
@@ -11636,171 +11817,6 @@
     <p:extLst>
       <p:ext uri="{BB962C8B-B14F-4D97-AF65-F5344CB8AC3E}">
         <p14:creationId xmlns:p14="http://schemas.microsoft.com/office/powerpoint/2010/main" val="2011582212"/>
-      </p:ext>
-    </p:extLst>
-  </p:cSld>
-  <p:clrMapOvr>
-    <a:masterClrMapping/>
-  </p:clrMapOvr>
-</p:sld>
-</file>
-
-<file path=ppt/slides/slide17.xml><?xml version="1.0" encoding="utf-8"?>
-<p:sld xmlns:a="http://schemas.openxmlformats.org/drawingml/2006/main" xmlns:r="http://schemas.openxmlformats.org/officeDocument/2006/relationships" xmlns:p="http://schemas.openxmlformats.org/presentationml/2006/main">
-  <p:cSld>
-    <p:spTree>
-      <p:nvGrpSpPr>
-        <p:cNvPr id="1" name=""/>
-        <p:cNvGrpSpPr/>
-        <p:nvPr/>
-      </p:nvGrpSpPr>
-      <p:grpSpPr>
-        <a:xfrm>
-          <a:off x="0" y="0"/>
-          <a:ext cx="0" cy="0"/>
-          <a:chOff x="0" y="0"/>
-          <a:chExt cx="0" cy="0"/>
-        </a:xfrm>
-      </p:grpSpPr>
-      <p:sp>
-        <p:nvSpPr>
-          <p:cNvPr id="2" name="Title 1"/>
-          <p:cNvSpPr>
-            <a:spLocks noGrp="1"/>
-          </p:cNvSpPr>
-          <p:nvPr>
-            <p:ph type="title"/>
-          </p:nvPr>
-        </p:nvSpPr>
-        <p:spPr/>
-        <p:txBody>
-          <a:bodyPr/>
-          <a:lstStyle/>
-          <a:p>
-            <a:r>
-              <a:rPr lang="da-DK" dirty="0" err="1"/>
-              <a:t>History</a:t>
-            </a:r>
-            <a:r>
-              <a:rPr lang="da-DK" dirty="0"/>
-              <a:t> of </a:t>
-            </a:r>
-            <a:r>
-              <a:rPr lang="da-DK" dirty="0" err="1"/>
-              <a:t>lambda</a:t>
-            </a:r>
-            <a:r>
-              <a:rPr lang="da-DK" dirty="0"/>
-              <a:t> in </a:t>
-            </a:r>
-            <a:r>
-              <a:rPr lang="da-DK" dirty="0" err="1"/>
-              <a:t>programming</a:t>
-            </a:r>
-            <a:r>
-              <a:rPr lang="da-DK" dirty="0"/>
-              <a:t> </a:t>
-            </a:r>
-            <a:r>
-              <a:rPr lang="da-DK" dirty="0" err="1"/>
-              <a:t>languages</a:t>
-            </a:r>
-            <a:endParaRPr lang="en-US" dirty="0"/>
-          </a:p>
-        </p:txBody>
-      </p:sp>
-      <p:sp>
-        <p:nvSpPr>
-          <p:cNvPr id="3" name="Content Placeholder 2"/>
-          <p:cNvSpPr>
-            <a:spLocks noGrp="1"/>
-          </p:cNvSpPr>
-          <p:nvPr>
-            <p:ph idx="1"/>
-          </p:nvPr>
-        </p:nvSpPr>
-        <p:spPr>
-          <a:xfrm>
-            <a:off x="838200" y="1825624"/>
-            <a:ext cx="10515600" cy="4895809"/>
-          </a:xfrm>
-        </p:spPr>
-        <p:txBody>
-          <a:bodyPr>
-            <a:normAutofit/>
-          </a:bodyPr>
-          <a:lstStyle/>
-          <a:p>
-            <a:r>
-              <a:rPr lang="pt-BR" dirty="0"/>
-              <a:t>lambda calculus invented by Alonzo Church in 1930s</a:t>
-            </a:r>
-          </a:p>
-          <a:p>
-            <a:endParaRPr lang="pt-BR" dirty="0"/>
-          </a:p>
-          <a:p>
-            <a:r>
-              <a:rPr lang="da-DK" dirty="0"/>
-              <a:t>Lisp has had </a:t>
-            </a:r>
-            <a:r>
-              <a:rPr lang="da-DK" dirty="0" err="1"/>
-              <a:t>lambdas</a:t>
-            </a:r>
-            <a:r>
-              <a:rPr lang="da-DK" dirty="0"/>
-              <a:t> </a:t>
-            </a:r>
-            <a:r>
-              <a:rPr lang="da-DK" dirty="0" err="1"/>
-              <a:t>since</a:t>
-            </a:r>
-            <a:r>
-              <a:rPr lang="da-DK" dirty="0"/>
-              <a:t> 1958</a:t>
-            </a:r>
-            <a:endParaRPr lang="en-US" dirty="0"/>
-          </a:p>
-          <a:p>
-            <a:endParaRPr lang="pt-BR" dirty="0"/>
-          </a:p>
-          <a:p>
-            <a:r>
-              <a:rPr lang="pt-BR" dirty="0"/>
-              <a:t>C++ got lambdas in C++11 in 2011</a:t>
-            </a:r>
-          </a:p>
-          <a:p>
-            <a:endParaRPr lang="pt-BR" dirty="0"/>
-          </a:p>
-          <a:p>
-            <a:r>
-              <a:rPr lang="pt-BR" dirty="0"/>
-              <a:t>Java first got lambdas in Java 8 in 2014</a:t>
-            </a:r>
-          </a:p>
-          <a:p>
-            <a:endParaRPr lang="pt-BR" dirty="0"/>
-          </a:p>
-          <a:p>
-            <a:r>
-              <a:rPr lang="pt-BR" dirty="0"/>
-              <a:t>Python has had lambdas since Version 1.0 in 1994</a:t>
-            </a:r>
-          </a:p>
-          <a:p>
-            <a:endParaRPr lang="pt-BR" dirty="0"/>
-          </a:p>
-          <a:p>
-            <a:endParaRPr lang="da-DK" dirty="0"/>
-          </a:p>
-        </p:txBody>
-      </p:sp>
-    </p:spTree>
-    <p:extLst>
-      <p:ext uri="{BB962C8B-B14F-4D97-AF65-F5344CB8AC3E}">
-        <p14:creationId xmlns:p14="http://schemas.microsoft.com/office/powerpoint/2010/main" val="801879974"/>
       </p:ext>
     </p:extLst>
   </p:cSld>

--- a/ipsa/slides/lambda.pptx
+++ b/ipsa/slides/lambda.pptx
@@ -133,14 +133,6 @@
     </p:ext>
   </p:extLst>
 </p:presentation>
-</file>
-
-<file path=ppt/revisionInfo.xml><?xml version="1.0" encoding="utf-8"?>
-<p1510:revInfo xmlns:a="http://schemas.openxmlformats.org/drawingml/2006/main" xmlns:r="http://schemas.openxmlformats.org/officeDocument/2006/relationships" xmlns:p1510="http://schemas.microsoft.com/office/powerpoint/2015/10/main">
-  <p1510:revLst>
-    <p1510:client id="{734C3A8B-8F67-4AB6-A6C8-CFD1AC566D4B}" v="19" dt="2023-03-05T16:28:10.914"/>
-  </p1510:revLst>
-</p1510:revInfo>
 </file>
 
 <file path=ppt/changesInfos/changesInfo1.xml><?xml version="1.0" encoding="utf-8"?>
@@ -480,6 +472,52 @@
       </pc:sldChg>
     </pc:docChg>
   </pc:docChgLst>
+  <pc:docChgLst>
+    <pc:chgData name="Gerth Stølting Brodal" userId="04ef4784-6591-4f86-a140-f5c3b108582a" providerId="ADAL" clId="{70B00F23-41E4-4EAF-AB10-65CD07002C7D}"/>
+    <pc:docChg chg="custSel modSld">
+      <pc:chgData name="Gerth Stølting Brodal" userId="04ef4784-6591-4f86-a140-f5c3b108582a" providerId="ADAL" clId="{70B00F23-41E4-4EAF-AB10-65CD07002C7D}" dt="2024-02-28T06:20:02.748" v="19" actId="313"/>
+      <pc:docMkLst>
+        <pc:docMk/>
+      </pc:docMkLst>
+      <pc:sldChg chg="modNotesTx">
+        <pc:chgData name="Gerth Stølting Brodal" userId="04ef4784-6591-4f86-a140-f5c3b108582a" providerId="ADAL" clId="{70B00F23-41E4-4EAF-AB10-65CD07002C7D}" dt="2024-02-28T06:17:45.484" v="1" actId="20577"/>
+        <pc:sldMkLst>
+          <pc:docMk/>
+          <pc:sldMk cId="2185570808" sldId="618"/>
+        </pc:sldMkLst>
+      </pc:sldChg>
+      <pc:sldChg chg="modSp mod">
+        <pc:chgData name="Gerth Stølting Brodal" userId="04ef4784-6591-4f86-a140-f5c3b108582a" providerId="ADAL" clId="{70B00F23-41E4-4EAF-AB10-65CD07002C7D}" dt="2024-02-28T06:20:02.748" v="19" actId="313"/>
+        <pc:sldMkLst>
+          <pc:docMk/>
+          <pc:sldMk cId="2566093429" sldId="619"/>
+        </pc:sldMkLst>
+        <pc:graphicFrameChg chg="modGraphic">
+          <ac:chgData name="Gerth Stølting Brodal" userId="04ef4784-6591-4f86-a140-f5c3b108582a" providerId="ADAL" clId="{70B00F23-41E4-4EAF-AB10-65CD07002C7D}" dt="2024-02-28T06:20:02.748" v="19" actId="313"/>
+          <ac:graphicFrameMkLst>
+            <pc:docMk/>
+            <pc:sldMk cId="2566093429" sldId="619"/>
+            <ac:graphicFrameMk id="4" creationId="{00000000-0000-0000-0000-000000000000}"/>
+          </ac:graphicFrameMkLst>
+        </pc:graphicFrameChg>
+      </pc:sldChg>
+      <pc:sldChg chg="modSp mod">
+        <pc:chgData name="Gerth Stølting Brodal" userId="04ef4784-6591-4f86-a140-f5c3b108582a" providerId="ADAL" clId="{70B00F23-41E4-4EAF-AB10-65CD07002C7D}" dt="2024-02-28T06:19:55.486" v="9" actId="313"/>
+        <pc:sldMkLst>
+          <pc:docMk/>
+          <pc:sldMk cId="1879065634" sldId="620"/>
+        </pc:sldMkLst>
+        <pc:graphicFrameChg chg="modGraphic">
+          <ac:chgData name="Gerth Stølting Brodal" userId="04ef4784-6591-4f86-a140-f5c3b108582a" providerId="ADAL" clId="{70B00F23-41E4-4EAF-AB10-65CD07002C7D}" dt="2024-02-28T06:19:55.486" v="9" actId="313"/>
+          <ac:graphicFrameMkLst>
+            <pc:docMk/>
+            <pc:sldMk cId="1879065634" sldId="620"/>
+            <ac:graphicFrameMk id="4" creationId="{00000000-0000-0000-0000-000000000000}"/>
+          </ac:graphicFrameMkLst>
+        </pc:graphicFrameChg>
+      </pc:sldChg>
+    </pc:docChg>
+  </pc:docChgLst>
 </pc:chgInfo>
 </file>
 
@@ -565,7 +603,7 @@
           <a:p>
             <a:fld id="{FB1A172F-81D4-4DC4-9113-1DBD56EC3646}" type="datetimeFigureOut">
               <a:rPr lang="en-US" smtClean="0"/>
-              <a:t>3/6/2023</a:t>
+              <a:t>2/28/2024</a:t>
             </a:fld>
             <a:endParaRPr lang="en-US"/>
           </a:p>
@@ -1607,7 +1645,28 @@
             </a:r>
           </a:p>
           <a:p>
-            <a:endParaRPr lang="da-DK" dirty="0"/>
+            <a:r>
+              <a:rPr lang="da-DK" dirty="0" err="1"/>
+              <a:t>square</a:t>
+            </a:r>
+            <a:r>
+              <a:rPr lang="da-DK" dirty="0"/>
+              <a:t>.__</a:t>
+            </a:r>
+            <a:r>
+              <a:rPr lang="da-DK" dirty="0" err="1"/>
+              <a:t>call</a:t>
+            </a:r>
+            <a:r>
+              <a:rPr lang="da-DK" dirty="0"/>
+              <a:t>__(3)</a:t>
+            </a:r>
+          </a:p>
+          <a:p>
+            <a:r>
+              <a:rPr lang="da-DK" dirty="0"/>
+              <a:t>9</a:t>
+            </a:r>
           </a:p>
         </p:txBody>
       </p:sp>
@@ -2492,7 +2551,7 @@
           <a:p>
             <a:fld id="{0560A9CD-0304-4E0B-9E82-E7E0115DE05B}" type="datetimeFigureOut">
               <a:rPr lang="en-US" smtClean="0"/>
-              <a:t>3/6/2023</a:t>
+              <a:t>2/28/2024</a:t>
             </a:fld>
             <a:endParaRPr lang="en-US"/>
           </a:p>
@@ -2660,7 +2719,7 @@
           <a:p>
             <a:fld id="{0560A9CD-0304-4E0B-9E82-E7E0115DE05B}" type="datetimeFigureOut">
               <a:rPr lang="en-US" smtClean="0"/>
-              <a:t>3/6/2023</a:t>
+              <a:t>2/28/2024</a:t>
             </a:fld>
             <a:endParaRPr lang="en-US"/>
           </a:p>
@@ -2838,7 +2897,7 @@
           <a:p>
             <a:fld id="{0560A9CD-0304-4E0B-9E82-E7E0115DE05B}" type="datetimeFigureOut">
               <a:rPr lang="en-US" smtClean="0"/>
-              <a:t>3/6/2023</a:t>
+              <a:t>2/28/2024</a:t>
             </a:fld>
             <a:endParaRPr lang="en-US"/>
           </a:p>
@@ -3021,7 +3080,7 @@
           <a:p>
             <a:fld id="{0560A9CD-0304-4E0B-9E82-E7E0115DE05B}" type="datetimeFigureOut">
               <a:rPr lang="en-US" smtClean="0"/>
-              <a:t>3/6/2023</a:t>
+              <a:t>2/28/2024</a:t>
             </a:fld>
             <a:endParaRPr lang="en-US"/>
           </a:p>
@@ -3266,7 +3325,7 @@
           <a:p>
             <a:fld id="{0560A9CD-0304-4E0B-9E82-E7E0115DE05B}" type="datetimeFigureOut">
               <a:rPr lang="en-US" smtClean="0"/>
-              <a:t>3/6/2023</a:t>
+              <a:t>2/28/2024</a:t>
             </a:fld>
             <a:endParaRPr lang="en-US"/>
           </a:p>
@@ -3495,7 +3554,7 @@
           <a:p>
             <a:fld id="{0560A9CD-0304-4E0B-9E82-E7E0115DE05B}" type="datetimeFigureOut">
               <a:rPr lang="en-US" smtClean="0"/>
-              <a:t>3/6/2023</a:t>
+              <a:t>2/28/2024</a:t>
             </a:fld>
             <a:endParaRPr lang="en-US"/>
           </a:p>
@@ -3859,7 +3918,7 @@
           <a:p>
             <a:fld id="{0560A9CD-0304-4E0B-9E82-E7E0115DE05B}" type="datetimeFigureOut">
               <a:rPr lang="en-US" smtClean="0"/>
-              <a:t>3/6/2023</a:t>
+              <a:t>2/28/2024</a:t>
             </a:fld>
             <a:endParaRPr lang="en-US"/>
           </a:p>
@@ -3976,7 +4035,7 @@
           <a:p>
             <a:fld id="{0560A9CD-0304-4E0B-9E82-E7E0115DE05B}" type="datetimeFigureOut">
               <a:rPr lang="en-US" smtClean="0"/>
-              <a:t>3/6/2023</a:t>
+              <a:t>2/28/2024</a:t>
             </a:fld>
             <a:endParaRPr lang="en-US"/>
           </a:p>
@@ -4071,7 +4130,7 @@
           <a:p>
             <a:fld id="{0560A9CD-0304-4E0B-9E82-E7E0115DE05B}" type="datetimeFigureOut">
               <a:rPr lang="en-US" smtClean="0"/>
-              <a:t>3/6/2023</a:t>
+              <a:t>2/28/2024</a:t>
             </a:fld>
             <a:endParaRPr lang="en-US"/>
           </a:p>
@@ -4346,7 +4405,7 @@
           <a:p>
             <a:fld id="{0560A9CD-0304-4E0B-9E82-E7E0115DE05B}" type="datetimeFigureOut">
               <a:rPr lang="en-US" smtClean="0"/>
-              <a:t>3/6/2023</a:t>
+              <a:t>2/28/2024</a:t>
             </a:fld>
             <a:endParaRPr lang="en-US"/>
           </a:p>
@@ -4598,7 +4657,7 @@
           <a:p>
             <a:fld id="{0560A9CD-0304-4E0B-9E82-E7E0115DE05B}" type="datetimeFigureOut">
               <a:rPr lang="en-US" smtClean="0"/>
-              <a:t>3/6/2023</a:t>
+              <a:t>2/28/2024</a:t>
             </a:fld>
             <a:endParaRPr lang="en-US"/>
           </a:p>
@@ -4809,7 +4868,7 @@
           <a:p>
             <a:fld id="{0560A9CD-0304-4E0B-9E82-E7E0115DE05B}" type="datetimeFigureOut">
               <a:rPr lang="en-US" smtClean="0"/>
-              <a:t>3/6/2023</a:t>
+              <a:t>2/28/2024</a:t>
             </a:fld>
             <a:endParaRPr lang="en-US"/>
           </a:p>
@@ -23665,7 +23724,7 @@
             <p:ph idx="1"/>
             <p:extLst>
               <p:ext uri="{D42A27DB-BD31-4B8C-83A1-F6EECF244321}">
-                <p14:modId xmlns:p14="http://schemas.microsoft.com/office/powerpoint/2010/main" val="4063312344"/>
+                <p14:modId xmlns:p14="http://schemas.microsoft.com/office/powerpoint/2010/main" val="2333478608"/>
               </p:ext>
             </p:extLst>
           </p:nvPr>
@@ -23842,7 +23901,7 @@
                           <a:latin typeface="Courier New" panose="02070309020205020404" pitchFamily="49" charset="0"/>
                           <a:cs typeface="Courier New" panose="02070309020205020404" pitchFamily="49" charset="0"/>
                         </a:rPr>
-                        <a:t>    answer = input("square or double ? ")</a:t>
+                        <a:t>    answer = input('square or double ? ')</a:t>
                       </a:r>
                     </a:p>
                     <a:p>
@@ -23851,7 +23910,7 @@
                           <a:latin typeface="Courier New" panose="02070309020205020404" pitchFamily="49" charset="0"/>
                           <a:cs typeface="Courier New" panose="02070309020205020404" pitchFamily="49" charset="0"/>
                         </a:rPr>
-                        <a:t>    if answer == "square":</a:t>
+                        <a:t>    if answer == 'square':</a:t>
                       </a:r>
                     </a:p>
                     <a:p>
@@ -23888,7 +23947,7 @@
                           <a:latin typeface="Courier New" panose="02070309020205020404" pitchFamily="49" charset="0"/>
                           <a:cs typeface="Courier New" panose="02070309020205020404" pitchFamily="49" charset="0"/>
                         </a:rPr>
-                        <a:t>    if answer == "double":</a:t>
+                        <a:t>    if answer == 'double':</a:t>
                       </a:r>
                     </a:p>
                     <a:p>
@@ -23931,7 +23990,7 @@
                           <a:latin typeface="Courier New" panose="02070309020205020404" pitchFamily="49" charset="0"/>
                           <a:cs typeface="Courier New" panose="02070309020205020404" pitchFamily="49" charset="0"/>
                         </a:rPr>
-                        <a:t>answer = input("numbers: ")</a:t>
+                        <a:t>answer = input('numbers: ')</a:t>
                       </a:r>
                     </a:p>
                     <a:p>
@@ -25428,7 +25487,7 @@
           <p:nvPr>
             <p:extLst>
               <p:ext uri="{D42A27DB-BD31-4B8C-83A1-F6EECF244321}">
-                <p14:modId xmlns:p14="http://schemas.microsoft.com/office/powerpoint/2010/main" val="338673522"/>
+                <p14:modId xmlns:p14="http://schemas.microsoft.com/office/powerpoint/2010/main" val="738660283"/>
               </p:ext>
             </p:extLst>
           </p:nvPr>
@@ -25604,7 +25663,7 @@
                           <a:latin typeface="Courier New" panose="02070309020205020404" pitchFamily="49" charset="0"/>
                           <a:cs typeface="Courier New" panose="02070309020205020404" pitchFamily="49" charset="0"/>
                         </a:rPr>
-                        <a:t>        print(name, "says:", message)</a:t>
+                        <a:t>        print(name, 'says:', message)</a:t>
                       </a:r>
                     </a:p>
                     <a:p>
@@ -25659,7 +25718,7 @@
                           <a:latin typeface="Courier New" panose="02070309020205020404" pitchFamily="49" charset="0"/>
                           <a:cs typeface="Courier New" panose="02070309020205020404" pitchFamily="49" charset="0"/>
                         </a:rPr>
-                        <a:t>("Alice")</a:t>
+                        <a:t>('Alice')</a:t>
                       </a:r>
                     </a:p>
                     <a:p>
@@ -25682,7 +25741,7 @@
                           <a:latin typeface="Courier New" panose="02070309020205020404" pitchFamily="49" charset="0"/>
                           <a:cs typeface="Courier New" panose="02070309020205020404" pitchFamily="49" charset="0"/>
                         </a:rPr>
-                        <a:t>("Peter")</a:t>
+                        <a:t>('Peter')</a:t>
                       </a:r>
                     </a:p>
                     <a:p>
@@ -25704,7 +25763,7 @@
                           <a:latin typeface="Courier New" panose="02070309020205020404" pitchFamily="49" charset="0"/>
                           <a:cs typeface="Courier New" panose="02070309020205020404" pitchFamily="49" charset="0"/>
                         </a:rPr>
-                        <a:t>("Where is Peter?")</a:t>
+                        <a:t>('Where is Peter?')</a:t>
                       </a:r>
                     </a:p>
                     <a:p>
@@ -25713,7 +25772,7 @@
                           <a:latin typeface="Courier New" panose="02070309020205020404" pitchFamily="49" charset="0"/>
                           <a:cs typeface="Courier New" panose="02070309020205020404" pitchFamily="49" charset="0"/>
                         </a:rPr>
-                        <a:t>peter("I am here")</a:t>
+                        <a:t>peter('I am here')</a:t>
                       </a:r>
                     </a:p>
                   </a:txBody>

--- a/ipsa/slides/lambda.pptx
+++ b/ipsa/slides/lambda.pptx
@@ -138,6 +138,161 @@
 <file path=ppt/changesInfos/changesInfo1.xml><?xml version="1.0" encoding="utf-8"?>
 <pc:chgInfo xmlns:a="http://schemas.openxmlformats.org/drawingml/2006/main" xmlns:r="http://schemas.openxmlformats.org/officeDocument/2006/relationships" xmlns:ac="http://schemas.microsoft.com/office/drawing/2013/main/command" xmlns:pc="http://schemas.microsoft.com/office/powerpoint/2013/main/command">
   <pc:docChgLst>
+    <pc:chgData name="Gerth Stølting" userId="04ef4784-6591-4f86-a140-f5c3b108582a" providerId="ADAL" clId="{734C3A8B-8F67-4AB6-A6C8-CFD1AC566D4B}"/>
+    <pc:docChg chg="modSld sldOrd">
+      <pc:chgData name="Gerth Stølting" userId="04ef4784-6591-4f86-a140-f5c3b108582a" providerId="ADAL" clId="{734C3A8B-8F67-4AB6-A6C8-CFD1AC566D4B}" dt="2023-03-06T07:56:07.490" v="3"/>
+      <pc:docMkLst>
+        <pc:docMk/>
+      </pc:docMkLst>
+      <pc:sldChg chg="ord">
+        <pc:chgData name="Gerth Stølting" userId="04ef4784-6591-4f86-a140-f5c3b108582a" providerId="ADAL" clId="{734C3A8B-8F67-4AB6-A6C8-CFD1AC566D4B}" dt="2023-03-06T07:56:07.490" v="3"/>
+        <pc:sldMkLst>
+          <pc:docMk/>
+          <pc:sldMk cId="801879974" sldId="510"/>
+        </pc:sldMkLst>
+      </pc:sldChg>
+    </pc:docChg>
+  </pc:docChgLst>
+  <pc:docChgLst>
+    <pc:chgData name="Gerth Stølting Brodal" userId="04ef4784-6591-4f86-a140-f5c3b108582a" providerId="ADAL" clId="{D95B4D7F-02F6-463D-98C8-C6F480714164}"/>
+    <pc:docChg chg="custSel modSld">
+      <pc:chgData name="Gerth Stølting Brodal" userId="04ef4784-6591-4f86-a140-f5c3b108582a" providerId="ADAL" clId="{D95B4D7F-02F6-463D-98C8-C6F480714164}" dt="2024-10-27T08:04:50.916" v="162" actId="20577"/>
+      <pc:docMkLst>
+        <pc:docMk/>
+      </pc:docMkLst>
+      <pc:sldChg chg="modNotesTx">
+        <pc:chgData name="Gerth Stølting Brodal" userId="04ef4784-6591-4f86-a140-f5c3b108582a" providerId="ADAL" clId="{D95B4D7F-02F6-463D-98C8-C6F480714164}" dt="2024-10-27T08:04:50.916" v="162" actId="20577"/>
+        <pc:sldMkLst>
+          <pc:docMk/>
+          <pc:sldMk cId="4193267438" sldId="625"/>
+        </pc:sldMkLst>
+      </pc:sldChg>
+    </pc:docChg>
+  </pc:docChgLst>
+  <pc:docChgLst>
+    <pc:chgData name="Gerth Stølting Brodal" userId="04ef4784-6591-4f86-a140-f5c3b108582a" providerId="ADAL" clId="{93408A75-2116-4BC9-8B13-FD5E23B56413}"/>
+    <pc:docChg chg="undo custSel addSld delSld modSld">
+      <pc:chgData name="Gerth Stølting Brodal" userId="04ef4784-6591-4f86-a140-f5c3b108582a" providerId="ADAL" clId="{93408A75-2116-4BC9-8B13-FD5E23B56413}" dt="2022-03-02T12:39:09.586" v="1511" actId="20577"/>
+      <pc:docMkLst>
+        <pc:docMk/>
+      </pc:docMkLst>
+      <pc:sldChg chg="modSp mod">
+        <pc:chgData name="Gerth Stølting Brodal" userId="04ef4784-6591-4f86-a140-f5c3b108582a" providerId="ADAL" clId="{93408A75-2116-4BC9-8B13-FD5E23B56413}" dt="2022-03-02T12:21:43.829" v="1493" actId="20577"/>
+        <pc:sldMkLst>
+          <pc:docMk/>
+          <pc:sldMk cId="2401375598" sldId="616"/>
+        </pc:sldMkLst>
+        <pc:spChg chg="mod">
+          <ac:chgData name="Gerth Stølting Brodal" userId="04ef4784-6591-4f86-a140-f5c3b108582a" providerId="ADAL" clId="{93408A75-2116-4BC9-8B13-FD5E23B56413}" dt="2022-03-02T12:21:43.829" v="1493" actId="20577"/>
+          <ac:spMkLst>
+            <pc:docMk/>
+            <pc:sldMk cId="2401375598" sldId="616"/>
+            <ac:spMk id="3" creationId="{00000000-0000-0000-0000-000000000000}"/>
+          </ac:spMkLst>
+        </pc:spChg>
+      </pc:sldChg>
+      <pc:sldChg chg="modNotesTx">
+        <pc:chgData name="Gerth Stølting Brodal" userId="04ef4784-6591-4f86-a140-f5c3b108582a" providerId="ADAL" clId="{93408A75-2116-4BC9-8B13-FD5E23B56413}" dt="2022-03-01T20:13:10.896" v="1485" actId="20577"/>
+        <pc:sldMkLst>
+          <pc:docMk/>
+          <pc:sldMk cId="2117179183" sldId="626"/>
+        </pc:sldMkLst>
+      </pc:sldChg>
+      <pc:sldChg chg="del">
+        <pc:chgData name="Gerth Stølting Brodal" userId="04ef4784-6591-4f86-a140-f5c3b108582a" providerId="ADAL" clId="{93408A75-2116-4BC9-8B13-FD5E23B56413}" dt="2022-02-22T20:11:02.761" v="59" actId="47"/>
+        <pc:sldMkLst>
+          <pc:docMk/>
+          <pc:sldMk cId="649010544" sldId="627"/>
+        </pc:sldMkLst>
+      </pc:sldChg>
+      <pc:sldChg chg="addSp delSp modSp mod">
+        <pc:chgData name="Gerth Stølting Brodal" userId="04ef4784-6591-4f86-a140-f5c3b108582a" providerId="ADAL" clId="{93408A75-2116-4BC9-8B13-FD5E23B56413}" dt="2022-03-02T12:39:09.586" v="1511" actId="20577"/>
+        <pc:sldMkLst>
+          <pc:docMk/>
+          <pc:sldMk cId="256353597" sldId="628"/>
+        </pc:sldMkLst>
+        <pc:spChg chg="mod">
+          <ac:chgData name="Gerth Stølting Brodal" userId="04ef4784-6591-4f86-a140-f5c3b108582a" providerId="ADAL" clId="{93408A75-2116-4BC9-8B13-FD5E23B56413}" dt="2022-03-02T12:38:40.366" v="1499" actId="1076"/>
+          <ac:spMkLst>
+            <pc:docMk/>
+            <pc:sldMk cId="256353597" sldId="628"/>
+            <ac:spMk id="2" creationId="{00000000-0000-0000-0000-000000000000}"/>
+          </ac:spMkLst>
+        </pc:spChg>
+        <pc:spChg chg="add del">
+          <ac:chgData name="Gerth Stølting Brodal" userId="04ef4784-6591-4f86-a140-f5c3b108582a" providerId="ADAL" clId="{93408A75-2116-4BC9-8B13-FD5E23B56413}" dt="2022-03-02T12:38:30.715" v="1495"/>
+          <ac:spMkLst>
+            <pc:docMk/>
+            <pc:sldMk cId="256353597" sldId="628"/>
+            <ac:spMk id="3" creationId="{E7B59981-4DAC-4311-B3B1-F66DA93A35AC}"/>
+          </ac:spMkLst>
+        </pc:spChg>
+        <pc:spChg chg="add mod">
+          <ac:chgData name="Gerth Stølting Brodal" userId="04ef4784-6591-4f86-a140-f5c3b108582a" providerId="ADAL" clId="{93408A75-2116-4BC9-8B13-FD5E23B56413}" dt="2022-03-02T12:39:09.586" v="1511" actId="20577"/>
+          <ac:spMkLst>
+            <pc:docMk/>
+            <pc:sldMk cId="256353597" sldId="628"/>
+            <ac:spMk id="5" creationId="{992BE75F-A1CA-4720-829E-E6D5124EB17C}"/>
+          </ac:spMkLst>
+        </pc:spChg>
+        <pc:graphicFrameChg chg="mod">
+          <ac:chgData name="Gerth Stølting Brodal" userId="04ef4784-6591-4f86-a140-f5c3b108582a" providerId="ADAL" clId="{93408A75-2116-4BC9-8B13-FD5E23B56413}" dt="2022-03-02T12:38:33.659" v="1496"/>
+          <ac:graphicFrameMkLst>
+            <pc:docMk/>
+            <pc:sldMk cId="256353597" sldId="628"/>
+            <ac:graphicFrameMk id="4" creationId="{00000000-0000-0000-0000-000000000000}"/>
+          </ac:graphicFrameMkLst>
+        </pc:graphicFrameChg>
+      </pc:sldChg>
+      <pc:sldChg chg="modNotesTx">
+        <pc:chgData name="Gerth Stølting Brodal" userId="04ef4784-6591-4f86-a140-f5c3b108582a" providerId="ADAL" clId="{93408A75-2116-4BC9-8B13-FD5E23B56413}" dt="2022-02-22T20:09:56.624" v="58" actId="20577"/>
+        <pc:sldMkLst>
+          <pc:docMk/>
+          <pc:sldMk cId="110934910" sldId="629"/>
+        </pc:sldMkLst>
+      </pc:sldChg>
+      <pc:sldChg chg="modSp add mod modNotesTx">
+        <pc:chgData name="Gerth Stølting Brodal" userId="04ef4784-6591-4f86-a140-f5c3b108582a" providerId="ADAL" clId="{93408A75-2116-4BC9-8B13-FD5E23B56413}" dt="2022-03-01T20:08:28.148" v="1381" actId="20577"/>
+        <pc:sldMkLst>
+          <pc:docMk/>
+          <pc:sldMk cId="2011582212" sldId="630"/>
+        </pc:sldMkLst>
+        <pc:spChg chg="mod">
+          <ac:chgData name="Gerth Stølting Brodal" userId="04ef4784-6591-4f86-a140-f5c3b108582a" providerId="ADAL" clId="{93408A75-2116-4BC9-8B13-FD5E23B56413}" dt="2022-02-22T20:58:28.934" v="862" actId="1035"/>
+          <ac:spMkLst>
+            <pc:docMk/>
+            <pc:sldMk cId="2011582212" sldId="630"/>
+            <ac:spMk id="2" creationId="{00000000-0000-0000-0000-000000000000}"/>
+          </ac:spMkLst>
+        </pc:spChg>
+        <pc:spChg chg="mod">
+          <ac:chgData name="Gerth Stølting Brodal" userId="04ef4784-6591-4f86-a140-f5c3b108582a" providerId="ADAL" clId="{93408A75-2116-4BC9-8B13-FD5E23B56413}" dt="2022-02-22T21:11:42.926" v="1378" actId="20577"/>
+          <ac:spMkLst>
+            <pc:docMk/>
+            <pc:sldMk cId="2011582212" sldId="630"/>
+            <ac:spMk id="3" creationId="{00000000-0000-0000-0000-000000000000}"/>
+          </ac:spMkLst>
+        </pc:spChg>
+        <pc:spChg chg="mod">
+          <ac:chgData name="Gerth Stølting Brodal" userId="04ef4784-6591-4f86-a140-f5c3b108582a" providerId="ADAL" clId="{93408A75-2116-4BC9-8B13-FD5E23B56413}" dt="2022-02-22T20:49:42.922" v="594" actId="20577"/>
+          <ac:spMkLst>
+            <pc:docMk/>
+            <pc:sldMk cId="2011582212" sldId="630"/>
+            <ac:spMk id="5" creationId="{00000000-0000-0000-0000-000000000000}"/>
+          </ac:spMkLst>
+        </pc:spChg>
+        <pc:graphicFrameChg chg="mod modGraphic">
+          <ac:chgData name="Gerth Stølting Brodal" userId="04ef4784-6591-4f86-a140-f5c3b108582a" providerId="ADAL" clId="{93408A75-2116-4BC9-8B13-FD5E23B56413}" dt="2022-03-01T20:08:28.148" v="1381" actId="20577"/>
+          <ac:graphicFrameMkLst>
+            <pc:docMk/>
+            <pc:sldMk cId="2011582212" sldId="630"/>
+            <ac:graphicFrameMk id="4" creationId="{00000000-0000-0000-0000-000000000000}"/>
+          </ac:graphicFrameMkLst>
+        </pc:graphicFrameChg>
+      </pc:sldChg>
+    </pc:docChg>
+  </pc:docChgLst>
+  <pc:docChgLst>
     <pc:chgData name="Gerth Stølting Brodal" userId="04ef4784-6591-4f86-a140-f5c3b108582a" providerId="ADAL" clId="{C6AD0761-B891-423A-81A4-2F456D07CD51}"/>
     <pc:docChg chg="modSld">
       <pc:chgData name="Gerth Stølting Brodal" userId="04ef4784-6591-4f86-a140-f5c3b108582a" providerId="ADAL" clId="{C6AD0761-B891-423A-81A4-2F456D07CD51}" dt="2021-03-02T11:34:10.900" v="41" actId="20577"/>
@@ -169,18 +324,48 @@
     </pc:docChg>
   </pc:docChgLst>
   <pc:docChgLst>
-    <pc:chgData name="Gerth Stølting" userId="04ef4784-6591-4f86-a140-f5c3b108582a" providerId="ADAL" clId="{734C3A8B-8F67-4AB6-A6C8-CFD1AC566D4B}"/>
-    <pc:docChg chg="modSld sldOrd">
-      <pc:chgData name="Gerth Stølting" userId="04ef4784-6591-4f86-a140-f5c3b108582a" providerId="ADAL" clId="{734C3A8B-8F67-4AB6-A6C8-CFD1AC566D4B}" dt="2023-03-06T07:56:07.490" v="3"/>
+    <pc:chgData name="Gerth Stølting Brodal" userId="04ef4784-6591-4f86-a140-f5c3b108582a" providerId="ADAL" clId="{70B00F23-41E4-4EAF-AB10-65CD07002C7D}"/>
+    <pc:docChg chg="custSel modSld">
+      <pc:chgData name="Gerth Stølting Brodal" userId="04ef4784-6591-4f86-a140-f5c3b108582a" providerId="ADAL" clId="{70B00F23-41E4-4EAF-AB10-65CD07002C7D}" dt="2024-02-28T06:20:02.748" v="19" actId="313"/>
       <pc:docMkLst>
         <pc:docMk/>
       </pc:docMkLst>
-      <pc:sldChg chg="ord">
-        <pc:chgData name="Gerth Stølting" userId="04ef4784-6591-4f86-a140-f5c3b108582a" providerId="ADAL" clId="{734C3A8B-8F67-4AB6-A6C8-CFD1AC566D4B}" dt="2023-03-06T07:56:07.490" v="3"/>
+      <pc:sldChg chg="modNotesTx">
+        <pc:chgData name="Gerth Stølting Brodal" userId="04ef4784-6591-4f86-a140-f5c3b108582a" providerId="ADAL" clId="{70B00F23-41E4-4EAF-AB10-65CD07002C7D}" dt="2024-02-28T06:17:45.484" v="1" actId="20577"/>
         <pc:sldMkLst>
           <pc:docMk/>
-          <pc:sldMk cId="801879974" sldId="510"/>
+          <pc:sldMk cId="2185570808" sldId="618"/>
         </pc:sldMkLst>
+      </pc:sldChg>
+      <pc:sldChg chg="modSp mod">
+        <pc:chgData name="Gerth Stølting Brodal" userId="04ef4784-6591-4f86-a140-f5c3b108582a" providerId="ADAL" clId="{70B00F23-41E4-4EAF-AB10-65CD07002C7D}" dt="2024-02-28T06:20:02.748" v="19" actId="313"/>
+        <pc:sldMkLst>
+          <pc:docMk/>
+          <pc:sldMk cId="2566093429" sldId="619"/>
+        </pc:sldMkLst>
+        <pc:graphicFrameChg chg="modGraphic">
+          <ac:chgData name="Gerth Stølting Brodal" userId="04ef4784-6591-4f86-a140-f5c3b108582a" providerId="ADAL" clId="{70B00F23-41E4-4EAF-AB10-65CD07002C7D}" dt="2024-02-28T06:20:02.748" v="19" actId="313"/>
+          <ac:graphicFrameMkLst>
+            <pc:docMk/>
+            <pc:sldMk cId="2566093429" sldId="619"/>
+            <ac:graphicFrameMk id="4" creationId="{00000000-0000-0000-0000-000000000000}"/>
+          </ac:graphicFrameMkLst>
+        </pc:graphicFrameChg>
+      </pc:sldChg>
+      <pc:sldChg chg="modSp mod">
+        <pc:chgData name="Gerth Stølting Brodal" userId="04ef4784-6591-4f86-a140-f5c3b108582a" providerId="ADAL" clId="{70B00F23-41E4-4EAF-AB10-65CD07002C7D}" dt="2024-02-28T06:19:55.486" v="9" actId="313"/>
+        <pc:sldMkLst>
+          <pc:docMk/>
+          <pc:sldMk cId="1879065634" sldId="620"/>
+        </pc:sldMkLst>
+        <pc:graphicFrameChg chg="modGraphic">
+          <ac:chgData name="Gerth Stølting Brodal" userId="04ef4784-6591-4f86-a140-f5c3b108582a" providerId="ADAL" clId="{70B00F23-41E4-4EAF-AB10-65CD07002C7D}" dt="2024-02-28T06:19:55.486" v="9" actId="313"/>
+          <ac:graphicFrameMkLst>
+            <pc:docMk/>
+            <pc:sldMk cId="1879065634" sldId="620"/>
+            <ac:graphicFrameMk id="4" creationId="{00000000-0000-0000-0000-000000000000}"/>
+          </ac:graphicFrameMkLst>
+        </pc:graphicFrameChg>
       </pc:sldChg>
     </pc:docChg>
   </pc:docChgLst>
@@ -349,175 +534,6 @@
       </pc:sldChg>
     </pc:docChg>
   </pc:docChgLst>
-  <pc:docChgLst>
-    <pc:chgData name="Gerth Stølting Brodal" userId="04ef4784-6591-4f86-a140-f5c3b108582a" providerId="ADAL" clId="{93408A75-2116-4BC9-8B13-FD5E23B56413}"/>
-    <pc:docChg chg="undo custSel addSld delSld modSld">
-      <pc:chgData name="Gerth Stølting Brodal" userId="04ef4784-6591-4f86-a140-f5c3b108582a" providerId="ADAL" clId="{93408A75-2116-4BC9-8B13-FD5E23B56413}" dt="2022-03-02T12:39:09.586" v="1511" actId="20577"/>
-      <pc:docMkLst>
-        <pc:docMk/>
-      </pc:docMkLst>
-      <pc:sldChg chg="modSp mod">
-        <pc:chgData name="Gerth Stølting Brodal" userId="04ef4784-6591-4f86-a140-f5c3b108582a" providerId="ADAL" clId="{93408A75-2116-4BC9-8B13-FD5E23B56413}" dt="2022-03-02T12:21:43.829" v="1493" actId="20577"/>
-        <pc:sldMkLst>
-          <pc:docMk/>
-          <pc:sldMk cId="2401375598" sldId="616"/>
-        </pc:sldMkLst>
-        <pc:spChg chg="mod">
-          <ac:chgData name="Gerth Stølting Brodal" userId="04ef4784-6591-4f86-a140-f5c3b108582a" providerId="ADAL" clId="{93408A75-2116-4BC9-8B13-FD5E23B56413}" dt="2022-03-02T12:21:43.829" v="1493" actId="20577"/>
-          <ac:spMkLst>
-            <pc:docMk/>
-            <pc:sldMk cId="2401375598" sldId="616"/>
-            <ac:spMk id="3" creationId="{00000000-0000-0000-0000-000000000000}"/>
-          </ac:spMkLst>
-        </pc:spChg>
-      </pc:sldChg>
-      <pc:sldChg chg="modNotesTx">
-        <pc:chgData name="Gerth Stølting Brodal" userId="04ef4784-6591-4f86-a140-f5c3b108582a" providerId="ADAL" clId="{93408A75-2116-4BC9-8B13-FD5E23B56413}" dt="2022-03-01T20:13:10.896" v="1485" actId="20577"/>
-        <pc:sldMkLst>
-          <pc:docMk/>
-          <pc:sldMk cId="2117179183" sldId="626"/>
-        </pc:sldMkLst>
-      </pc:sldChg>
-      <pc:sldChg chg="del">
-        <pc:chgData name="Gerth Stølting Brodal" userId="04ef4784-6591-4f86-a140-f5c3b108582a" providerId="ADAL" clId="{93408A75-2116-4BC9-8B13-FD5E23B56413}" dt="2022-02-22T20:11:02.761" v="59" actId="47"/>
-        <pc:sldMkLst>
-          <pc:docMk/>
-          <pc:sldMk cId="649010544" sldId="627"/>
-        </pc:sldMkLst>
-      </pc:sldChg>
-      <pc:sldChg chg="addSp delSp modSp mod">
-        <pc:chgData name="Gerth Stølting Brodal" userId="04ef4784-6591-4f86-a140-f5c3b108582a" providerId="ADAL" clId="{93408A75-2116-4BC9-8B13-FD5E23B56413}" dt="2022-03-02T12:39:09.586" v="1511" actId="20577"/>
-        <pc:sldMkLst>
-          <pc:docMk/>
-          <pc:sldMk cId="256353597" sldId="628"/>
-        </pc:sldMkLst>
-        <pc:spChg chg="mod">
-          <ac:chgData name="Gerth Stølting Brodal" userId="04ef4784-6591-4f86-a140-f5c3b108582a" providerId="ADAL" clId="{93408A75-2116-4BC9-8B13-FD5E23B56413}" dt="2022-03-02T12:38:40.366" v="1499" actId="1076"/>
-          <ac:spMkLst>
-            <pc:docMk/>
-            <pc:sldMk cId="256353597" sldId="628"/>
-            <ac:spMk id="2" creationId="{00000000-0000-0000-0000-000000000000}"/>
-          </ac:spMkLst>
-        </pc:spChg>
-        <pc:spChg chg="add del">
-          <ac:chgData name="Gerth Stølting Brodal" userId="04ef4784-6591-4f86-a140-f5c3b108582a" providerId="ADAL" clId="{93408A75-2116-4BC9-8B13-FD5E23B56413}" dt="2022-03-02T12:38:30.715" v="1495"/>
-          <ac:spMkLst>
-            <pc:docMk/>
-            <pc:sldMk cId="256353597" sldId="628"/>
-            <ac:spMk id="3" creationId="{E7B59981-4DAC-4311-B3B1-F66DA93A35AC}"/>
-          </ac:spMkLst>
-        </pc:spChg>
-        <pc:spChg chg="add mod">
-          <ac:chgData name="Gerth Stølting Brodal" userId="04ef4784-6591-4f86-a140-f5c3b108582a" providerId="ADAL" clId="{93408A75-2116-4BC9-8B13-FD5E23B56413}" dt="2022-03-02T12:39:09.586" v="1511" actId="20577"/>
-          <ac:spMkLst>
-            <pc:docMk/>
-            <pc:sldMk cId="256353597" sldId="628"/>
-            <ac:spMk id="5" creationId="{992BE75F-A1CA-4720-829E-E6D5124EB17C}"/>
-          </ac:spMkLst>
-        </pc:spChg>
-        <pc:graphicFrameChg chg="mod">
-          <ac:chgData name="Gerth Stølting Brodal" userId="04ef4784-6591-4f86-a140-f5c3b108582a" providerId="ADAL" clId="{93408A75-2116-4BC9-8B13-FD5E23B56413}" dt="2022-03-02T12:38:33.659" v="1496"/>
-          <ac:graphicFrameMkLst>
-            <pc:docMk/>
-            <pc:sldMk cId="256353597" sldId="628"/>
-            <ac:graphicFrameMk id="4" creationId="{00000000-0000-0000-0000-000000000000}"/>
-          </ac:graphicFrameMkLst>
-        </pc:graphicFrameChg>
-      </pc:sldChg>
-      <pc:sldChg chg="modNotesTx">
-        <pc:chgData name="Gerth Stølting Brodal" userId="04ef4784-6591-4f86-a140-f5c3b108582a" providerId="ADAL" clId="{93408A75-2116-4BC9-8B13-FD5E23B56413}" dt="2022-02-22T20:09:56.624" v="58" actId="20577"/>
-        <pc:sldMkLst>
-          <pc:docMk/>
-          <pc:sldMk cId="110934910" sldId="629"/>
-        </pc:sldMkLst>
-      </pc:sldChg>
-      <pc:sldChg chg="modSp add mod modNotesTx">
-        <pc:chgData name="Gerth Stølting Brodal" userId="04ef4784-6591-4f86-a140-f5c3b108582a" providerId="ADAL" clId="{93408A75-2116-4BC9-8B13-FD5E23B56413}" dt="2022-03-01T20:08:28.148" v="1381" actId="20577"/>
-        <pc:sldMkLst>
-          <pc:docMk/>
-          <pc:sldMk cId="2011582212" sldId="630"/>
-        </pc:sldMkLst>
-        <pc:spChg chg="mod">
-          <ac:chgData name="Gerth Stølting Brodal" userId="04ef4784-6591-4f86-a140-f5c3b108582a" providerId="ADAL" clId="{93408A75-2116-4BC9-8B13-FD5E23B56413}" dt="2022-02-22T20:58:28.934" v="862" actId="1035"/>
-          <ac:spMkLst>
-            <pc:docMk/>
-            <pc:sldMk cId="2011582212" sldId="630"/>
-            <ac:spMk id="2" creationId="{00000000-0000-0000-0000-000000000000}"/>
-          </ac:spMkLst>
-        </pc:spChg>
-        <pc:spChg chg="mod">
-          <ac:chgData name="Gerth Stølting Brodal" userId="04ef4784-6591-4f86-a140-f5c3b108582a" providerId="ADAL" clId="{93408A75-2116-4BC9-8B13-FD5E23B56413}" dt="2022-02-22T21:11:42.926" v="1378" actId="20577"/>
-          <ac:spMkLst>
-            <pc:docMk/>
-            <pc:sldMk cId="2011582212" sldId="630"/>
-            <ac:spMk id="3" creationId="{00000000-0000-0000-0000-000000000000}"/>
-          </ac:spMkLst>
-        </pc:spChg>
-        <pc:spChg chg="mod">
-          <ac:chgData name="Gerth Stølting Brodal" userId="04ef4784-6591-4f86-a140-f5c3b108582a" providerId="ADAL" clId="{93408A75-2116-4BC9-8B13-FD5E23B56413}" dt="2022-02-22T20:49:42.922" v="594" actId="20577"/>
-          <ac:spMkLst>
-            <pc:docMk/>
-            <pc:sldMk cId="2011582212" sldId="630"/>
-            <ac:spMk id="5" creationId="{00000000-0000-0000-0000-000000000000}"/>
-          </ac:spMkLst>
-        </pc:spChg>
-        <pc:graphicFrameChg chg="mod modGraphic">
-          <ac:chgData name="Gerth Stølting Brodal" userId="04ef4784-6591-4f86-a140-f5c3b108582a" providerId="ADAL" clId="{93408A75-2116-4BC9-8B13-FD5E23B56413}" dt="2022-03-01T20:08:28.148" v="1381" actId="20577"/>
-          <ac:graphicFrameMkLst>
-            <pc:docMk/>
-            <pc:sldMk cId="2011582212" sldId="630"/>
-            <ac:graphicFrameMk id="4" creationId="{00000000-0000-0000-0000-000000000000}"/>
-          </ac:graphicFrameMkLst>
-        </pc:graphicFrameChg>
-      </pc:sldChg>
-    </pc:docChg>
-  </pc:docChgLst>
-  <pc:docChgLst>
-    <pc:chgData name="Gerth Stølting Brodal" userId="04ef4784-6591-4f86-a140-f5c3b108582a" providerId="ADAL" clId="{70B00F23-41E4-4EAF-AB10-65CD07002C7D}"/>
-    <pc:docChg chg="custSel modSld">
-      <pc:chgData name="Gerth Stølting Brodal" userId="04ef4784-6591-4f86-a140-f5c3b108582a" providerId="ADAL" clId="{70B00F23-41E4-4EAF-AB10-65CD07002C7D}" dt="2024-02-28T06:20:02.748" v="19" actId="313"/>
-      <pc:docMkLst>
-        <pc:docMk/>
-      </pc:docMkLst>
-      <pc:sldChg chg="modNotesTx">
-        <pc:chgData name="Gerth Stølting Brodal" userId="04ef4784-6591-4f86-a140-f5c3b108582a" providerId="ADAL" clId="{70B00F23-41E4-4EAF-AB10-65CD07002C7D}" dt="2024-02-28T06:17:45.484" v="1" actId="20577"/>
-        <pc:sldMkLst>
-          <pc:docMk/>
-          <pc:sldMk cId="2185570808" sldId="618"/>
-        </pc:sldMkLst>
-      </pc:sldChg>
-      <pc:sldChg chg="modSp mod">
-        <pc:chgData name="Gerth Stølting Brodal" userId="04ef4784-6591-4f86-a140-f5c3b108582a" providerId="ADAL" clId="{70B00F23-41E4-4EAF-AB10-65CD07002C7D}" dt="2024-02-28T06:20:02.748" v="19" actId="313"/>
-        <pc:sldMkLst>
-          <pc:docMk/>
-          <pc:sldMk cId="2566093429" sldId="619"/>
-        </pc:sldMkLst>
-        <pc:graphicFrameChg chg="modGraphic">
-          <ac:chgData name="Gerth Stølting Brodal" userId="04ef4784-6591-4f86-a140-f5c3b108582a" providerId="ADAL" clId="{70B00F23-41E4-4EAF-AB10-65CD07002C7D}" dt="2024-02-28T06:20:02.748" v="19" actId="313"/>
-          <ac:graphicFrameMkLst>
-            <pc:docMk/>
-            <pc:sldMk cId="2566093429" sldId="619"/>
-            <ac:graphicFrameMk id="4" creationId="{00000000-0000-0000-0000-000000000000}"/>
-          </ac:graphicFrameMkLst>
-        </pc:graphicFrameChg>
-      </pc:sldChg>
-      <pc:sldChg chg="modSp mod">
-        <pc:chgData name="Gerth Stølting Brodal" userId="04ef4784-6591-4f86-a140-f5c3b108582a" providerId="ADAL" clId="{70B00F23-41E4-4EAF-AB10-65CD07002C7D}" dt="2024-02-28T06:19:55.486" v="9" actId="313"/>
-        <pc:sldMkLst>
-          <pc:docMk/>
-          <pc:sldMk cId="1879065634" sldId="620"/>
-        </pc:sldMkLst>
-        <pc:graphicFrameChg chg="modGraphic">
-          <ac:chgData name="Gerth Stølting Brodal" userId="04ef4784-6591-4f86-a140-f5c3b108582a" providerId="ADAL" clId="{70B00F23-41E4-4EAF-AB10-65CD07002C7D}" dt="2024-02-28T06:19:55.486" v="9" actId="313"/>
-          <ac:graphicFrameMkLst>
-            <pc:docMk/>
-            <pc:sldMk cId="1879065634" sldId="620"/>
-            <ac:graphicFrameMk id="4" creationId="{00000000-0000-0000-0000-000000000000}"/>
-          </ac:graphicFrameMkLst>
-        </pc:graphicFrameChg>
-      </pc:sldChg>
-    </pc:docChg>
-  </pc:docChgLst>
 </pc:chgInfo>
 </file>
 
@@ -603,7 +619,7 @@
           <a:p>
             <a:fld id="{FB1A172F-81D4-4DC4-9113-1DBD56EC3646}" type="datetimeFigureOut">
               <a:rPr lang="en-US" smtClean="0"/>
-              <a:t>2/28/2024</a:t>
+              <a:t>10/27/2024</a:t>
             </a:fld>
             <a:endParaRPr lang="en-US"/>
           </a:p>
@@ -1419,11 +1435,33 @@
           <a:p>
             <a:r>
               <a:rPr lang="en-US" dirty="0"/>
-              <a:t>Dotted edges show the namespace of a function</a:t>
-            </a:r>
-            <a:r>
-              <a:rPr lang="en-US"/>
-              <a:t>/lambda</a:t>
+              <a:t>Dotted edges show the namespace of a function/lambda</a:t>
+            </a:r>
+          </a:p>
+          <a:p>
+            <a:r>
+              <a:rPr lang="en-US" dirty="0"/>
+              <a:t>The namespaces containing “a” and “b” exist </a:t>
+            </a:r>
+            <a:r>
+              <a:rPr lang="en-US" i="1" dirty="0"/>
+              <a:t>after</a:t>
+            </a:r>
+            <a:r>
+              <a:rPr lang="en-US" i="0" dirty="0"/>
+              <a:t> f </a:t>
+            </a:r>
+            <a:r>
+              <a:rPr lang="en-US" i="0" dirty="0" err="1"/>
+              <a:t>gand</a:t>
+            </a:r>
+            <a:r>
+              <a:rPr lang="en-US" i="0" dirty="0"/>
+              <a:t> g have been constructed., since lambda exist in </a:t>
+            </a:r>
+            <a:r>
+              <a:rPr lang="en-US" i="0"/>
+              <a:t>context where these were defined</a:t>
             </a:r>
             <a:endParaRPr lang="da-DK" dirty="0"/>
           </a:p>
@@ -2551,7 +2589,7 @@
           <a:p>
             <a:fld id="{0560A9CD-0304-4E0B-9E82-E7E0115DE05B}" type="datetimeFigureOut">
               <a:rPr lang="en-US" smtClean="0"/>
-              <a:t>2/28/2024</a:t>
+              <a:t>10/27/2024</a:t>
             </a:fld>
             <a:endParaRPr lang="en-US"/>
           </a:p>
@@ -2719,7 +2757,7 @@
           <a:p>
             <a:fld id="{0560A9CD-0304-4E0B-9E82-E7E0115DE05B}" type="datetimeFigureOut">
               <a:rPr lang="en-US" smtClean="0"/>
-              <a:t>2/28/2024</a:t>
+              <a:t>10/27/2024</a:t>
             </a:fld>
             <a:endParaRPr lang="en-US"/>
           </a:p>
@@ -2897,7 +2935,7 @@
           <a:p>
             <a:fld id="{0560A9CD-0304-4E0B-9E82-E7E0115DE05B}" type="datetimeFigureOut">
               <a:rPr lang="en-US" smtClean="0"/>
-              <a:t>2/28/2024</a:t>
+              <a:t>10/27/2024</a:t>
             </a:fld>
             <a:endParaRPr lang="en-US"/>
           </a:p>
@@ -3080,7 +3118,7 @@
           <a:p>
             <a:fld id="{0560A9CD-0304-4E0B-9E82-E7E0115DE05B}" type="datetimeFigureOut">
               <a:rPr lang="en-US" smtClean="0"/>
-              <a:t>2/28/2024</a:t>
+              <a:t>10/27/2024</a:t>
             </a:fld>
             <a:endParaRPr lang="en-US"/>
           </a:p>
@@ -3325,7 +3363,7 @@
           <a:p>
             <a:fld id="{0560A9CD-0304-4E0B-9E82-E7E0115DE05B}" type="datetimeFigureOut">
               <a:rPr lang="en-US" smtClean="0"/>
-              <a:t>2/28/2024</a:t>
+              <a:t>10/27/2024</a:t>
             </a:fld>
             <a:endParaRPr lang="en-US"/>
           </a:p>
@@ -3554,7 +3592,7 @@
           <a:p>
             <a:fld id="{0560A9CD-0304-4E0B-9E82-E7E0115DE05B}" type="datetimeFigureOut">
               <a:rPr lang="en-US" smtClean="0"/>
-              <a:t>2/28/2024</a:t>
+              <a:t>10/27/2024</a:t>
             </a:fld>
             <a:endParaRPr lang="en-US"/>
           </a:p>
@@ -3918,7 +3956,7 @@
           <a:p>
             <a:fld id="{0560A9CD-0304-4E0B-9E82-E7E0115DE05B}" type="datetimeFigureOut">
               <a:rPr lang="en-US" smtClean="0"/>
-              <a:t>2/28/2024</a:t>
+              <a:t>10/27/2024</a:t>
             </a:fld>
             <a:endParaRPr lang="en-US"/>
           </a:p>
@@ -4035,7 +4073,7 @@
           <a:p>
             <a:fld id="{0560A9CD-0304-4E0B-9E82-E7E0115DE05B}" type="datetimeFigureOut">
               <a:rPr lang="en-US" smtClean="0"/>
-              <a:t>2/28/2024</a:t>
+              <a:t>10/27/2024</a:t>
             </a:fld>
             <a:endParaRPr lang="en-US"/>
           </a:p>
@@ -4130,7 +4168,7 @@
           <a:p>
             <a:fld id="{0560A9CD-0304-4E0B-9E82-E7E0115DE05B}" type="datetimeFigureOut">
               <a:rPr lang="en-US" smtClean="0"/>
-              <a:t>2/28/2024</a:t>
+              <a:t>10/27/2024</a:t>
             </a:fld>
             <a:endParaRPr lang="en-US"/>
           </a:p>
@@ -4405,7 +4443,7 @@
           <a:p>
             <a:fld id="{0560A9CD-0304-4E0B-9E82-E7E0115DE05B}" type="datetimeFigureOut">
               <a:rPr lang="en-US" smtClean="0"/>
-              <a:t>2/28/2024</a:t>
+              <a:t>10/27/2024</a:t>
             </a:fld>
             <a:endParaRPr lang="en-US"/>
           </a:p>
@@ -4657,7 +4695,7 @@
           <a:p>
             <a:fld id="{0560A9CD-0304-4E0B-9E82-E7E0115DE05B}" type="datetimeFigureOut">
               <a:rPr lang="en-US" smtClean="0"/>
-              <a:t>2/28/2024</a:t>
+              <a:t>10/27/2024</a:t>
             </a:fld>
             <a:endParaRPr lang="en-US"/>
           </a:p>
@@ -4868,7 +4906,7 @@
           <a:p>
             <a:fld id="{0560A9CD-0304-4E0B-9E82-E7E0115DE05B}" type="datetimeFigureOut">
               <a:rPr lang="en-US" smtClean="0"/>
-              <a:t>2/28/2024</a:t>
+              <a:t>10/27/2024</a:t>
             </a:fld>
             <a:endParaRPr lang="en-US"/>
           </a:p>

--- a/ipsa/slides/lambda.pptx
+++ b/ipsa/slides/lambda.pptx
@@ -155,11 +155,26 @@
   </pc:docChgLst>
   <pc:docChgLst>
     <pc:chgData name="Gerth Stølting Brodal" userId="04ef4784-6591-4f86-a140-f5c3b108582a" providerId="ADAL" clId="{D95B4D7F-02F6-463D-98C8-C6F480714164}"/>
-    <pc:docChg chg="custSel modSld">
-      <pc:chgData name="Gerth Stølting Brodal" userId="04ef4784-6591-4f86-a140-f5c3b108582a" providerId="ADAL" clId="{D95B4D7F-02F6-463D-98C8-C6F480714164}" dt="2024-10-27T08:04:50.916" v="162" actId="20577"/>
+    <pc:docChg chg="undo custSel modSld">
+      <pc:chgData name="Gerth Stølting Brodal" userId="04ef4784-6591-4f86-a140-f5c3b108582a" providerId="ADAL" clId="{D95B4D7F-02F6-463D-98C8-C6F480714164}" dt="2024-10-27T20:52:30.846" v="466" actId="20577"/>
       <pc:docMkLst>
         <pc:docMk/>
       </pc:docMkLst>
+      <pc:sldChg chg="modSp mod">
+        <pc:chgData name="Gerth Stølting Brodal" userId="04ef4784-6591-4f86-a140-f5c3b108582a" providerId="ADAL" clId="{D95B4D7F-02F6-463D-98C8-C6F480714164}" dt="2024-10-27T20:52:30.846" v="466" actId="20577"/>
+        <pc:sldMkLst>
+          <pc:docMk/>
+          <pc:sldMk cId="801879974" sldId="510"/>
+        </pc:sldMkLst>
+        <pc:spChg chg="mod">
+          <ac:chgData name="Gerth Stølting Brodal" userId="04ef4784-6591-4f86-a140-f5c3b108582a" providerId="ADAL" clId="{D95B4D7F-02F6-463D-98C8-C6F480714164}" dt="2024-10-27T20:52:30.846" v="466" actId="20577"/>
+          <ac:spMkLst>
+            <pc:docMk/>
+            <pc:sldMk cId="801879974" sldId="510"/>
+            <ac:spMk id="3" creationId="{00000000-0000-0000-0000-000000000000}"/>
+          </ac:spMkLst>
+        </pc:spChg>
+      </pc:sldChg>
       <pc:sldChg chg="modNotesTx">
         <pc:chgData name="Gerth Stølting Brodal" userId="04ef4784-6591-4f86-a140-f5c3b108582a" providerId="ADAL" clId="{D95B4D7F-02F6-463D-98C8-C6F480714164}" dt="2024-10-27T08:04:50.916" v="162" actId="20577"/>
         <pc:sldMkLst>
@@ -9058,7 +9073,7 @@
         </p:nvSpPr>
         <p:spPr>
           <a:xfrm>
-            <a:off x="838200" y="1825624"/>
+            <a:off x="838200" y="1801560"/>
             <a:ext cx="10515600" cy="4895809"/>
           </a:xfrm>
         </p:spPr>
@@ -9068,68 +9083,105 @@
           </a:bodyPr>
           <a:lstStyle/>
           <a:p>
+            <a:pPr>
+              <a:spcAft>
+                <a:spcPts val="1200"/>
+              </a:spcAft>
+            </a:pPr>
             <a:r>
               <a:rPr lang="pt-BR" dirty="0"/>
-              <a:t>lambda calculus invented by Alonzo Church in 1930s</a:t>
+              <a:t>Lambda calculus invented by Alonzo Church in 1930s</a:t>
             </a:r>
           </a:p>
           <a:p>
+            <a:pPr>
+              <a:spcAft>
+                <a:spcPts val="1200"/>
+              </a:spcAft>
+            </a:pPr>
+            <a:r>
+              <a:rPr lang="en-US" dirty="0"/>
+              <a:t>At the heart of functional programming languages</a:t>
+            </a:r>
+          </a:p>
+          <a:p>
+            <a:pPr lvl="1">
+              <a:spcAft>
+                <a:spcPts val="1200"/>
+              </a:spcAft>
+            </a:pPr>
+            <a:r>
+              <a:rPr lang="en-US" dirty="0"/>
+              <a:t>LISP (1958)</a:t>
+            </a:r>
+          </a:p>
+          <a:p>
+            <a:pPr lvl="1">
+              <a:spcAft>
+                <a:spcPts val="1200"/>
+              </a:spcAft>
+            </a:pPr>
+            <a:r>
+              <a:rPr lang="en-US" dirty="0"/>
+              <a:t>ML (1973) and its derivatives, e.g. </a:t>
+            </a:r>
+            <a:r>
+              <a:rPr lang="en-US" dirty="0" err="1"/>
+              <a:t>OCaml</a:t>
+            </a:r>
+            <a:r>
+              <a:rPr lang="en-US" dirty="0"/>
+              <a:t> (1996) and F* (2011)</a:t>
+            </a:r>
+          </a:p>
+          <a:p>
+            <a:pPr lvl="1">
+              <a:spcAft>
+                <a:spcPts val="1200"/>
+              </a:spcAft>
+            </a:pPr>
+            <a:r>
+              <a:rPr lang="en-US" dirty="0"/>
+              <a:t>Haskell (1990), based on Miranda (1985)</a:t>
+            </a:r>
             <a:endParaRPr lang="pt-BR" dirty="0"/>
           </a:p>
           <a:p>
-            <a:r>
-              <a:rPr lang="da-DK" dirty="0"/>
-              <a:t>Lisp has had </a:t>
-            </a:r>
-            <a:r>
-              <a:rPr lang="da-DK" dirty="0" err="1"/>
-              <a:t>lambdas</a:t>
-            </a:r>
-            <a:r>
-              <a:rPr lang="da-DK" dirty="0"/>
-              <a:t> </a:t>
-            </a:r>
-            <a:r>
-              <a:rPr lang="da-DK" dirty="0" err="1"/>
-              <a:t>since</a:t>
-            </a:r>
-            <a:r>
-              <a:rPr lang="da-DK" dirty="0"/>
-              <a:t> 1958</a:t>
-            </a:r>
-            <a:endParaRPr lang="en-US" dirty="0"/>
+            <a:pPr>
+              <a:spcAft>
+                <a:spcPts val="1200"/>
+              </a:spcAft>
+            </a:pPr>
+            <a:r>
+              <a:rPr lang="pt-BR" dirty="0"/>
+              <a:t>C++ got lambdas with C++11 in 2011 (26 years after 1st release)</a:t>
+            </a:r>
           </a:p>
           <a:p>
-            <a:endParaRPr lang="pt-BR" dirty="0"/>
+            <a:pPr>
+              <a:spcAft>
+                <a:spcPts val="1200"/>
+              </a:spcAft>
+            </a:pPr>
+            <a:r>
+              <a:rPr lang="pt-BR" dirty="0"/>
+              <a:t>Java first got lambdas with Java 8 in 2014 (19 years after 1st release)</a:t>
+            </a:r>
           </a:p>
           <a:p>
+            <a:pPr>
+              <a:spcAft>
+                <a:spcPts val="1200"/>
+              </a:spcAft>
+            </a:pPr>
             <a:r>
               <a:rPr lang="pt-BR" dirty="0"/>
-              <a:t>C++ got lambdas in C++11 in 2011</a:t>
-            </a:r>
-          </a:p>
-          <a:p>
-            <a:endParaRPr lang="pt-BR" dirty="0"/>
-          </a:p>
-          <a:p>
-            <a:r>
-              <a:rPr lang="pt-BR" dirty="0"/>
-              <a:t>Java first got lambdas in Java 8 in 2014</a:t>
-            </a:r>
-          </a:p>
-          <a:p>
-            <a:endParaRPr lang="pt-BR" dirty="0"/>
-          </a:p>
-          <a:p>
-            <a:r>
-              <a:rPr lang="pt-BR" dirty="0"/>
-              <a:t>Python has had lambdas since Version 1.0 in 1994</a:t>
-            </a:r>
-          </a:p>
-          <a:p>
-            <a:endParaRPr lang="pt-BR" dirty="0"/>
-          </a:p>
-          <a:p>
+              <a:t>Python has had lambdas since its </a:t>
+            </a:r>
+            <a:r>
+              <a:rPr lang="pt-BR"/>
+              <a:t>inception in 1994</a:t>
+            </a:r>
             <a:endParaRPr lang="da-DK" dirty="0"/>
           </a:p>
         </p:txBody>

--- a/ipsa/slides/lambda.pptx
+++ b/ipsa/slides/lambda.pptx
@@ -166,14 +166,6 @@
           <pc:docMk/>
           <pc:sldMk cId="801879974" sldId="510"/>
         </pc:sldMkLst>
-        <pc:spChg chg="mod">
-          <ac:chgData name="Gerth Stølting Brodal" userId="04ef4784-6591-4f86-a140-f5c3b108582a" providerId="ADAL" clId="{D95B4D7F-02F6-463D-98C8-C6F480714164}" dt="2024-10-27T20:52:30.846" v="466" actId="20577"/>
-          <ac:spMkLst>
-            <pc:docMk/>
-            <pc:sldMk cId="801879974" sldId="510"/>
-            <ac:spMk id="3" creationId="{00000000-0000-0000-0000-000000000000}"/>
-          </ac:spMkLst>
-        </pc:spChg>
       </pc:sldChg>
       <pc:sldChg chg="modNotesTx">
         <pc:chgData name="Gerth Stølting Brodal" userId="04ef4784-6591-4f86-a140-f5c3b108582a" providerId="ADAL" clId="{D95B4D7F-02F6-463D-98C8-C6F480714164}" dt="2024-10-27T08:04:50.916" v="162" actId="20577"/>
@@ -197,14 +189,6 @@
           <pc:docMk/>
           <pc:sldMk cId="2401375598" sldId="616"/>
         </pc:sldMkLst>
-        <pc:spChg chg="mod">
-          <ac:chgData name="Gerth Stølting Brodal" userId="04ef4784-6591-4f86-a140-f5c3b108582a" providerId="ADAL" clId="{93408A75-2116-4BC9-8B13-FD5E23B56413}" dt="2022-03-02T12:21:43.829" v="1493" actId="20577"/>
-          <ac:spMkLst>
-            <pc:docMk/>
-            <pc:sldMk cId="2401375598" sldId="616"/>
-            <ac:spMk id="3" creationId="{00000000-0000-0000-0000-000000000000}"/>
-          </ac:spMkLst>
-        </pc:spChg>
       </pc:sldChg>
       <pc:sldChg chg="modNotesTx">
         <pc:chgData name="Gerth Stølting Brodal" userId="04ef4784-6591-4f86-a140-f5c3b108582a" providerId="ADAL" clId="{93408A75-2116-4BC9-8B13-FD5E23B56413}" dt="2022-03-01T20:13:10.896" v="1485" actId="20577"/>
@@ -226,38 +210,6 @@
           <pc:docMk/>
           <pc:sldMk cId="256353597" sldId="628"/>
         </pc:sldMkLst>
-        <pc:spChg chg="mod">
-          <ac:chgData name="Gerth Stølting Brodal" userId="04ef4784-6591-4f86-a140-f5c3b108582a" providerId="ADAL" clId="{93408A75-2116-4BC9-8B13-FD5E23B56413}" dt="2022-03-02T12:38:40.366" v="1499" actId="1076"/>
-          <ac:spMkLst>
-            <pc:docMk/>
-            <pc:sldMk cId="256353597" sldId="628"/>
-            <ac:spMk id="2" creationId="{00000000-0000-0000-0000-000000000000}"/>
-          </ac:spMkLst>
-        </pc:spChg>
-        <pc:spChg chg="add del">
-          <ac:chgData name="Gerth Stølting Brodal" userId="04ef4784-6591-4f86-a140-f5c3b108582a" providerId="ADAL" clId="{93408A75-2116-4BC9-8B13-FD5E23B56413}" dt="2022-03-02T12:38:30.715" v="1495"/>
-          <ac:spMkLst>
-            <pc:docMk/>
-            <pc:sldMk cId="256353597" sldId="628"/>
-            <ac:spMk id="3" creationId="{E7B59981-4DAC-4311-B3B1-F66DA93A35AC}"/>
-          </ac:spMkLst>
-        </pc:spChg>
-        <pc:spChg chg="add mod">
-          <ac:chgData name="Gerth Stølting Brodal" userId="04ef4784-6591-4f86-a140-f5c3b108582a" providerId="ADAL" clId="{93408A75-2116-4BC9-8B13-FD5E23B56413}" dt="2022-03-02T12:39:09.586" v="1511" actId="20577"/>
-          <ac:spMkLst>
-            <pc:docMk/>
-            <pc:sldMk cId="256353597" sldId="628"/>
-            <ac:spMk id="5" creationId="{992BE75F-A1CA-4720-829E-E6D5124EB17C}"/>
-          </ac:spMkLst>
-        </pc:spChg>
-        <pc:graphicFrameChg chg="mod">
-          <ac:chgData name="Gerth Stølting Brodal" userId="04ef4784-6591-4f86-a140-f5c3b108582a" providerId="ADAL" clId="{93408A75-2116-4BC9-8B13-FD5E23B56413}" dt="2022-03-02T12:38:33.659" v="1496"/>
-          <ac:graphicFrameMkLst>
-            <pc:docMk/>
-            <pc:sldMk cId="256353597" sldId="628"/>
-            <ac:graphicFrameMk id="4" creationId="{00000000-0000-0000-0000-000000000000}"/>
-          </ac:graphicFrameMkLst>
-        </pc:graphicFrameChg>
       </pc:sldChg>
       <pc:sldChg chg="modNotesTx">
         <pc:chgData name="Gerth Stølting Brodal" userId="04ef4784-6591-4f86-a140-f5c3b108582a" providerId="ADAL" clId="{93408A75-2116-4BC9-8B13-FD5E23B56413}" dt="2022-02-22T20:09:56.624" v="58" actId="20577"/>
@@ -272,38 +224,6 @@
           <pc:docMk/>
           <pc:sldMk cId="2011582212" sldId="630"/>
         </pc:sldMkLst>
-        <pc:spChg chg="mod">
-          <ac:chgData name="Gerth Stølting Brodal" userId="04ef4784-6591-4f86-a140-f5c3b108582a" providerId="ADAL" clId="{93408A75-2116-4BC9-8B13-FD5E23B56413}" dt="2022-02-22T20:58:28.934" v="862" actId="1035"/>
-          <ac:spMkLst>
-            <pc:docMk/>
-            <pc:sldMk cId="2011582212" sldId="630"/>
-            <ac:spMk id="2" creationId="{00000000-0000-0000-0000-000000000000}"/>
-          </ac:spMkLst>
-        </pc:spChg>
-        <pc:spChg chg="mod">
-          <ac:chgData name="Gerth Stølting Brodal" userId="04ef4784-6591-4f86-a140-f5c3b108582a" providerId="ADAL" clId="{93408A75-2116-4BC9-8B13-FD5E23B56413}" dt="2022-02-22T21:11:42.926" v="1378" actId="20577"/>
-          <ac:spMkLst>
-            <pc:docMk/>
-            <pc:sldMk cId="2011582212" sldId="630"/>
-            <ac:spMk id="3" creationId="{00000000-0000-0000-0000-000000000000}"/>
-          </ac:spMkLst>
-        </pc:spChg>
-        <pc:spChg chg="mod">
-          <ac:chgData name="Gerth Stølting Brodal" userId="04ef4784-6591-4f86-a140-f5c3b108582a" providerId="ADAL" clId="{93408A75-2116-4BC9-8B13-FD5E23B56413}" dt="2022-02-22T20:49:42.922" v="594" actId="20577"/>
-          <ac:spMkLst>
-            <pc:docMk/>
-            <pc:sldMk cId="2011582212" sldId="630"/>
-            <ac:spMk id="5" creationId="{00000000-0000-0000-0000-000000000000}"/>
-          </ac:spMkLst>
-        </pc:spChg>
-        <pc:graphicFrameChg chg="mod modGraphic">
-          <ac:chgData name="Gerth Stølting Brodal" userId="04ef4784-6591-4f86-a140-f5c3b108582a" providerId="ADAL" clId="{93408A75-2116-4BC9-8B13-FD5E23B56413}" dt="2022-03-01T20:08:28.148" v="1381" actId="20577"/>
-          <ac:graphicFrameMkLst>
-            <pc:docMk/>
-            <pc:sldMk cId="2011582212" sldId="630"/>
-            <ac:graphicFrameMk id="4" creationId="{00000000-0000-0000-0000-000000000000}"/>
-          </ac:graphicFrameMkLst>
-        </pc:graphicFrameChg>
       </pc:sldChg>
     </pc:docChg>
   </pc:docChgLst>
@@ -320,14 +240,6 @@
           <pc:docMk/>
           <pc:sldMk cId="1492179731" sldId="611"/>
         </pc:sldMkLst>
-        <pc:graphicFrameChg chg="modGraphic">
-          <ac:chgData name="Gerth Stølting Brodal" userId="04ef4784-6591-4f86-a140-f5c3b108582a" providerId="ADAL" clId="{C6AD0761-B891-423A-81A4-2F456D07CD51}" dt="2021-03-02T11:28:45.581" v="4" actId="20577"/>
-          <ac:graphicFrameMkLst>
-            <pc:docMk/>
-            <pc:sldMk cId="1492179731" sldId="611"/>
-            <ac:graphicFrameMk id="4" creationId="{00000000-0000-0000-0000-000000000000}"/>
-          </ac:graphicFrameMkLst>
-        </pc:graphicFrameChg>
       </pc:sldChg>
       <pc:sldChg chg="modNotesTx">
         <pc:chgData name="Gerth Stølting Brodal" userId="04ef4784-6591-4f86-a140-f5c3b108582a" providerId="ADAL" clId="{C6AD0761-B891-423A-81A4-2F456D07CD51}" dt="2021-03-02T11:34:10.900" v="41" actId="20577"/>
@@ -358,14 +270,6 @@
           <pc:docMk/>
           <pc:sldMk cId="2566093429" sldId="619"/>
         </pc:sldMkLst>
-        <pc:graphicFrameChg chg="modGraphic">
-          <ac:chgData name="Gerth Stølting Brodal" userId="04ef4784-6591-4f86-a140-f5c3b108582a" providerId="ADAL" clId="{70B00F23-41E4-4EAF-AB10-65CD07002C7D}" dt="2024-02-28T06:20:02.748" v="19" actId="313"/>
-          <ac:graphicFrameMkLst>
-            <pc:docMk/>
-            <pc:sldMk cId="2566093429" sldId="619"/>
-            <ac:graphicFrameMk id="4" creationId="{00000000-0000-0000-0000-000000000000}"/>
-          </ac:graphicFrameMkLst>
-        </pc:graphicFrameChg>
       </pc:sldChg>
       <pc:sldChg chg="modSp mod">
         <pc:chgData name="Gerth Stølting Brodal" userId="04ef4784-6591-4f86-a140-f5c3b108582a" providerId="ADAL" clId="{70B00F23-41E4-4EAF-AB10-65CD07002C7D}" dt="2024-02-28T06:19:55.486" v="9" actId="313"/>
@@ -373,14 +277,6 @@
           <pc:docMk/>
           <pc:sldMk cId="1879065634" sldId="620"/>
         </pc:sldMkLst>
-        <pc:graphicFrameChg chg="modGraphic">
-          <ac:chgData name="Gerth Stølting Brodal" userId="04ef4784-6591-4f86-a140-f5c3b108582a" providerId="ADAL" clId="{70B00F23-41E4-4EAF-AB10-65CD07002C7D}" dt="2024-02-28T06:19:55.486" v="9" actId="313"/>
-          <ac:graphicFrameMkLst>
-            <pc:docMk/>
-            <pc:sldMk cId="1879065634" sldId="620"/>
-            <ac:graphicFrameMk id="4" creationId="{00000000-0000-0000-0000-000000000000}"/>
-          </ac:graphicFrameMkLst>
-        </pc:graphicFrameChg>
       </pc:sldChg>
     </pc:docChg>
   </pc:docChgLst>
@@ -404,14 +300,6 @@
           <pc:docMk/>
           <pc:sldMk cId="2553496854" sldId="614"/>
         </pc:sldMkLst>
-        <pc:graphicFrameChg chg="modGraphic">
-          <ac:chgData name="Gerth Stølting Brodal" userId="04ef4784-6591-4f86-a140-f5c3b108582a" providerId="ADAL" clId="{734C3A8B-8F67-4AB6-A6C8-CFD1AC566D4B}" dt="2023-02-15T08:10:35.589" v="27" actId="20577"/>
-          <ac:graphicFrameMkLst>
-            <pc:docMk/>
-            <pc:sldMk cId="2553496854" sldId="614"/>
-            <ac:graphicFrameMk id="4" creationId="{00000000-0000-0000-0000-000000000000}"/>
-          </ac:graphicFrameMkLst>
-        </pc:graphicFrameChg>
       </pc:sldChg>
       <pc:sldChg chg="modSp mod">
         <pc:chgData name="Gerth Stølting Brodal" userId="04ef4784-6591-4f86-a140-f5c3b108582a" providerId="ADAL" clId="{734C3A8B-8F67-4AB6-A6C8-CFD1AC566D4B}" dt="2023-03-01T08:59:27.625" v="50" actId="20577"/>
@@ -419,14 +307,6 @@
           <pc:docMk/>
           <pc:sldMk cId="1968763958" sldId="615"/>
         </pc:sldMkLst>
-        <pc:graphicFrameChg chg="modGraphic">
-          <ac:chgData name="Gerth Stølting Brodal" userId="04ef4784-6591-4f86-a140-f5c3b108582a" providerId="ADAL" clId="{734C3A8B-8F67-4AB6-A6C8-CFD1AC566D4B}" dt="2023-03-01T08:59:27.625" v="50" actId="20577"/>
-          <ac:graphicFrameMkLst>
-            <pc:docMk/>
-            <pc:sldMk cId="1968763958" sldId="615"/>
-            <ac:graphicFrameMk id="4" creationId="{00000000-0000-0000-0000-000000000000}"/>
-          </ac:graphicFrameMkLst>
-        </pc:graphicFrameChg>
       </pc:sldChg>
       <pc:sldChg chg="modSp mod modNotesTx">
         <pc:chgData name="Gerth Stølting Brodal" userId="04ef4784-6591-4f86-a140-f5c3b108582a" providerId="ADAL" clId="{734C3A8B-8F67-4AB6-A6C8-CFD1AC566D4B}" dt="2023-03-01T09:10:30.045" v="238" actId="20577"/>
@@ -434,14 +314,6 @@
           <pc:docMk/>
           <pc:sldMk cId="2401375598" sldId="616"/>
         </pc:sldMkLst>
-        <pc:graphicFrameChg chg="modGraphic">
-          <ac:chgData name="Gerth Stølting Brodal" userId="04ef4784-6591-4f86-a140-f5c3b108582a" providerId="ADAL" clId="{734C3A8B-8F67-4AB6-A6C8-CFD1AC566D4B}" dt="2023-03-01T09:08:10.656" v="232" actId="207"/>
-          <ac:graphicFrameMkLst>
-            <pc:docMk/>
-            <pc:sldMk cId="2401375598" sldId="616"/>
-            <ac:graphicFrameMk id="4" creationId="{00000000-0000-0000-0000-000000000000}"/>
-          </ac:graphicFrameMkLst>
-        </pc:graphicFrameChg>
       </pc:sldChg>
       <pc:sldChg chg="modSp mod modNotesTx">
         <pc:chgData name="Gerth Stølting Brodal" userId="04ef4784-6591-4f86-a140-f5c3b108582a" providerId="ADAL" clId="{734C3A8B-8F67-4AB6-A6C8-CFD1AC566D4B}" dt="2023-03-01T09:07:49.743" v="231" actId="20577"/>
@@ -449,14 +321,6 @@
           <pc:docMk/>
           <pc:sldMk cId="1159102347" sldId="617"/>
         </pc:sldMkLst>
-        <pc:spChg chg="mod">
-          <ac:chgData name="Gerth Stølting Brodal" userId="04ef4784-6591-4f86-a140-f5c3b108582a" providerId="ADAL" clId="{734C3A8B-8F67-4AB6-A6C8-CFD1AC566D4B}" dt="2023-03-01T09:06:26.380" v="51" actId="6549"/>
-          <ac:spMkLst>
-            <pc:docMk/>
-            <pc:sldMk cId="1159102347" sldId="617"/>
-            <ac:spMk id="3" creationId="{00000000-0000-0000-0000-000000000000}"/>
-          </ac:spMkLst>
-        </pc:spChg>
       </pc:sldChg>
       <pc:sldChg chg="modSp mod modNotesTx">
         <pc:chgData name="Gerth Stølting Brodal" userId="04ef4784-6591-4f86-a140-f5c3b108582a" providerId="ADAL" clId="{734C3A8B-8F67-4AB6-A6C8-CFD1AC566D4B}" dt="2023-03-01T15:01:13.907" v="446" actId="20577"/>
@@ -464,14 +328,6 @@
           <pc:docMk/>
           <pc:sldMk cId="2185570808" sldId="618"/>
         </pc:sldMkLst>
-        <pc:graphicFrameChg chg="mod modGraphic">
-          <ac:chgData name="Gerth Stølting Brodal" userId="04ef4784-6591-4f86-a140-f5c3b108582a" providerId="ADAL" clId="{734C3A8B-8F67-4AB6-A6C8-CFD1AC566D4B}" dt="2023-03-01T15:01:13.907" v="446" actId="20577"/>
-          <ac:graphicFrameMkLst>
-            <pc:docMk/>
-            <pc:sldMk cId="2185570808" sldId="618"/>
-            <ac:graphicFrameMk id="4" creationId="{00000000-0000-0000-0000-000000000000}"/>
-          </ac:graphicFrameMkLst>
-        </pc:graphicFrameChg>
       </pc:sldChg>
       <pc:sldChg chg="modSp mod">
         <pc:chgData name="Gerth Stølting Brodal" userId="04ef4784-6591-4f86-a140-f5c3b108582a" providerId="ADAL" clId="{734C3A8B-8F67-4AB6-A6C8-CFD1AC566D4B}" dt="2023-03-01T08:55:32.470" v="48" actId="121"/>
@@ -479,14 +335,6 @@
           <pc:docMk/>
           <pc:sldMk cId="2566093429" sldId="619"/>
         </pc:sldMkLst>
-        <pc:graphicFrameChg chg="modGraphic">
-          <ac:chgData name="Gerth Stølting Brodal" userId="04ef4784-6591-4f86-a140-f5c3b108582a" providerId="ADAL" clId="{734C3A8B-8F67-4AB6-A6C8-CFD1AC566D4B}" dt="2023-03-01T08:55:32.470" v="48" actId="121"/>
-          <ac:graphicFrameMkLst>
-            <pc:docMk/>
-            <pc:sldMk cId="2566093429" sldId="619"/>
-            <ac:graphicFrameMk id="4" creationId="{00000000-0000-0000-0000-000000000000}"/>
-          </ac:graphicFrameMkLst>
-        </pc:graphicFrameChg>
       </pc:sldChg>
       <pc:sldChg chg="modSp mod modNotesTx">
         <pc:chgData name="Gerth Stølting Brodal" userId="04ef4784-6591-4f86-a140-f5c3b108582a" providerId="ADAL" clId="{734C3A8B-8F67-4AB6-A6C8-CFD1AC566D4B}" dt="2023-03-01T09:21:47.541" v="316" actId="6549"/>
@@ -494,14 +342,6 @@
           <pc:docMk/>
           <pc:sldMk cId="2156517149" sldId="622"/>
         </pc:sldMkLst>
-        <pc:graphicFrameChg chg="mod modGraphic">
-          <ac:chgData name="Gerth Stølting Brodal" userId="04ef4784-6591-4f86-a140-f5c3b108582a" providerId="ADAL" clId="{734C3A8B-8F67-4AB6-A6C8-CFD1AC566D4B}" dt="2023-03-01T09:21:16.121" v="315" actId="20577"/>
-          <ac:graphicFrameMkLst>
-            <pc:docMk/>
-            <pc:sldMk cId="2156517149" sldId="622"/>
-            <ac:graphicFrameMk id="4" creationId="{00000000-0000-0000-0000-000000000000}"/>
-          </ac:graphicFrameMkLst>
-        </pc:graphicFrameChg>
       </pc:sldChg>
       <pc:sldChg chg="modNotesTx">
         <pc:chgData name="Gerth Stølting Brodal" userId="04ef4784-6591-4f86-a140-f5c3b108582a" providerId="ADAL" clId="{734C3A8B-8F67-4AB6-A6C8-CFD1AC566D4B}" dt="2023-03-05T16:25:58.321" v="519" actId="20577"/>
@@ -516,14 +356,6 @@
           <pc:docMk/>
           <pc:sldMk cId="2117179183" sldId="626"/>
         </pc:sldMkLst>
-        <pc:graphicFrameChg chg="mod modGraphic">
-          <ac:chgData name="Gerth Stølting Brodal" userId="04ef4784-6591-4f86-a140-f5c3b108582a" providerId="ADAL" clId="{734C3A8B-8F67-4AB6-A6C8-CFD1AC566D4B}" dt="2023-03-01T10:17:36.510" v="434" actId="207"/>
-          <ac:graphicFrameMkLst>
-            <pc:docMk/>
-            <pc:sldMk cId="2117179183" sldId="626"/>
-            <ac:graphicFrameMk id="4" creationId="{00000000-0000-0000-0000-000000000000}"/>
-          </ac:graphicFrameMkLst>
-        </pc:graphicFrameChg>
       </pc:sldChg>
       <pc:sldChg chg="modSp mod">
         <pc:chgData name="Gerth Stølting Brodal" userId="04ef4784-6591-4f86-a140-f5c3b108582a" providerId="ADAL" clId="{734C3A8B-8F67-4AB6-A6C8-CFD1AC566D4B}" dt="2023-03-01T10:27:37.070" v="435" actId="20577"/>
@@ -531,14 +363,6 @@
           <pc:docMk/>
           <pc:sldMk cId="256353597" sldId="628"/>
         </pc:sldMkLst>
-        <pc:graphicFrameChg chg="modGraphic">
-          <ac:chgData name="Gerth Stølting Brodal" userId="04ef4784-6591-4f86-a140-f5c3b108582a" providerId="ADAL" clId="{734C3A8B-8F67-4AB6-A6C8-CFD1AC566D4B}" dt="2023-03-01T10:27:37.070" v="435" actId="20577"/>
-          <ac:graphicFrameMkLst>
-            <pc:docMk/>
-            <pc:sldMk cId="256353597" sldId="628"/>
-            <ac:graphicFrameMk id="4" creationId="{00000000-0000-0000-0000-000000000000}"/>
-          </ac:graphicFrameMkLst>
-        </pc:graphicFrameChg>
       </pc:sldChg>
       <pc:sldChg chg="modNotesTx">
         <pc:chgData name="Gerth Stølting Brodal" userId="04ef4784-6591-4f86-a140-f5c3b108582a" providerId="ADAL" clId="{734C3A8B-8F67-4AB6-A6C8-CFD1AC566D4B}" dt="2023-03-01T11:21:10.038" v="437" actId="20577"/>
@@ -634,7 +458,7 @@
           <a:p>
             <a:fld id="{FB1A172F-81D4-4DC4-9113-1DBD56EC3646}" type="datetimeFigureOut">
               <a:rPr lang="en-US" smtClean="0"/>
-              <a:t>10/27/2024</a:t>
+              <a:t>2/25/2025</a:t>
             </a:fld>
             <a:endParaRPr lang="en-US"/>
           </a:p>
@@ -1464,19 +1288,15 @@
             </a:r>
             <a:r>
               <a:rPr lang="en-US" i="0" dirty="0"/>
-              <a:t> f </a:t>
-            </a:r>
-            <a:r>
-              <a:rPr lang="en-US" i="0" dirty="0" err="1"/>
-              <a:t>gand</a:t>
+              <a:t> </a:t>
+            </a:r>
+            <a:r>
+              <a:rPr lang="en-US" i="0"/>
+              <a:t>f and </a:t>
             </a:r>
             <a:r>
               <a:rPr lang="en-US" i="0" dirty="0"/>
-              <a:t> g have been constructed., since lambda exist in </a:t>
-            </a:r>
-            <a:r>
-              <a:rPr lang="en-US" i="0"/>
-              <a:t>context where these were defined</a:t>
+              <a:t>g have been constructed., since lambda exist in context where these were defined</a:t>
             </a:r>
             <a:endParaRPr lang="da-DK" dirty="0"/>
           </a:p>
@@ -2604,7 +2424,7 @@
           <a:p>
             <a:fld id="{0560A9CD-0304-4E0B-9E82-E7E0115DE05B}" type="datetimeFigureOut">
               <a:rPr lang="en-US" smtClean="0"/>
-              <a:t>10/27/2024</a:t>
+              <a:t>2/25/2025</a:t>
             </a:fld>
             <a:endParaRPr lang="en-US"/>
           </a:p>
@@ -2772,7 +2592,7 @@
           <a:p>
             <a:fld id="{0560A9CD-0304-4E0B-9E82-E7E0115DE05B}" type="datetimeFigureOut">
               <a:rPr lang="en-US" smtClean="0"/>
-              <a:t>10/27/2024</a:t>
+              <a:t>2/25/2025</a:t>
             </a:fld>
             <a:endParaRPr lang="en-US"/>
           </a:p>
@@ -2950,7 +2770,7 @@
           <a:p>
             <a:fld id="{0560A9CD-0304-4E0B-9E82-E7E0115DE05B}" type="datetimeFigureOut">
               <a:rPr lang="en-US" smtClean="0"/>
-              <a:t>10/27/2024</a:t>
+              <a:t>2/25/2025</a:t>
             </a:fld>
             <a:endParaRPr lang="en-US"/>
           </a:p>
@@ -3133,7 +2953,7 @@
           <a:p>
             <a:fld id="{0560A9CD-0304-4E0B-9E82-E7E0115DE05B}" type="datetimeFigureOut">
               <a:rPr lang="en-US" smtClean="0"/>
-              <a:t>10/27/2024</a:t>
+              <a:t>2/25/2025</a:t>
             </a:fld>
             <a:endParaRPr lang="en-US"/>
           </a:p>
@@ -3378,7 +3198,7 @@
           <a:p>
             <a:fld id="{0560A9CD-0304-4E0B-9E82-E7E0115DE05B}" type="datetimeFigureOut">
               <a:rPr lang="en-US" smtClean="0"/>
-              <a:t>10/27/2024</a:t>
+              <a:t>2/25/2025</a:t>
             </a:fld>
             <a:endParaRPr lang="en-US"/>
           </a:p>
@@ -3607,7 +3427,7 @@
           <a:p>
             <a:fld id="{0560A9CD-0304-4E0B-9E82-E7E0115DE05B}" type="datetimeFigureOut">
               <a:rPr lang="en-US" smtClean="0"/>
-              <a:t>10/27/2024</a:t>
+              <a:t>2/25/2025</a:t>
             </a:fld>
             <a:endParaRPr lang="en-US"/>
           </a:p>
@@ -3971,7 +3791,7 @@
           <a:p>
             <a:fld id="{0560A9CD-0304-4E0B-9E82-E7E0115DE05B}" type="datetimeFigureOut">
               <a:rPr lang="en-US" smtClean="0"/>
-              <a:t>10/27/2024</a:t>
+              <a:t>2/25/2025</a:t>
             </a:fld>
             <a:endParaRPr lang="en-US"/>
           </a:p>
@@ -4088,7 +3908,7 @@
           <a:p>
             <a:fld id="{0560A9CD-0304-4E0B-9E82-E7E0115DE05B}" type="datetimeFigureOut">
               <a:rPr lang="en-US" smtClean="0"/>
-              <a:t>10/27/2024</a:t>
+              <a:t>2/25/2025</a:t>
             </a:fld>
             <a:endParaRPr lang="en-US"/>
           </a:p>
@@ -4183,7 +4003,7 @@
           <a:p>
             <a:fld id="{0560A9CD-0304-4E0B-9E82-E7E0115DE05B}" type="datetimeFigureOut">
               <a:rPr lang="en-US" smtClean="0"/>
-              <a:t>10/27/2024</a:t>
+              <a:t>2/25/2025</a:t>
             </a:fld>
             <a:endParaRPr lang="en-US"/>
           </a:p>
@@ -4458,7 +4278,7 @@
           <a:p>
             <a:fld id="{0560A9CD-0304-4E0B-9E82-E7E0115DE05B}" type="datetimeFigureOut">
               <a:rPr lang="en-US" smtClean="0"/>
-              <a:t>10/27/2024</a:t>
+              <a:t>2/25/2025</a:t>
             </a:fld>
             <a:endParaRPr lang="en-US"/>
           </a:p>
@@ -4710,7 +4530,7 @@
           <a:p>
             <a:fld id="{0560A9CD-0304-4E0B-9E82-E7E0115DE05B}" type="datetimeFigureOut">
               <a:rPr lang="en-US" smtClean="0"/>
-              <a:t>10/27/2024</a:t>
+              <a:t>2/25/2025</a:t>
             </a:fld>
             <a:endParaRPr lang="en-US"/>
           </a:p>
@@ -4921,7 +4741,7 @@
           <a:p>
             <a:fld id="{0560A9CD-0304-4E0B-9E82-E7E0115DE05B}" type="datetimeFigureOut">
               <a:rPr lang="en-US" smtClean="0"/>
-              <a:t>10/27/2024</a:t>
+              <a:t>2/25/2025</a:t>
             </a:fld>
             <a:endParaRPr lang="en-US"/>
           </a:p>
@@ -8630,14 +8450,14 @@
           <p:nvPr>
             <p:extLst>
               <p:ext uri="{D42A27DB-BD31-4B8C-83A1-F6EECF244321}">
-                <p14:modId xmlns:p14="http://schemas.microsoft.com/office/powerpoint/2010/main" val="2117005407"/>
+                <p14:modId xmlns:p14="http://schemas.microsoft.com/office/powerpoint/2010/main" val="3993063280"/>
               </p:ext>
             </p:extLst>
           </p:nvPr>
         </p:nvGraphicFramePr>
         <p:xfrm>
-          <a:off x="3115033" y="4435600"/>
-          <a:ext cx="5961934" cy="1828800"/>
+          <a:off x="2005520" y="4559969"/>
+          <a:ext cx="8180960" cy="1828800"/>
         </p:xfrm>
         <a:graphic>
           <a:graphicData uri="http://schemas.openxmlformats.org/drawingml/2006/table">
@@ -8646,7 +8466,7 @@
                 <a:tableStyleId>{5C22544A-7EE6-4342-B048-85BDC9FD1C3A}</a:tableStyleId>
               </a:tblPr>
               <a:tblGrid>
-                <a:gridCol w="5961934">
+                <a:gridCol w="8180960">
                   <a:extLst>
                     <a:ext uri="{9D8B030D-6E8A-4147-A177-3AD203B41FA5}">
                       <a16:colId xmlns:a16="http://schemas.microsoft.com/office/drawing/2014/main" val="1873682825"/>
@@ -8779,8 +8599,89 @@
                           <a:latin typeface="Courier New" panose="02070309020205020404" pitchFamily="49" charset="0"/>
                           <a:cs typeface="Courier New" panose="02070309020205020404" pitchFamily="49" charset="0"/>
                         </a:rPr>
-                        <a:t> x, y : x + y</a:t>
-                      </a:r>
+                        <a:t> x, y: x + y  </a:t>
+                      </a:r>
+                      <a:r>
+                        <a:rPr lang="es-ES" sz="1800" b="1" baseline="0" dirty="0">
+                          <a:solidFill>
+                            <a:schemeClr val="bg1">
+                              <a:lumMod val="50000"/>
+                            </a:schemeClr>
+                          </a:solidFill>
+                          <a:latin typeface="Courier New" panose="02070309020205020404" pitchFamily="49" charset="0"/>
+                          <a:cs typeface="Courier New" panose="02070309020205020404" pitchFamily="49" charset="0"/>
+                        </a:rPr>
+                        <a:t># </a:t>
+                      </a:r>
+                      <a:r>
+                        <a:rPr lang="es-ES" sz="1800" b="1" baseline="0" dirty="0" err="1">
+                          <a:solidFill>
+                            <a:schemeClr val="bg1">
+                              <a:lumMod val="50000"/>
+                            </a:schemeClr>
+                          </a:solidFill>
+                          <a:latin typeface="Courier New" panose="02070309020205020404" pitchFamily="49" charset="0"/>
+                          <a:cs typeface="Courier New" panose="02070309020205020404" pitchFamily="49" charset="0"/>
+                        </a:rPr>
+                        <a:t>discouraged</a:t>
+                      </a:r>
+                      <a:r>
+                        <a:rPr lang="es-ES" sz="1800" b="1" baseline="0" dirty="0">
+                          <a:solidFill>
+                            <a:schemeClr val="bg1">
+                              <a:lumMod val="50000"/>
+                            </a:schemeClr>
+                          </a:solidFill>
+                          <a:latin typeface="Courier New" panose="02070309020205020404" pitchFamily="49" charset="0"/>
+                          <a:cs typeface="Courier New" panose="02070309020205020404" pitchFamily="49" charset="0"/>
+                        </a:rPr>
+                        <a:t> </a:t>
+                      </a:r>
+                      <a:r>
+                        <a:rPr lang="es-ES" sz="1800" b="1" baseline="0" dirty="0" err="1">
+                          <a:solidFill>
+                            <a:schemeClr val="bg1">
+                              <a:lumMod val="50000"/>
+                            </a:schemeClr>
+                          </a:solidFill>
+                          <a:latin typeface="Courier New" panose="02070309020205020404" pitchFamily="49" charset="0"/>
+                          <a:cs typeface="Courier New" panose="02070309020205020404" pitchFamily="49" charset="0"/>
+                        </a:rPr>
+                        <a:t>by</a:t>
+                      </a:r>
+                      <a:r>
+                        <a:rPr lang="es-ES" sz="1800" b="1" baseline="0" dirty="0">
+                          <a:solidFill>
+                            <a:schemeClr val="bg1">
+                              <a:lumMod val="50000"/>
+                            </a:schemeClr>
+                          </a:solidFill>
+                          <a:latin typeface="Courier New" panose="02070309020205020404" pitchFamily="49" charset="0"/>
+                          <a:cs typeface="Courier New" panose="02070309020205020404" pitchFamily="49" charset="0"/>
+                        </a:rPr>
+                        <a:t> PEP 8, use </a:t>
+                      </a:r>
+                      <a:r>
+                        <a:rPr lang="es-ES" sz="1800" b="1" baseline="0" dirty="0" err="1">
+                          <a:solidFill>
+                            <a:schemeClr val="bg1">
+                              <a:lumMod val="50000"/>
+                            </a:schemeClr>
+                          </a:solidFill>
+                          <a:latin typeface="Courier New" panose="02070309020205020404" pitchFamily="49" charset="0"/>
+                          <a:cs typeface="Courier New" panose="02070309020205020404" pitchFamily="49" charset="0"/>
+                        </a:rPr>
+                        <a:t>def</a:t>
+                      </a:r>
+                      <a:endParaRPr lang="es-ES" sz="1800" b="1" baseline="0" dirty="0">
+                        <a:solidFill>
+                          <a:schemeClr val="bg1">
+                            <a:lumMod val="50000"/>
+                          </a:schemeClr>
+                        </a:solidFill>
+                        <a:latin typeface="Courier New" panose="02070309020205020404" pitchFamily="49" charset="0"/>
+                        <a:cs typeface="Courier New" panose="02070309020205020404" pitchFamily="49" charset="0"/>
+                      </a:endParaRPr>
                     </a:p>
                     <a:p>
                       <a:pPr marL="266700" indent="-266700">

--- a/ipsa/slides/lambda.pptx
+++ b/ipsa/slides/lambda.pptx
@@ -135,6 +135,14 @@
 </p:presentation>
 </file>
 
+<file path=ppt/revisionInfo.xml><?xml version="1.0" encoding="utf-8"?>
+<p1510:revInfo xmlns:a="http://schemas.openxmlformats.org/drawingml/2006/main" xmlns:r="http://schemas.openxmlformats.org/officeDocument/2006/relationships" xmlns:p1510="http://schemas.microsoft.com/office/powerpoint/2015/10/main">
+  <p1510:revLst>
+    <p1510:client id="{9C659965-9BFA-46FA-A60D-394176C80DAF}" v="6" dt="2025-03-03T17:12:13.402"/>
+  </p1510:revLst>
+</p1510:revInfo>
+</file>
+
 <file path=ppt/changesInfos/changesInfo1.xml><?xml version="1.0" encoding="utf-8"?>
 <pc:chgInfo xmlns:a="http://schemas.openxmlformats.org/drawingml/2006/main" xmlns:r="http://schemas.openxmlformats.org/officeDocument/2006/relationships" xmlns:ac="http://schemas.microsoft.com/office/drawing/2013/main/command" xmlns:pc="http://schemas.microsoft.com/office/powerpoint/2013/main/command">
   <pc:docChgLst>
@@ -150,6 +158,30 @@
           <pc:docMk/>
           <pc:sldMk cId="801879974" sldId="510"/>
         </pc:sldMkLst>
+      </pc:sldChg>
+    </pc:docChg>
+  </pc:docChgLst>
+  <pc:docChgLst>
+    <pc:chgData name="Gerth Stølting Brodal" userId="04ef4784-6591-4f86-a140-f5c3b108582a" providerId="ADAL" clId="{9C659965-9BFA-46FA-A60D-394176C80DAF}"/>
+    <pc:docChg chg="undo redo custSel modSld">
+      <pc:chgData name="Gerth Stølting Brodal" userId="04ef4784-6591-4f86-a140-f5c3b108582a" providerId="ADAL" clId="{9C659965-9BFA-46FA-A60D-394176C80DAF}" dt="2025-03-03T17:14:37.108" v="194" actId="313"/>
+      <pc:docMkLst>
+        <pc:docMk/>
+      </pc:docMkLst>
+      <pc:sldChg chg="modSp mod modNotesTx">
+        <pc:chgData name="Gerth Stølting Brodal" userId="04ef4784-6591-4f86-a140-f5c3b108582a" providerId="ADAL" clId="{9C659965-9BFA-46FA-A60D-394176C80DAF}" dt="2025-03-03T17:14:37.108" v="194" actId="313"/>
+        <pc:sldMkLst>
+          <pc:docMk/>
+          <pc:sldMk cId="2156517149" sldId="622"/>
+        </pc:sldMkLst>
+        <pc:graphicFrameChg chg="mod modGraphic">
+          <ac:chgData name="Gerth Stølting Brodal" userId="04ef4784-6591-4f86-a140-f5c3b108582a" providerId="ADAL" clId="{9C659965-9BFA-46FA-A60D-394176C80DAF}" dt="2025-03-03T17:13:50.163" v="127" actId="313"/>
+          <ac:graphicFrameMkLst>
+            <pc:docMk/>
+            <pc:sldMk cId="2156517149" sldId="622"/>
+            <ac:graphicFrameMk id="4" creationId="{00000000-0000-0000-0000-000000000000}"/>
+          </ac:graphicFrameMkLst>
+        </pc:graphicFrameChg>
       </pc:sldChg>
     </pc:docChg>
   </pc:docChgLst>
@@ -458,7 +490,7 @@
           <a:p>
             <a:fld id="{FB1A172F-81D4-4DC4-9113-1DBD56EC3646}" type="datetimeFigureOut">
               <a:rPr lang="en-US" smtClean="0"/>
-              <a:t>2/25/2025</a:t>
+              <a:t>3/3/2025</a:t>
             </a:fld>
             <a:endParaRPr lang="en-US"/>
           </a:p>
@@ -2247,6 +2279,58 @@
           <a:bodyPr/>
           <a:lstStyle/>
           <a:p>
+            <a:r>
+              <a:rPr lang="da-DK" dirty="0"/>
+              <a:t>The ‘~’ is </a:t>
+            </a:r>
+            <a:r>
+              <a:rPr lang="da-DK" dirty="0" err="1"/>
+              <a:t>required</a:t>
+            </a:r>
+            <a:r>
+              <a:rPr lang="da-DK" dirty="0"/>
+              <a:t> to </a:t>
+            </a:r>
+            <a:r>
+              <a:rPr lang="da-DK" dirty="0" err="1"/>
+              <a:t>make</a:t>
+            </a:r>
+            <a:r>
+              <a:rPr lang="da-DK" dirty="0"/>
+              <a:t> ‘</a:t>
+            </a:r>
+            <a:r>
+              <a:rPr lang="da-DK" dirty="0" err="1"/>
+              <a:t>aaa</a:t>
+            </a:r>
+            <a:r>
+              <a:rPr lang="da-DK" dirty="0"/>
+              <a:t>’ </a:t>
+            </a:r>
+            <a:r>
+              <a:rPr lang="da-DK" dirty="0" err="1"/>
+              <a:t>appear</a:t>
+            </a:r>
+            <a:r>
+              <a:rPr lang="da-DK" dirty="0"/>
+              <a:t> </a:t>
+            </a:r>
+            <a:r>
+              <a:rPr lang="da-DK" dirty="0" err="1"/>
+              <a:t>before</a:t>
+            </a:r>
+            <a:r>
+              <a:rPr lang="da-DK" dirty="0"/>
+              <a:t> ‘</a:t>
+            </a:r>
+            <a:r>
+              <a:rPr lang="da-DK" dirty="0" err="1"/>
+              <a:t>aa</a:t>
+            </a:r>
+            <a:r>
+              <a:rPr lang="da-DK"/>
+              <a:t>’</a:t>
+            </a:r>
             <a:endParaRPr lang="en-US" dirty="0"/>
           </a:p>
         </p:txBody>
@@ -2424,7 +2508,7 @@
           <a:p>
             <a:fld id="{0560A9CD-0304-4E0B-9E82-E7E0115DE05B}" type="datetimeFigureOut">
               <a:rPr lang="en-US" smtClean="0"/>
-              <a:t>2/25/2025</a:t>
+              <a:t>3/3/2025</a:t>
             </a:fld>
             <a:endParaRPr lang="en-US"/>
           </a:p>
@@ -2592,7 +2676,7 @@
           <a:p>
             <a:fld id="{0560A9CD-0304-4E0B-9E82-E7E0115DE05B}" type="datetimeFigureOut">
               <a:rPr lang="en-US" smtClean="0"/>
-              <a:t>2/25/2025</a:t>
+              <a:t>3/3/2025</a:t>
             </a:fld>
             <a:endParaRPr lang="en-US"/>
           </a:p>
@@ -2770,7 +2854,7 @@
           <a:p>
             <a:fld id="{0560A9CD-0304-4E0B-9E82-E7E0115DE05B}" type="datetimeFigureOut">
               <a:rPr lang="en-US" smtClean="0"/>
-              <a:t>2/25/2025</a:t>
+              <a:t>3/3/2025</a:t>
             </a:fld>
             <a:endParaRPr lang="en-US"/>
           </a:p>
@@ -2953,7 +3037,7 @@
           <a:p>
             <a:fld id="{0560A9CD-0304-4E0B-9E82-E7E0115DE05B}" type="datetimeFigureOut">
               <a:rPr lang="en-US" smtClean="0"/>
-              <a:t>2/25/2025</a:t>
+              <a:t>3/3/2025</a:t>
             </a:fld>
             <a:endParaRPr lang="en-US"/>
           </a:p>
@@ -3198,7 +3282,7 @@
           <a:p>
             <a:fld id="{0560A9CD-0304-4E0B-9E82-E7E0115DE05B}" type="datetimeFigureOut">
               <a:rPr lang="en-US" smtClean="0"/>
-              <a:t>2/25/2025</a:t>
+              <a:t>3/3/2025</a:t>
             </a:fld>
             <a:endParaRPr lang="en-US"/>
           </a:p>
@@ -3427,7 +3511,7 @@
           <a:p>
             <a:fld id="{0560A9CD-0304-4E0B-9E82-E7E0115DE05B}" type="datetimeFigureOut">
               <a:rPr lang="en-US" smtClean="0"/>
-              <a:t>2/25/2025</a:t>
+              <a:t>3/3/2025</a:t>
             </a:fld>
             <a:endParaRPr lang="en-US"/>
           </a:p>
@@ -3791,7 +3875,7 @@
           <a:p>
             <a:fld id="{0560A9CD-0304-4E0B-9E82-E7E0115DE05B}" type="datetimeFigureOut">
               <a:rPr lang="en-US" smtClean="0"/>
-              <a:t>2/25/2025</a:t>
+              <a:t>3/3/2025</a:t>
             </a:fld>
             <a:endParaRPr lang="en-US"/>
           </a:p>
@@ -3908,7 +3992,7 @@
           <a:p>
             <a:fld id="{0560A9CD-0304-4E0B-9E82-E7E0115DE05B}" type="datetimeFigureOut">
               <a:rPr lang="en-US" smtClean="0"/>
-              <a:t>2/25/2025</a:t>
+              <a:t>3/3/2025</a:t>
             </a:fld>
             <a:endParaRPr lang="en-US"/>
           </a:p>
@@ -4003,7 +4087,7 @@
           <a:p>
             <a:fld id="{0560A9CD-0304-4E0B-9E82-E7E0115DE05B}" type="datetimeFigureOut">
               <a:rPr lang="en-US" smtClean="0"/>
-              <a:t>2/25/2025</a:t>
+              <a:t>3/3/2025</a:t>
             </a:fld>
             <a:endParaRPr lang="en-US"/>
           </a:p>
@@ -4278,7 +4362,7 @@
           <a:p>
             <a:fld id="{0560A9CD-0304-4E0B-9E82-E7E0115DE05B}" type="datetimeFigureOut">
               <a:rPr lang="en-US" smtClean="0"/>
-              <a:t>2/25/2025</a:t>
+              <a:t>3/3/2025</a:t>
             </a:fld>
             <a:endParaRPr lang="en-US"/>
           </a:p>
@@ -4530,7 +4614,7 @@
           <a:p>
             <a:fld id="{0560A9CD-0304-4E0B-9E82-E7E0115DE05B}" type="datetimeFigureOut">
               <a:rPr lang="en-US" smtClean="0"/>
-              <a:t>2/25/2025</a:t>
+              <a:t>3/3/2025</a:t>
             </a:fld>
             <a:endParaRPr lang="en-US"/>
           </a:p>
@@ -4741,7 +4825,7 @@
           <a:p>
             <a:fld id="{0560A9CD-0304-4E0B-9E82-E7E0115DE05B}" type="datetimeFigureOut">
               <a:rPr lang="en-US" smtClean="0"/>
-              <a:t>2/25/2025</a:t>
+              <a:t>3/3/2025</a:t>
             </a:fld>
             <a:endParaRPr lang="en-US"/>
           </a:p>
@@ -9173,7 +9257,7 @@
           <p:nvPr>
             <p:extLst>
               <p:ext uri="{D42A27DB-BD31-4B8C-83A1-F6EECF244321}">
-                <p14:modId xmlns:p14="http://schemas.microsoft.com/office/powerpoint/2010/main" val="1784115705"/>
+                <p14:modId xmlns:p14="http://schemas.microsoft.com/office/powerpoint/2010/main" val="371317124"/>
               </p:ext>
             </p:extLst>
           </p:nvPr>
@@ -9661,7 +9745,7 @@
                           <a:latin typeface="Courier New" panose="02070309020205020404" pitchFamily="49" charset="0"/>
                           <a:cs typeface="Courier New" panose="02070309020205020404" pitchFamily="49" charset="0"/>
                         </a:rPr>
-                        <a:t>()])</a:t>
+                        <a:t>()] + ['~'])</a:t>
                       </a:r>
                       <a:r>
                         <a:rPr lang="en-US" sz="1600" b="1" baseline="0" dirty="0">
@@ -9757,7 +9841,36 @@
                           <a:latin typeface="Courier New" panose="02070309020205020404" pitchFamily="49" charset="0"/>
                           <a:cs typeface="Courier New" panose="02070309020205020404" pitchFamily="49" charset="0"/>
                         </a:rPr>
-                        <a:t>()])</a:t>
+                        <a:t>()]</a:t>
+                      </a:r>
+                      <a:r>
+                        <a:rPr lang="en-US" sz="1600" b="1" baseline="0" dirty="0">
+                          <a:solidFill>
+                            <a:schemeClr val="accent1">
+                              <a:lumMod val="50000"/>
+                            </a:schemeClr>
+                          </a:solidFill>
+                          <a:latin typeface="Courier New" panose="02070309020205020404" pitchFamily="49" charset="0"/>
+                          <a:cs typeface="Courier New" panose="02070309020205020404" pitchFamily="49" charset="0"/>
+                        </a:rPr>
+                        <a:t> </a:t>
+                      </a:r>
+                      <a:r>
+                        <a:rPr lang="en-US" sz="1600" b="1" baseline="0" dirty="0">
+                          <a:solidFill>
+                            <a:schemeClr val="tx1"/>
+                          </a:solidFill>
+                          <a:latin typeface="Courier New" panose="02070309020205020404" pitchFamily="49" charset="0"/>
+                          <a:cs typeface="Courier New" panose="02070309020205020404" pitchFamily="49" charset="0"/>
+                        </a:rPr>
+                        <a:t>+ ['~']</a:t>
+                      </a:r>
+                      <a:r>
+                        <a:rPr lang="en-US" sz="1600" b="1" baseline="0" dirty="0">
+                          <a:latin typeface="Courier New" panose="02070309020205020404" pitchFamily="49" charset="0"/>
+                          <a:cs typeface="Courier New" panose="02070309020205020404" pitchFamily="49" charset="0"/>
+                        </a:rPr>
+                        <a:t>)</a:t>
                       </a:r>
                       <a:endParaRPr lang="pt-BR" sz="1600" b="1" baseline="0" dirty="0">
                         <a:latin typeface="Courier New" panose="02070309020205020404" pitchFamily="49" charset="0"/>
@@ -9791,7 +9904,19 @@
                           <a:latin typeface="Courier New" panose="02070309020205020404" pitchFamily="49" charset="0"/>
                           <a:cs typeface="Courier New" panose="02070309020205020404" pitchFamily="49" charset="0"/>
                         </a:rPr>
-                        <a:t>['a', 'c', 'c', 'd']</a:t>
+                        <a:t>['a', 'c', 'c', 'd', '~']  </a:t>
+                      </a:r>
+                      <a:r>
+                        <a:rPr lang="pt-BR" sz="1600" b="1" baseline="0" dirty="0">
+                          <a:solidFill>
+                            <a:schemeClr val="bg1">
+                              <a:lumMod val="50000"/>
+                            </a:schemeClr>
+                          </a:solidFill>
+                          <a:latin typeface="Courier New" panose="02070309020205020404" pitchFamily="49" charset="0"/>
+                          <a:cs typeface="Courier New" panose="02070309020205020404" pitchFamily="49" charset="0"/>
+                        </a:rPr>
+                        <a:t># '~' is larger than all letters 'a'-'z'</a:t>
                       </a:r>
                     </a:p>
                   </a:txBody>

--- a/ipsa/slides/lambda.pptx
+++ b/ipsa/slides/lambda.pptx
@@ -138,7 +138,7 @@
 <file path=ppt/revisionInfo.xml><?xml version="1.0" encoding="utf-8"?>
 <p1510:revInfo xmlns:a="http://schemas.openxmlformats.org/drawingml/2006/main" xmlns:r="http://schemas.openxmlformats.org/officeDocument/2006/relationships" xmlns:p1510="http://schemas.microsoft.com/office/powerpoint/2015/10/main">
   <p1510:revLst>
-    <p1510:client id="{9C659965-9BFA-46FA-A60D-394176C80DAF}" v="6" dt="2025-03-03T17:12:13.402"/>
+    <p1510:client id="{9C659965-9BFA-46FA-A60D-394176C80DAF}" v="7" dt="2025-03-10T06:30:12.425"/>
   </p1510:revLst>
 </p1510:revInfo>
 </file>
@@ -164,10 +164,32 @@
   <pc:docChgLst>
     <pc:chgData name="Gerth Stølting Brodal" userId="04ef4784-6591-4f86-a140-f5c3b108582a" providerId="ADAL" clId="{9C659965-9BFA-46FA-A60D-394176C80DAF}"/>
     <pc:docChg chg="undo redo custSel modSld">
-      <pc:chgData name="Gerth Stølting Brodal" userId="04ef4784-6591-4f86-a140-f5c3b108582a" providerId="ADAL" clId="{9C659965-9BFA-46FA-A60D-394176C80DAF}" dt="2025-03-03T17:14:37.108" v="194" actId="313"/>
+      <pc:chgData name="Gerth Stølting Brodal" userId="04ef4784-6591-4f86-a140-f5c3b108582a" providerId="ADAL" clId="{9C659965-9BFA-46FA-A60D-394176C80DAF}" dt="2025-03-10T06:40:50.970" v="290" actId="20577"/>
       <pc:docMkLst>
         <pc:docMk/>
       </pc:docMkLst>
+      <pc:sldChg chg="modNotesTx">
+        <pc:chgData name="Gerth Stølting Brodal" userId="04ef4784-6591-4f86-a140-f5c3b108582a" providerId="ADAL" clId="{9C659965-9BFA-46FA-A60D-394176C80DAF}" dt="2025-03-10T06:31:18.066" v="289" actId="20577"/>
+        <pc:sldMkLst>
+          <pc:docMk/>
+          <pc:sldMk cId="1631732029" sldId="613"/>
+        </pc:sldMkLst>
+      </pc:sldChg>
+      <pc:sldChg chg="modSp mod">
+        <pc:chgData name="Gerth Stølting Brodal" userId="04ef4784-6591-4f86-a140-f5c3b108582a" providerId="ADAL" clId="{9C659965-9BFA-46FA-A60D-394176C80DAF}" dt="2025-03-10T06:40:50.970" v="290" actId="20577"/>
+        <pc:sldMkLst>
+          <pc:docMk/>
+          <pc:sldMk cId="2553496854" sldId="614"/>
+        </pc:sldMkLst>
+        <pc:spChg chg="mod">
+          <ac:chgData name="Gerth Stølting Brodal" userId="04ef4784-6591-4f86-a140-f5c3b108582a" providerId="ADAL" clId="{9C659965-9BFA-46FA-A60D-394176C80DAF}" dt="2025-03-10T06:40:50.970" v="290" actId="20577"/>
+          <ac:spMkLst>
+            <pc:docMk/>
+            <pc:sldMk cId="2553496854" sldId="614"/>
+            <ac:spMk id="5" creationId="{00000000-0000-0000-0000-000000000000}"/>
+          </ac:spMkLst>
+        </pc:spChg>
+      </pc:sldChg>
       <pc:sldChg chg="modSp mod modNotesTx">
         <pc:chgData name="Gerth Stølting Brodal" userId="04ef4784-6591-4f86-a140-f5c3b108582a" providerId="ADAL" clId="{9C659965-9BFA-46FA-A60D-394176C80DAF}" dt="2025-03-03T17:14:37.108" v="194" actId="313"/>
         <pc:sldMkLst>
@@ -490,7 +512,7 @@
           <a:p>
             <a:fld id="{FB1A172F-81D4-4DC4-9113-1DBD56EC3646}" type="datetimeFigureOut">
               <a:rPr lang="en-US" smtClean="0"/>
-              <a:t>3/3/2025</a:t>
+              <a:t>3/10/2025</a:t>
             </a:fld>
             <a:endParaRPr lang="en-US"/>
           </a:p>
@@ -801,61 +823,34 @@
           <a:bodyPr/>
           <a:lstStyle/>
           <a:p>
-            <a:r>
-              <a:rPr lang="da-DK" dirty="0" err="1"/>
-              <a:t>Don’t</a:t>
-            </a:r>
-            <a:r>
-              <a:rPr lang="da-DK" dirty="0"/>
-              <a:t> </a:t>
-            </a:r>
-            <a:r>
-              <a:rPr lang="da-DK" dirty="0" err="1"/>
-              <a:t>write</a:t>
-            </a:r>
-            <a:r>
-              <a:rPr lang="da-DK" dirty="0"/>
-              <a:t> </a:t>
-            </a:r>
-            <a:r>
-              <a:rPr lang="da-DK" dirty="0" err="1"/>
-              <a:t>ugly</a:t>
-            </a:r>
-            <a:r>
-              <a:rPr lang="da-DK" dirty="0"/>
-              <a:t> </a:t>
-            </a:r>
-            <a:r>
-              <a:rPr lang="da-DK" dirty="0" err="1"/>
-              <a:t>code</a:t>
-            </a:r>
-            <a:r>
-              <a:rPr lang="da-DK" dirty="0"/>
-              <a:t> </a:t>
-            </a:r>
-            <a:r>
-              <a:rPr lang="da-DK" dirty="0" err="1"/>
-              <a:t>like</a:t>
-            </a:r>
-            <a:r>
-              <a:rPr lang="da-DK" dirty="0"/>
-              <a:t> </a:t>
-            </a:r>
-            <a:r>
-              <a:rPr lang="da-DK" dirty="0" err="1"/>
-              <a:t>this</a:t>
-            </a:r>
-            <a:r>
-              <a:rPr lang="da-DK" dirty="0"/>
-              <a:t> with 95 </a:t>
-            </a:r>
-            <a:r>
-              <a:rPr lang="da-DK" dirty="0" err="1"/>
-              <a:t>characters</a:t>
-            </a:r>
-            <a:r>
-              <a:rPr lang="da-DK" dirty="0"/>
-              <a:t> per line!</a:t>
+            <a:pPr marL="0" marR="0" lvl="0" indent="0" algn="l" defTabSz="914400" rtl="0" eaLnBrk="1" fontAlgn="auto" latinLnBrk="0" hangingPunct="1">
+              <a:lnSpc>
+                <a:spcPct val="100000"/>
+              </a:lnSpc>
+              <a:spcBef>
+                <a:spcPts val="0"/>
+              </a:spcBef>
+              <a:spcAft>
+                <a:spcPts val="0"/>
+              </a:spcAft>
+              <a:buClrTx/>
+              <a:buSzTx/>
+              <a:buFontTx/>
+              <a:buNone/>
+              <a:tabLst/>
+              <a:defRPr/>
+            </a:pPr>
+            <a:r>
+              <a:rPr lang="en-US" u="none" dirty="0"/>
+              <a:t>Brodal, Mampentzidis, </a:t>
+            </a:r>
+            <a:r>
+              <a:rPr lang="en-US" i="1" u="none" dirty="0"/>
+              <a:t>Cache Oblivious Algorithms for Computing the Triplet Distance Between Trees</a:t>
+            </a:r>
+            <a:r>
+              <a:rPr lang="en-US" u="none" dirty="0"/>
+              <a:t>. In ACM JEA, 2021 handles trees with 16.000.000 nodes.</a:t>
             </a:r>
             <a:endParaRPr lang="en-US" dirty="0"/>
           </a:p>
@@ -868,7 +863,7 @@
             <a:spLocks noGrp="1"/>
           </p:cNvSpPr>
           <p:nvPr>
-            <p:ph type="sldNum" sz="quarter" idx="10"/>
+            <p:ph type="sldNum" sz="quarter" idx="5"/>
           </p:nvPr>
         </p:nvSpPr>
         <p:spPr/>
@@ -878,7 +873,7 @@
           <a:p>
             <a:fld id="{CD563DD8-32AB-41BE-B1C6-8EAC45222ACE}" type="slidenum">
               <a:rPr lang="en-US" smtClean="0"/>
-              <a:t>2</a:t>
+              <a:t>1</a:t>
             </a:fld>
             <a:endParaRPr lang="en-US"/>
           </a:p>
@@ -887,7 +882,7 @@
     </p:spTree>
     <p:extLst>
       <p:ext uri="{BB962C8B-B14F-4D97-AF65-F5344CB8AC3E}">
-        <p14:creationId xmlns:p14="http://schemas.microsoft.com/office/powerpoint/2010/main" val="2689094888"/>
+        <p14:creationId xmlns:p14="http://schemas.microsoft.com/office/powerpoint/2010/main" val="1325128085"/>
       </p:ext>
     </p:extLst>
   </p:cSld>
@@ -942,9 +937,58 @@
           <a:lstStyle/>
           <a:p>
             <a:r>
-              <a:rPr lang="en-US" dirty="0"/>
-              <a:t>Last min = minimum number when read in reverse order</a:t>
-            </a:r>
+              <a:rPr lang="da-DK" dirty="0"/>
+              <a:t>The ‘~’ is </a:t>
+            </a:r>
+            <a:r>
+              <a:rPr lang="da-DK" dirty="0" err="1"/>
+              <a:t>required</a:t>
+            </a:r>
+            <a:r>
+              <a:rPr lang="da-DK" dirty="0"/>
+              <a:t> to </a:t>
+            </a:r>
+            <a:r>
+              <a:rPr lang="da-DK" dirty="0" err="1"/>
+              <a:t>make</a:t>
+            </a:r>
+            <a:r>
+              <a:rPr lang="da-DK" dirty="0"/>
+              <a:t> ‘</a:t>
+            </a:r>
+            <a:r>
+              <a:rPr lang="da-DK" dirty="0" err="1"/>
+              <a:t>aaa</a:t>
+            </a:r>
+            <a:r>
+              <a:rPr lang="da-DK" dirty="0"/>
+              <a:t>’ </a:t>
+            </a:r>
+            <a:r>
+              <a:rPr lang="da-DK" dirty="0" err="1"/>
+              <a:t>appear</a:t>
+            </a:r>
+            <a:r>
+              <a:rPr lang="da-DK" dirty="0"/>
+              <a:t> </a:t>
+            </a:r>
+            <a:r>
+              <a:rPr lang="da-DK" dirty="0" err="1"/>
+              <a:t>before</a:t>
+            </a:r>
+            <a:r>
+              <a:rPr lang="da-DK" dirty="0"/>
+              <a:t> ‘</a:t>
+            </a:r>
+            <a:r>
+              <a:rPr lang="da-DK" dirty="0" err="1"/>
+              <a:t>aa</a:t>
+            </a:r>
+            <a:r>
+              <a:rPr lang="da-DK"/>
+              <a:t>’</a:t>
+            </a:r>
+            <a:endParaRPr lang="en-US" dirty="0"/>
           </a:p>
         </p:txBody>
       </p:sp>
@@ -965,7 +1009,7 @@
           <a:p>
             <a:fld id="{CD563DD8-32AB-41BE-B1C6-8EAC45222ACE}" type="slidenum">
               <a:rPr lang="en-US" smtClean="0"/>
-              <a:t>16</a:t>
+              <a:t>15</a:t>
             </a:fld>
             <a:endParaRPr lang="en-US"/>
           </a:p>
@@ -974,7 +1018,7 @@
     </p:spTree>
     <p:extLst>
       <p:ext uri="{BB962C8B-B14F-4D97-AF65-F5344CB8AC3E}">
-        <p14:creationId xmlns:p14="http://schemas.microsoft.com/office/powerpoint/2010/main" val="2441903922"/>
+        <p14:creationId xmlns:p14="http://schemas.microsoft.com/office/powerpoint/2010/main" val="4126061466"/>
       </p:ext>
     </p:extLst>
   </p:cSld>
@@ -1030,37 +1074,8 @@
           <a:p>
             <a:r>
               <a:rPr lang="en-US" dirty="0"/>
-              <a:t>Why do we need a </a:t>
-            </a:r>
-            <a:r>
-              <a:rPr lang="en-US" i="1" dirty="0"/>
-              <a:t>factory function</a:t>
-            </a:r>
-            <a:r>
-              <a:rPr lang="en-US" dirty="0"/>
-              <a:t>? Otherwise, a fixed (but mutable) [] would be </a:t>
-            </a:r>
-            <a:r>
-              <a:rPr lang="en-US" i="1" dirty="0"/>
-              <a:t>shared</a:t>
-            </a:r>
-            <a:r>
-              <a:rPr lang="en-US" dirty="0"/>
-              <a:t> among all undefined entries.</a:t>
-            </a:r>
-          </a:p>
-          <a:p>
-            <a:r>
-              <a:rPr lang="en-US" dirty="0" err="1"/>
-              <a:t>dict.get</a:t>
-            </a:r>
-            <a:r>
-              <a:rPr lang="en-US" dirty="0"/>
-              <a:t>(key, default)  does not create entry in dictionary, and we need to evaluate default on each call, e.g. create an empty list, even that the entry is defined.</a:t>
-            </a:r>
-          </a:p>
-          <a:p>
-            <a:endParaRPr lang="en-US" dirty="0"/>
+              <a:t>Last min = minimum number when read in reverse order</a:t>
+            </a:r>
           </a:p>
         </p:txBody>
       </p:sp>
@@ -1081,7 +1096,7 @@
           <a:p>
             <a:fld id="{CD563DD8-32AB-41BE-B1C6-8EAC45222ACE}" type="slidenum">
               <a:rPr lang="en-US" smtClean="0"/>
-              <a:t>17</a:t>
+              <a:t>16</a:t>
             </a:fld>
             <a:endParaRPr lang="en-US"/>
           </a:p>
@@ -1090,7 +1105,7 @@
     </p:spTree>
     <p:extLst>
       <p:ext uri="{BB962C8B-B14F-4D97-AF65-F5344CB8AC3E}">
-        <p14:creationId xmlns:p14="http://schemas.microsoft.com/office/powerpoint/2010/main" val="209096355"/>
+        <p14:creationId xmlns:p14="http://schemas.microsoft.com/office/powerpoint/2010/main" val="2441903922"/>
       </p:ext>
     </p:extLst>
   </p:cSld>
@@ -1145,82 +1160,38 @@
           <a:lstStyle/>
           <a:p>
             <a:r>
-              <a:rPr lang="da-DK" dirty="0" err="1"/>
-              <a:t>Notice</a:t>
-            </a:r>
-            <a:r>
-              <a:rPr lang="da-DK" dirty="0"/>
-              <a:t> </a:t>
-            </a:r>
-            <a:r>
-              <a:rPr lang="da-DK" dirty="0" err="1"/>
-              <a:t>polynomial</a:t>
-            </a:r>
-            <a:r>
-              <a:rPr lang="da-DK" dirty="0"/>
-              <a:t>(…)(…) </a:t>
-            </a:r>
-            <a:r>
-              <a:rPr lang="da-DK" dirty="0" err="1"/>
-              <a:t>since</a:t>
-            </a:r>
-            <a:r>
-              <a:rPr lang="da-DK" dirty="0"/>
-              <a:t> </a:t>
-            </a:r>
-            <a:r>
-              <a:rPr lang="da-DK" dirty="0" err="1"/>
-              <a:t>first</a:t>
-            </a:r>
-            <a:r>
-              <a:rPr lang="da-DK" dirty="0"/>
-              <a:t> </a:t>
-            </a:r>
-            <a:r>
-              <a:rPr lang="da-DK" dirty="0" err="1"/>
-              <a:t>call</a:t>
-            </a:r>
-            <a:r>
-              <a:rPr lang="da-DK" dirty="0"/>
-              <a:t> returns a </a:t>
-            </a:r>
-            <a:r>
-              <a:rPr lang="da-DK" dirty="0" err="1"/>
-              <a:t>function</a:t>
-            </a:r>
-            <a:r>
-              <a:rPr lang="da-DK" dirty="0"/>
-              <a:t> </a:t>
-            </a:r>
-            <a:r>
-              <a:rPr lang="da-DK" dirty="0" err="1"/>
-              <a:t>that</a:t>
-            </a:r>
-            <a:r>
-              <a:rPr lang="da-DK" dirty="0"/>
-              <a:t> </a:t>
-            </a:r>
-            <a:r>
-              <a:rPr lang="da-DK" dirty="0" err="1"/>
-              <a:t>can</a:t>
-            </a:r>
-            <a:r>
-              <a:rPr lang="da-DK" dirty="0"/>
-              <a:t> </a:t>
-            </a:r>
-            <a:r>
-              <a:rPr lang="da-DK" dirty="0" err="1"/>
-              <a:t>be</a:t>
-            </a:r>
-            <a:r>
-              <a:rPr lang="da-DK" dirty="0"/>
-              <a:t> </a:t>
-            </a:r>
-            <a:r>
-              <a:rPr lang="da-DK" dirty="0" err="1"/>
-              <a:t>called</a:t>
-            </a:r>
-            <a:endParaRPr lang="da-DK" dirty="0"/>
+              <a:rPr lang="en-US" dirty="0"/>
+              <a:t>Why do we need a </a:t>
+            </a:r>
+            <a:r>
+              <a:rPr lang="en-US" i="1" dirty="0"/>
+              <a:t>factory function</a:t>
+            </a:r>
+            <a:r>
+              <a:rPr lang="en-US" dirty="0"/>
+              <a:t>? Otherwise, a fixed (but mutable) [] would be </a:t>
+            </a:r>
+            <a:r>
+              <a:rPr lang="en-US" i="1" dirty="0"/>
+              <a:t>shared</a:t>
+            </a:r>
+            <a:r>
+              <a:rPr lang="en-US" dirty="0"/>
+              <a:t> among all undefined entries.</a:t>
+            </a:r>
+          </a:p>
+          <a:p>
+            <a:r>
+              <a:rPr lang="en-US" dirty="0" err="1"/>
+              <a:t>dict.get</a:t>
+            </a:r>
+            <a:r>
+              <a:rPr lang="en-US" dirty="0"/>
+              <a:t>(key, default)  does not create entry in dictionary, and we need to evaluate default on each call, e.g. create an empty list, even that the entry is defined.</a:t>
+            </a:r>
+          </a:p>
+          <a:p>
+            <a:endParaRPr lang="en-US" dirty="0"/>
           </a:p>
         </p:txBody>
       </p:sp>
@@ -1231,7 +1202,7 @@
             <a:spLocks noGrp="1"/>
           </p:cNvSpPr>
           <p:nvPr>
-            <p:ph type="sldNum" sz="quarter" idx="5"/>
+            <p:ph type="sldNum" sz="quarter" idx="10"/>
           </p:nvPr>
         </p:nvSpPr>
         <p:spPr/>
@@ -1241,7 +1212,7 @@
           <a:p>
             <a:fld id="{CD563DD8-32AB-41BE-B1C6-8EAC45222ACE}" type="slidenum">
               <a:rPr lang="en-US" smtClean="0"/>
-              <a:t>18</a:t>
+              <a:t>17</a:t>
             </a:fld>
             <a:endParaRPr lang="en-US"/>
           </a:p>
@@ -1250,7 +1221,7 @@
     </p:spTree>
     <p:extLst>
       <p:ext uri="{BB962C8B-B14F-4D97-AF65-F5344CB8AC3E}">
-        <p14:creationId xmlns:p14="http://schemas.microsoft.com/office/powerpoint/2010/main" val="2498102627"/>
+        <p14:creationId xmlns:p14="http://schemas.microsoft.com/office/powerpoint/2010/main" val="209096355"/>
       </p:ext>
     </p:extLst>
   </p:cSld>
@@ -1305,6 +1276,166 @@
           <a:lstStyle/>
           <a:p>
             <a:r>
+              <a:rPr lang="da-DK" dirty="0" err="1"/>
+              <a:t>Notice</a:t>
+            </a:r>
+            <a:r>
+              <a:rPr lang="da-DK" dirty="0"/>
+              <a:t> </a:t>
+            </a:r>
+            <a:r>
+              <a:rPr lang="da-DK" dirty="0" err="1"/>
+              <a:t>polynomial</a:t>
+            </a:r>
+            <a:r>
+              <a:rPr lang="da-DK" dirty="0"/>
+              <a:t>(…)(…) </a:t>
+            </a:r>
+            <a:r>
+              <a:rPr lang="da-DK" dirty="0" err="1"/>
+              <a:t>since</a:t>
+            </a:r>
+            <a:r>
+              <a:rPr lang="da-DK" dirty="0"/>
+              <a:t> </a:t>
+            </a:r>
+            <a:r>
+              <a:rPr lang="da-DK" dirty="0" err="1"/>
+              <a:t>first</a:t>
+            </a:r>
+            <a:r>
+              <a:rPr lang="da-DK" dirty="0"/>
+              <a:t> </a:t>
+            </a:r>
+            <a:r>
+              <a:rPr lang="da-DK" dirty="0" err="1"/>
+              <a:t>call</a:t>
+            </a:r>
+            <a:r>
+              <a:rPr lang="da-DK" dirty="0"/>
+              <a:t> returns a </a:t>
+            </a:r>
+            <a:r>
+              <a:rPr lang="da-DK" dirty="0" err="1"/>
+              <a:t>function</a:t>
+            </a:r>
+            <a:r>
+              <a:rPr lang="da-DK" dirty="0"/>
+              <a:t> </a:t>
+            </a:r>
+            <a:r>
+              <a:rPr lang="da-DK" dirty="0" err="1"/>
+              <a:t>that</a:t>
+            </a:r>
+            <a:r>
+              <a:rPr lang="da-DK" dirty="0"/>
+              <a:t> </a:t>
+            </a:r>
+            <a:r>
+              <a:rPr lang="da-DK" dirty="0" err="1"/>
+              <a:t>can</a:t>
+            </a:r>
+            <a:r>
+              <a:rPr lang="da-DK" dirty="0"/>
+              <a:t> </a:t>
+            </a:r>
+            <a:r>
+              <a:rPr lang="da-DK" dirty="0" err="1"/>
+              <a:t>be</a:t>
+            </a:r>
+            <a:r>
+              <a:rPr lang="da-DK" dirty="0"/>
+              <a:t> </a:t>
+            </a:r>
+            <a:r>
+              <a:rPr lang="da-DK" dirty="0" err="1"/>
+              <a:t>called</a:t>
+            </a:r>
+            <a:endParaRPr lang="da-DK" dirty="0"/>
+          </a:p>
+        </p:txBody>
+      </p:sp>
+      <p:sp>
+        <p:nvSpPr>
+          <p:cNvPr id="4" name="Slide Number Placeholder 3"/>
+          <p:cNvSpPr>
+            <a:spLocks noGrp="1"/>
+          </p:cNvSpPr>
+          <p:nvPr>
+            <p:ph type="sldNum" sz="quarter" idx="5"/>
+          </p:nvPr>
+        </p:nvSpPr>
+        <p:spPr/>
+        <p:txBody>
+          <a:bodyPr/>
+          <a:lstStyle/>
+          <a:p>
+            <a:fld id="{CD563DD8-32AB-41BE-B1C6-8EAC45222ACE}" type="slidenum">
+              <a:rPr lang="en-US" smtClean="0"/>
+              <a:t>18</a:t>
+            </a:fld>
+            <a:endParaRPr lang="en-US"/>
+          </a:p>
+        </p:txBody>
+      </p:sp>
+    </p:spTree>
+    <p:extLst>
+      <p:ext uri="{BB962C8B-B14F-4D97-AF65-F5344CB8AC3E}">
+        <p14:creationId xmlns:p14="http://schemas.microsoft.com/office/powerpoint/2010/main" val="2498102627"/>
+      </p:ext>
+    </p:extLst>
+  </p:cSld>
+  <p:clrMapOvr>
+    <a:masterClrMapping/>
+  </p:clrMapOvr>
+</p:notes>
+</file>
+
+<file path=ppt/notesSlides/notesSlide14.xml><?xml version="1.0" encoding="utf-8"?>
+<p:notes xmlns:a="http://schemas.openxmlformats.org/drawingml/2006/main" xmlns:r="http://schemas.openxmlformats.org/officeDocument/2006/relationships" xmlns:p="http://schemas.openxmlformats.org/presentationml/2006/main">
+  <p:cSld>
+    <p:spTree>
+      <p:nvGrpSpPr>
+        <p:cNvPr id="1" name=""/>
+        <p:cNvGrpSpPr/>
+        <p:nvPr/>
+      </p:nvGrpSpPr>
+      <p:grpSpPr>
+        <a:xfrm>
+          <a:off x="0" y="0"/>
+          <a:ext cx="0" cy="0"/>
+          <a:chOff x="0" y="0"/>
+          <a:chExt cx="0" cy="0"/>
+        </a:xfrm>
+      </p:grpSpPr>
+      <p:sp>
+        <p:nvSpPr>
+          <p:cNvPr id="2" name="Slide Image Placeholder 1"/>
+          <p:cNvSpPr>
+            <a:spLocks noGrp="1" noRot="1" noChangeAspect="1"/>
+          </p:cNvSpPr>
+          <p:nvPr>
+            <p:ph type="sldImg"/>
+          </p:nvPr>
+        </p:nvSpPr>
+        <p:spPr/>
+      </p:sp>
+      <p:sp>
+        <p:nvSpPr>
+          <p:cNvPr id="3" name="Notes Placeholder 2"/>
+          <p:cNvSpPr>
+            <a:spLocks noGrp="1"/>
+          </p:cNvSpPr>
+          <p:nvPr>
+            <p:ph type="body" idx="1"/>
+          </p:nvPr>
+        </p:nvSpPr>
+        <p:spPr/>
+        <p:txBody>
+          <a:bodyPr/>
+          <a:lstStyle/>
+          <a:p>
+            <a:r>
               <a:rPr lang="en-US" dirty="0"/>
               <a:t>Dotted edges show the namespace of a function/lambda</a:t>
             </a:r>
@@ -1370,7 +1501,7 @@
 </p:notes>
 </file>
 
-<file path=ppt/notesSlides/notesSlide14.xml><?xml version="1.0" encoding="utf-8"?>
+<file path=ppt/notesSlides/notesSlide15.xml><?xml version="1.0" encoding="utf-8"?>
 <p:notes xmlns:a="http://schemas.openxmlformats.org/drawingml/2006/main" xmlns:r="http://schemas.openxmlformats.org/officeDocument/2006/relationships" xmlns:p="http://schemas.openxmlformats.org/presentationml/2006/main">
   <p:cSld>
     <p:spTree>
@@ -1499,79 +1630,62 @@
           <a:lstStyle/>
           <a:p>
             <a:r>
+              <a:rPr lang="da-DK" dirty="0" err="1"/>
+              <a:t>Don’t</a:t>
+            </a:r>
+            <a:r>
               <a:rPr lang="da-DK" dirty="0"/>
-              <a:t>type(kvadrat)</a:t>
-            </a:r>
-          </a:p>
-          <a:p>
+              <a:t> </a:t>
+            </a:r>
+            <a:r>
+              <a:rPr lang="da-DK" dirty="0" err="1"/>
+              <a:t>write</a:t>
+            </a:r>
             <a:r>
               <a:rPr lang="da-DK" dirty="0"/>
-              <a:t>&lt;class '</a:t>
+              <a:t> </a:t>
             </a:r>
             <a:r>
               <a:rPr lang="da-DK" dirty="0" err="1"/>
-              <a:t>function</a:t>
+              <a:t>ugly</a:t>
             </a:r>
             <a:r>
               <a:rPr lang="da-DK" dirty="0"/>
-              <a:t>’&gt;</a:t>
-            </a:r>
-          </a:p>
-          <a:p>
+              <a:t> </a:t>
+            </a:r>
             <a:r>
               <a:rPr lang="da-DK" dirty="0" err="1"/>
-              <a:t>square</a:t>
+              <a:t>code</a:t>
             </a:r>
             <a:r>
               <a:rPr lang="da-DK" dirty="0"/>
-              <a:t>.__</a:t>
+              <a:t> </a:t>
             </a:r>
             <a:r>
               <a:rPr lang="da-DK" dirty="0" err="1"/>
-              <a:t>name</a:t>
+              <a:t>like</a:t>
             </a:r>
             <a:r>
               <a:rPr lang="da-DK" dirty="0"/>
-              <a:t>__</a:t>
-            </a:r>
-          </a:p>
-          <a:p>
+              <a:t> </a:t>
+            </a:r>
+            <a:r>
+              <a:rPr lang="da-DK" dirty="0" err="1"/>
+              <a:t>this</a:t>
+            </a:r>
             <a:r>
               <a:rPr lang="da-DK" dirty="0"/>
-              <a:t>'</a:t>
+              <a:t> with 95 </a:t>
             </a:r>
             <a:r>
               <a:rPr lang="da-DK" dirty="0" err="1"/>
-              <a:t>square</a:t>
+              <a:t>characters</a:t>
             </a:r>
             <a:r>
               <a:rPr lang="da-DK" dirty="0"/>
-              <a:t>’</a:t>
-            </a:r>
-          </a:p>
-          <a:p>
-            <a:r>
-              <a:rPr lang="da-DK" dirty="0" err="1"/>
-              <a:t>square</a:t>
-            </a:r>
-            <a:r>
-              <a:rPr lang="da-DK" dirty="0"/>
-              <a:t>.__</a:t>
-            </a:r>
-            <a:r>
-              <a:rPr lang="da-DK" dirty="0" err="1"/>
-              <a:t>call</a:t>
-            </a:r>
-            <a:r>
-              <a:rPr lang="da-DK" dirty="0"/>
-              <a:t>__(3)</a:t>
-            </a:r>
-          </a:p>
-          <a:p>
-            <a:r>
-              <a:rPr lang="da-DK" dirty="0"/>
-              <a:t>9</a:t>
-            </a:r>
+              <a:t> per line!</a:t>
+            </a:r>
+            <a:endParaRPr lang="en-US" dirty="0"/>
           </a:p>
         </p:txBody>
       </p:sp>
@@ -1582,7 +1696,7 @@
             <a:spLocks noGrp="1"/>
           </p:cNvSpPr>
           <p:nvPr>
-            <p:ph type="sldNum" sz="quarter" idx="5"/>
+            <p:ph type="sldNum" sz="quarter" idx="10"/>
           </p:nvPr>
         </p:nvSpPr>
         <p:spPr/>
@@ -1592,7 +1706,7 @@
           <a:p>
             <a:fld id="{CD563DD8-32AB-41BE-B1C6-8EAC45222ACE}" type="slidenum">
               <a:rPr lang="en-US" smtClean="0"/>
-              <a:t>4</a:t>
+              <a:t>2</a:t>
             </a:fld>
             <a:endParaRPr lang="en-US"/>
           </a:p>
@@ -1601,7 +1715,7 @@
     </p:spTree>
     <p:extLst>
       <p:ext uri="{BB962C8B-B14F-4D97-AF65-F5344CB8AC3E}">
-        <p14:creationId xmlns:p14="http://schemas.microsoft.com/office/powerpoint/2010/main" val="3962183776"/>
+        <p14:creationId xmlns:p14="http://schemas.microsoft.com/office/powerpoint/2010/main" val="2689094888"/>
       </p:ext>
     </p:extLst>
   </p:cSld>
@@ -1656,48 +1770,79 @@
           <a:lstStyle/>
           <a:p>
             <a:r>
-              <a:rPr lang="en-US" dirty="0"/>
-              <a:t>x, y =</a:t>
-            </a:r>
-            <a:r>
-              <a:rPr lang="en-US" baseline="0" dirty="0"/>
-              <a:t> </a:t>
-            </a:r>
-            <a:r>
-              <a:rPr lang="en-US" dirty="0"/>
-              <a:t>map(</a:t>
-            </a:r>
-            <a:r>
-              <a:rPr lang="en-US" dirty="0" err="1"/>
-              <a:t>int</a:t>
-            </a:r>
-            <a:r>
-              <a:rPr lang="en-US" dirty="0"/>
-              <a:t>,</a:t>
-            </a:r>
-            <a:r>
-              <a:rPr lang="en-US" baseline="0" dirty="0"/>
-              <a:t> input().split())</a:t>
+              <a:rPr lang="da-DK" dirty="0"/>
+              <a:t>type(kvadrat)</a:t>
             </a:r>
           </a:p>
           <a:p>
             <a:r>
-              <a:rPr lang="en-US" baseline="0" dirty="0"/>
-              <a:t>L = list(map(</a:t>
-            </a:r>
-            <a:r>
-              <a:rPr lang="en-US" baseline="0" dirty="0" err="1"/>
-              <a:t>int</a:t>
-            </a:r>
-            <a:r>
-              <a:rPr lang="en-US" baseline="0" dirty="0"/>
-              <a:t>, input</a:t>
-            </a:r>
-            <a:r>
-              <a:rPr lang="en-US" baseline="0"/>
-              <a:t>().split())</a:t>
-            </a:r>
-            <a:endParaRPr lang="en-US" dirty="0"/>
+              <a:rPr lang="da-DK" dirty="0"/>
+              <a:t>&lt;class '</a:t>
+            </a:r>
+            <a:r>
+              <a:rPr lang="da-DK" dirty="0" err="1"/>
+              <a:t>function</a:t>
+            </a:r>
+            <a:r>
+              <a:rPr lang="da-DK" dirty="0"/>
+              <a:t>’&gt;</a:t>
+            </a:r>
+          </a:p>
+          <a:p>
+            <a:r>
+              <a:rPr lang="da-DK" dirty="0" err="1"/>
+              <a:t>square</a:t>
+            </a:r>
+            <a:r>
+              <a:rPr lang="da-DK" dirty="0"/>
+              <a:t>.__</a:t>
+            </a:r>
+            <a:r>
+              <a:rPr lang="da-DK" dirty="0" err="1"/>
+              <a:t>name</a:t>
+            </a:r>
+            <a:r>
+              <a:rPr lang="da-DK" dirty="0"/>
+              <a:t>__</a:t>
+            </a:r>
+          </a:p>
+          <a:p>
+            <a:r>
+              <a:rPr lang="da-DK" dirty="0"/>
+              <a:t>'</a:t>
+            </a:r>
+            <a:r>
+              <a:rPr lang="da-DK" dirty="0" err="1"/>
+              <a:t>square</a:t>
+            </a:r>
+            <a:r>
+              <a:rPr lang="da-DK" dirty="0"/>
+              <a:t>’</a:t>
+            </a:r>
+          </a:p>
+          <a:p>
+            <a:r>
+              <a:rPr lang="da-DK" dirty="0" err="1"/>
+              <a:t>square</a:t>
+            </a:r>
+            <a:r>
+              <a:rPr lang="da-DK" dirty="0"/>
+              <a:t>.__</a:t>
+            </a:r>
+            <a:r>
+              <a:rPr lang="da-DK" dirty="0" err="1"/>
+              <a:t>call</a:t>
+            </a:r>
+            <a:r>
+              <a:rPr lang="da-DK" dirty="0"/>
+              <a:t>__(3)</a:t>
+            </a:r>
+          </a:p>
+          <a:p>
+            <a:r>
+              <a:rPr lang="da-DK" dirty="0"/>
+              <a:t>9</a:t>
+            </a:r>
           </a:p>
         </p:txBody>
       </p:sp>
@@ -1708,7 +1853,7 @@
             <a:spLocks noGrp="1"/>
           </p:cNvSpPr>
           <p:nvPr>
-            <p:ph type="sldNum" sz="quarter" idx="10"/>
+            <p:ph type="sldNum" sz="quarter" idx="5"/>
           </p:nvPr>
         </p:nvSpPr>
         <p:spPr/>
@@ -1718,7 +1863,7 @@
           <a:p>
             <a:fld id="{CD563DD8-32AB-41BE-B1C6-8EAC45222ACE}" type="slidenum">
               <a:rPr lang="en-US" smtClean="0"/>
-              <a:t>8</a:t>
+              <a:t>4</a:t>
             </a:fld>
             <a:endParaRPr lang="en-US"/>
           </a:p>
@@ -1727,7 +1872,7 @@
     </p:spTree>
     <p:extLst>
       <p:ext uri="{BB962C8B-B14F-4D97-AF65-F5344CB8AC3E}">
-        <p14:creationId xmlns:p14="http://schemas.microsoft.com/office/powerpoint/2010/main" val="1340784834"/>
+        <p14:creationId xmlns:p14="http://schemas.microsoft.com/office/powerpoint/2010/main" val="3962183776"/>
       </p:ext>
     </p:extLst>
   </p:cSld>
@@ -1783,11 +1928,45 @@
           <a:p>
             <a:r>
               <a:rPr lang="en-US" dirty="0"/>
-              <a:t>key is only computed once for</a:t>
+              <a:t>x, y =</a:t>
             </a:r>
             <a:r>
               <a:rPr lang="en-US" baseline="0" dirty="0"/>
-              <a:t> each element during sorting</a:t>
+              <a:t> </a:t>
+            </a:r>
+            <a:r>
+              <a:rPr lang="en-US" dirty="0"/>
+              <a:t>map(</a:t>
+            </a:r>
+            <a:r>
+              <a:rPr lang="en-US" dirty="0" err="1"/>
+              <a:t>int</a:t>
+            </a:r>
+            <a:r>
+              <a:rPr lang="en-US" dirty="0"/>
+              <a:t>,</a:t>
+            </a:r>
+            <a:r>
+              <a:rPr lang="en-US" baseline="0" dirty="0"/>
+              <a:t> input().split())</a:t>
+            </a:r>
+          </a:p>
+          <a:p>
+            <a:r>
+              <a:rPr lang="en-US" baseline="0" dirty="0"/>
+              <a:t>L = list(map(</a:t>
+            </a:r>
+            <a:r>
+              <a:rPr lang="en-US" baseline="0" dirty="0" err="1"/>
+              <a:t>int</a:t>
+            </a:r>
+            <a:r>
+              <a:rPr lang="en-US" baseline="0" dirty="0"/>
+              <a:t>, input</a:t>
+            </a:r>
+            <a:r>
+              <a:rPr lang="en-US" baseline="0"/>
+              <a:t>().split())</a:t>
             </a:r>
             <a:endParaRPr lang="en-US" dirty="0"/>
           </a:p>
@@ -1810,7 +1989,7 @@
           <a:p>
             <a:fld id="{CD563DD8-32AB-41BE-B1C6-8EAC45222ACE}" type="slidenum">
               <a:rPr lang="en-US" smtClean="0"/>
-              <a:t>9</a:t>
+              <a:t>8</a:t>
             </a:fld>
             <a:endParaRPr lang="en-US"/>
           </a:p>
@@ -1819,7 +1998,7 @@
     </p:spTree>
     <p:extLst>
       <p:ext uri="{BB962C8B-B14F-4D97-AF65-F5344CB8AC3E}">
-        <p14:creationId xmlns:p14="http://schemas.microsoft.com/office/powerpoint/2010/main" val="1913400565"/>
+        <p14:creationId xmlns:p14="http://schemas.microsoft.com/office/powerpoint/2010/main" val="1340784834"/>
       </p:ext>
     </p:extLst>
   </p:cSld>
@@ -1875,9 +2054,13 @@
           <a:p>
             <a:r>
               <a:rPr lang="en-US" dirty="0"/>
-              <a:t>Main difference between calling filter and the list comprehension is that filter generates output on demand, so can be applied to streams of temporary existing values</a:t>
-            </a:r>
-            <a:endParaRPr lang="da-DK" dirty="0"/>
+              <a:t>key is only computed once for</a:t>
+            </a:r>
+            <a:r>
+              <a:rPr lang="en-US" baseline="0" dirty="0"/>
+              <a:t> each element during sorting</a:t>
+            </a:r>
+            <a:endParaRPr lang="en-US" dirty="0"/>
           </a:p>
         </p:txBody>
       </p:sp>
@@ -1888,7 +2071,7 @@
             <a:spLocks noGrp="1"/>
           </p:cNvSpPr>
           <p:nvPr>
-            <p:ph type="sldNum" sz="quarter" idx="5"/>
+            <p:ph type="sldNum" sz="quarter" idx="10"/>
           </p:nvPr>
         </p:nvSpPr>
         <p:spPr/>
@@ -1898,7 +2081,7 @@
           <a:p>
             <a:fld id="{CD563DD8-32AB-41BE-B1C6-8EAC45222ACE}" type="slidenum">
               <a:rPr lang="en-US" smtClean="0"/>
-              <a:t>11</a:t>
+              <a:t>9</a:t>
             </a:fld>
             <a:endParaRPr lang="en-US"/>
           </a:p>
@@ -1907,7 +2090,7 @@
     </p:spTree>
     <p:extLst>
       <p:ext uri="{BB962C8B-B14F-4D97-AF65-F5344CB8AC3E}">
-        <p14:creationId xmlns:p14="http://schemas.microsoft.com/office/powerpoint/2010/main" val="3714638543"/>
+        <p14:creationId xmlns:p14="http://schemas.microsoft.com/office/powerpoint/2010/main" val="1913400565"/>
       </p:ext>
     </p:extLst>
   </p:cSld>
@@ -1963,46 +2146,9 @@
           <a:p>
             <a:r>
               <a:rPr lang="en-US" dirty="0"/>
-              <a:t>exercise to implement ‘</a:t>
-            </a:r>
-            <a:r>
-              <a:rPr lang="en-US" dirty="0" err="1"/>
-              <a:t>foldr</a:t>
-            </a:r>
-            <a:r>
-              <a:rPr lang="en-US" dirty="0"/>
-              <a:t>’</a:t>
-            </a:r>
-          </a:p>
-          <a:p>
-            <a:r>
-              <a:rPr lang="en-US" dirty="0"/>
-              <a:t>2**(2**(2**(2**2))) is a number with 19729 digits !!!</a:t>
-            </a:r>
-          </a:p>
-          <a:p>
-            <a:endParaRPr lang="en-US" dirty="0"/>
-          </a:p>
-          <a:p>
-            <a:r>
-              <a:rPr lang="en-US" dirty="0"/>
-              <a:t>def add(x, y): return x + y</a:t>
-            </a:r>
-          </a:p>
-          <a:p>
-            <a:r>
-              <a:rPr lang="en-US" dirty="0"/>
-              <a:t>reduce(add, [1,2,3,4,5])</a:t>
-            </a:r>
-          </a:p>
-          <a:p>
-            <a:r>
-              <a:rPr lang="en-US" dirty="0"/>
-              <a:t>reduce(add, range(100))</a:t>
-            </a:r>
-          </a:p>
-          <a:p>
-            <a:endParaRPr lang="en-US" dirty="0"/>
+              <a:t>Main difference between calling filter and the list comprehension is that filter generates output on demand, so can be applied to streams of temporary existing values</a:t>
+            </a:r>
+            <a:endParaRPr lang="da-DK" dirty="0"/>
           </a:p>
         </p:txBody>
       </p:sp>
@@ -2013,7 +2159,7 @@
             <a:spLocks noGrp="1"/>
           </p:cNvSpPr>
           <p:nvPr>
-            <p:ph type="sldNum" sz="quarter" idx="10"/>
+            <p:ph type="sldNum" sz="quarter" idx="5"/>
           </p:nvPr>
         </p:nvSpPr>
         <p:spPr/>
@@ -2023,7 +2169,7 @@
           <a:p>
             <a:fld id="{CD563DD8-32AB-41BE-B1C6-8EAC45222ACE}" type="slidenum">
               <a:rPr lang="en-US" smtClean="0"/>
-              <a:t>12</a:t>
+              <a:t>11</a:t>
             </a:fld>
             <a:endParaRPr lang="en-US"/>
           </a:p>
@@ -2032,7 +2178,7 @@
     </p:spTree>
     <p:extLst>
       <p:ext uri="{BB962C8B-B14F-4D97-AF65-F5344CB8AC3E}">
-        <p14:creationId xmlns:p14="http://schemas.microsoft.com/office/powerpoint/2010/main" val="627148978"/>
+        <p14:creationId xmlns:p14="http://schemas.microsoft.com/office/powerpoint/2010/main" val="3714638543"/>
       </p:ext>
     </p:extLst>
   </p:cSld>
@@ -2087,6 +2233,131 @@
           <a:lstStyle/>
           <a:p>
             <a:r>
+              <a:rPr lang="en-US" dirty="0"/>
+              <a:t>exercise to implement ‘</a:t>
+            </a:r>
+            <a:r>
+              <a:rPr lang="en-US" dirty="0" err="1"/>
+              <a:t>foldr</a:t>
+            </a:r>
+            <a:r>
+              <a:rPr lang="en-US" dirty="0"/>
+              <a:t>’</a:t>
+            </a:r>
+          </a:p>
+          <a:p>
+            <a:r>
+              <a:rPr lang="en-US" dirty="0"/>
+              <a:t>2**(2**(2**(2**2))) is a number with 19729 digits !!!</a:t>
+            </a:r>
+          </a:p>
+          <a:p>
+            <a:endParaRPr lang="en-US" dirty="0"/>
+          </a:p>
+          <a:p>
+            <a:r>
+              <a:rPr lang="en-US" dirty="0"/>
+              <a:t>def add(x, y): return x + y</a:t>
+            </a:r>
+          </a:p>
+          <a:p>
+            <a:r>
+              <a:rPr lang="en-US" dirty="0"/>
+              <a:t>reduce(add, [1,2,3,4,5])</a:t>
+            </a:r>
+          </a:p>
+          <a:p>
+            <a:r>
+              <a:rPr lang="en-US" dirty="0"/>
+              <a:t>reduce(add, range(100))</a:t>
+            </a:r>
+          </a:p>
+          <a:p>
+            <a:endParaRPr lang="en-US" dirty="0"/>
+          </a:p>
+        </p:txBody>
+      </p:sp>
+      <p:sp>
+        <p:nvSpPr>
+          <p:cNvPr id="4" name="Slide Number Placeholder 3"/>
+          <p:cNvSpPr>
+            <a:spLocks noGrp="1"/>
+          </p:cNvSpPr>
+          <p:nvPr>
+            <p:ph type="sldNum" sz="quarter" idx="10"/>
+          </p:nvPr>
+        </p:nvSpPr>
+        <p:spPr/>
+        <p:txBody>
+          <a:bodyPr/>
+          <a:lstStyle/>
+          <a:p>
+            <a:fld id="{CD563DD8-32AB-41BE-B1C6-8EAC45222ACE}" type="slidenum">
+              <a:rPr lang="en-US" smtClean="0"/>
+              <a:t>12</a:t>
+            </a:fld>
+            <a:endParaRPr lang="en-US"/>
+          </a:p>
+        </p:txBody>
+      </p:sp>
+    </p:spTree>
+    <p:extLst>
+      <p:ext uri="{BB962C8B-B14F-4D97-AF65-F5344CB8AC3E}">
+        <p14:creationId xmlns:p14="http://schemas.microsoft.com/office/powerpoint/2010/main" val="627148978"/>
+      </p:ext>
+    </p:extLst>
+  </p:cSld>
+  <p:clrMapOvr>
+    <a:masterClrMapping/>
+  </p:clrMapOvr>
+</p:notes>
+</file>
+
+<file path=ppt/notesSlides/notesSlide8.xml><?xml version="1.0" encoding="utf-8"?>
+<p:notes xmlns:a="http://schemas.openxmlformats.org/drawingml/2006/main" xmlns:r="http://schemas.openxmlformats.org/officeDocument/2006/relationships" xmlns:p="http://schemas.openxmlformats.org/presentationml/2006/main">
+  <p:cSld>
+    <p:spTree>
+      <p:nvGrpSpPr>
+        <p:cNvPr id="1" name=""/>
+        <p:cNvGrpSpPr/>
+        <p:nvPr/>
+      </p:nvGrpSpPr>
+      <p:grpSpPr>
+        <a:xfrm>
+          <a:off x="0" y="0"/>
+          <a:ext cx="0" cy="0"/>
+          <a:chOff x="0" y="0"/>
+          <a:chExt cx="0" cy="0"/>
+        </a:xfrm>
+      </p:grpSpPr>
+      <p:sp>
+        <p:nvSpPr>
+          <p:cNvPr id="2" name="Slide Image Placeholder 1"/>
+          <p:cNvSpPr>
+            <a:spLocks noGrp="1" noRot="1" noChangeAspect="1"/>
+          </p:cNvSpPr>
+          <p:nvPr>
+            <p:ph type="sldImg"/>
+          </p:nvPr>
+        </p:nvSpPr>
+        <p:spPr/>
+      </p:sp>
+      <p:sp>
+        <p:nvSpPr>
+          <p:cNvPr id="3" name="Notes Placeholder 2"/>
+          <p:cNvSpPr>
+            <a:spLocks noGrp="1"/>
+          </p:cNvSpPr>
+          <p:nvPr>
+            <p:ph type="body" idx="1"/>
+          </p:nvPr>
+        </p:nvSpPr>
+        <p:spPr/>
+        <p:txBody>
+          <a:bodyPr/>
+          <a:lstStyle/>
+          <a:p>
+            <a:r>
               <a:rPr lang="es-ES" dirty="0" err="1"/>
               <a:t>def</a:t>
             </a:r>
@@ -2151,7 +2422,7 @@
 </p:notes>
 </file>
 
-<file path=ppt/notesSlides/notesSlide8.xml><?xml version="1.0" encoding="utf-8"?>
+<file path=ppt/notesSlides/notesSlide9.xml><?xml version="1.0" encoding="utf-8"?>
 <p:notes xmlns:a="http://schemas.openxmlformats.org/drawingml/2006/main" xmlns:r="http://schemas.openxmlformats.org/officeDocument/2006/relationships" xmlns:p="http://schemas.openxmlformats.org/presentationml/2006/main">
   <p:cSld>
     <p:spTree>
@@ -2235,142 +2506,6 @@
 </p:notes>
 </file>
 
-<file path=ppt/notesSlides/notesSlide9.xml><?xml version="1.0" encoding="utf-8"?>
-<p:notes xmlns:a="http://schemas.openxmlformats.org/drawingml/2006/main" xmlns:r="http://schemas.openxmlformats.org/officeDocument/2006/relationships" xmlns:p="http://schemas.openxmlformats.org/presentationml/2006/main">
-  <p:cSld>
-    <p:spTree>
-      <p:nvGrpSpPr>
-        <p:cNvPr id="1" name=""/>
-        <p:cNvGrpSpPr/>
-        <p:nvPr/>
-      </p:nvGrpSpPr>
-      <p:grpSpPr>
-        <a:xfrm>
-          <a:off x="0" y="0"/>
-          <a:ext cx="0" cy="0"/>
-          <a:chOff x="0" y="0"/>
-          <a:chExt cx="0" cy="0"/>
-        </a:xfrm>
-      </p:grpSpPr>
-      <p:sp>
-        <p:nvSpPr>
-          <p:cNvPr id="2" name="Slide Image Placeholder 1"/>
-          <p:cNvSpPr>
-            <a:spLocks noGrp="1" noRot="1" noChangeAspect="1"/>
-          </p:cNvSpPr>
-          <p:nvPr>
-            <p:ph type="sldImg"/>
-          </p:nvPr>
-        </p:nvSpPr>
-        <p:spPr/>
-      </p:sp>
-      <p:sp>
-        <p:nvSpPr>
-          <p:cNvPr id="3" name="Notes Placeholder 2"/>
-          <p:cNvSpPr>
-            <a:spLocks noGrp="1"/>
-          </p:cNvSpPr>
-          <p:nvPr>
-            <p:ph type="body" idx="1"/>
-          </p:nvPr>
-        </p:nvSpPr>
-        <p:spPr/>
-        <p:txBody>
-          <a:bodyPr/>
-          <a:lstStyle/>
-          <a:p>
-            <a:r>
-              <a:rPr lang="da-DK" dirty="0"/>
-              <a:t>The ‘~’ is </a:t>
-            </a:r>
-            <a:r>
-              <a:rPr lang="da-DK" dirty="0" err="1"/>
-              <a:t>required</a:t>
-            </a:r>
-            <a:r>
-              <a:rPr lang="da-DK" dirty="0"/>
-              <a:t> to </a:t>
-            </a:r>
-            <a:r>
-              <a:rPr lang="da-DK" dirty="0" err="1"/>
-              <a:t>make</a:t>
-            </a:r>
-            <a:r>
-              <a:rPr lang="da-DK" dirty="0"/>
-              <a:t> ‘</a:t>
-            </a:r>
-            <a:r>
-              <a:rPr lang="da-DK" dirty="0" err="1"/>
-              <a:t>aaa</a:t>
-            </a:r>
-            <a:r>
-              <a:rPr lang="da-DK" dirty="0"/>
-              <a:t>’ </a:t>
-            </a:r>
-            <a:r>
-              <a:rPr lang="da-DK" dirty="0" err="1"/>
-              <a:t>appear</a:t>
-            </a:r>
-            <a:r>
-              <a:rPr lang="da-DK" dirty="0"/>
-              <a:t> </a:t>
-            </a:r>
-            <a:r>
-              <a:rPr lang="da-DK" dirty="0" err="1"/>
-              <a:t>before</a:t>
-            </a:r>
-            <a:r>
-              <a:rPr lang="da-DK" dirty="0"/>
-              <a:t> ‘</a:t>
-            </a:r>
-            <a:r>
-              <a:rPr lang="da-DK" dirty="0" err="1"/>
-              <a:t>aa</a:t>
-            </a:r>
-            <a:r>
-              <a:rPr lang="da-DK"/>
-              <a:t>’</a:t>
-            </a:r>
-            <a:endParaRPr lang="en-US" dirty="0"/>
-          </a:p>
-        </p:txBody>
-      </p:sp>
-      <p:sp>
-        <p:nvSpPr>
-          <p:cNvPr id="4" name="Slide Number Placeholder 3"/>
-          <p:cNvSpPr>
-            <a:spLocks noGrp="1"/>
-          </p:cNvSpPr>
-          <p:nvPr>
-            <p:ph type="sldNum" sz="quarter" idx="10"/>
-          </p:nvPr>
-        </p:nvSpPr>
-        <p:spPr/>
-        <p:txBody>
-          <a:bodyPr/>
-          <a:lstStyle/>
-          <a:p>
-            <a:fld id="{CD563DD8-32AB-41BE-B1C6-8EAC45222ACE}" type="slidenum">
-              <a:rPr lang="en-US" smtClean="0"/>
-              <a:t>15</a:t>
-            </a:fld>
-            <a:endParaRPr lang="en-US"/>
-          </a:p>
-        </p:txBody>
-      </p:sp>
-    </p:spTree>
-    <p:extLst>
-      <p:ext uri="{BB962C8B-B14F-4D97-AF65-F5344CB8AC3E}">
-        <p14:creationId xmlns:p14="http://schemas.microsoft.com/office/powerpoint/2010/main" val="4126061466"/>
-      </p:ext>
-    </p:extLst>
-  </p:cSld>
-  <p:clrMapOvr>
-    <a:masterClrMapping/>
-  </p:clrMapOvr>
-</p:notes>
-</file>
-
 <file path=ppt/slideLayouts/slideLayout1.xml><?xml version="1.0" encoding="utf-8"?>
 <p:sldLayout xmlns:a="http://schemas.openxmlformats.org/drawingml/2006/main" xmlns:r="http://schemas.openxmlformats.org/officeDocument/2006/relationships" xmlns:p="http://schemas.openxmlformats.org/presentationml/2006/main" type="title" preserve="1">
   <p:cSld name="Title Slide">
@@ -2508,7 +2643,7 @@
           <a:p>
             <a:fld id="{0560A9CD-0304-4E0B-9E82-E7E0115DE05B}" type="datetimeFigureOut">
               <a:rPr lang="en-US" smtClean="0"/>
-              <a:t>3/3/2025</a:t>
+              <a:t>3/10/2025</a:t>
             </a:fld>
             <a:endParaRPr lang="en-US"/>
           </a:p>
@@ -2676,7 +2811,7 @@
           <a:p>
             <a:fld id="{0560A9CD-0304-4E0B-9E82-E7E0115DE05B}" type="datetimeFigureOut">
               <a:rPr lang="en-US" smtClean="0"/>
-              <a:t>3/3/2025</a:t>
+              <a:t>3/10/2025</a:t>
             </a:fld>
             <a:endParaRPr lang="en-US"/>
           </a:p>
@@ -2854,7 +2989,7 @@
           <a:p>
             <a:fld id="{0560A9CD-0304-4E0B-9E82-E7E0115DE05B}" type="datetimeFigureOut">
               <a:rPr lang="en-US" smtClean="0"/>
-              <a:t>3/3/2025</a:t>
+              <a:t>3/10/2025</a:t>
             </a:fld>
             <a:endParaRPr lang="en-US"/>
           </a:p>
@@ -3037,7 +3172,7 @@
           <a:p>
             <a:fld id="{0560A9CD-0304-4E0B-9E82-E7E0115DE05B}" type="datetimeFigureOut">
               <a:rPr lang="en-US" smtClean="0"/>
-              <a:t>3/3/2025</a:t>
+              <a:t>3/10/2025</a:t>
             </a:fld>
             <a:endParaRPr lang="en-US"/>
           </a:p>
@@ -3282,7 +3417,7 @@
           <a:p>
             <a:fld id="{0560A9CD-0304-4E0B-9E82-E7E0115DE05B}" type="datetimeFigureOut">
               <a:rPr lang="en-US" smtClean="0"/>
-              <a:t>3/3/2025</a:t>
+              <a:t>3/10/2025</a:t>
             </a:fld>
             <a:endParaRPr lang="en-US"/>
           </a:p>
@@ -3511,7 +3646,7 @@
           <a:p>
             <a:fld id="{0560A9CD-0304-4E0B-9E82-E7E0115DE05B}" type="datetimeFigureOut">
               <a:rPr lang="en-US" smtClean="0"/>
-              <a:t>3/3/2025</a:t>
+              <a:t>3/10/2025</a:t>
             </a:fld>
             <a:endParaRPr lang="en-US"/>
           </a:p>
@@ -3875,7 +4010,7 @@
           <a:p>
             <a:fld id="{0560A9CD-0304-4E0B-9E82-E7E0115DE05B}" type="datetimeFigureOut">
               <a:rPr lang="en-US" smtClean="0"/>
-              <a:t>3/3/2025</a:t>
+              <a:t>3/10/2025</a:t>
             </a:fld>
             <a:endParaRPr lang="en-US"/>
           </a:p>
@@ -3992,7 +4127,7 @@
           <a:p>
             <a:fld id="{0560A9CD-0304-4E0B-9E82-E7E0115DE05B}" type="datetimeFigureOut">
               <a:rPr lang="en-US" smtClean="0"/>
-              <a:t>3/3/2025</a:t>
+              <a:t>3/10/2025</a:t>
             </a:fld>
             <a:endParaRPr lang="en-US"/>
           </a:p>
@@ -4087,7 +4222,7 @@
           <a:p>
             <a:fld id="{0560A9CD-0304-4E0B-9E82-E7E0115DE05B}" type="datetimeFigureOut">
               <a:rPr lang="en-US" smtClean="0"/>
-              <a:t>3/3/2025</a:t>
+              <a:t>3/10/2025</a:t>
             </a:fld>
             <a:endParaRPr lang="en-US"/>
           </a:p>
@@ -4362,7 +4497,7 @@
           <a:p>
             <a:fld id="{0560A9CD-0304-4E0B-9E82-E7E0115DE05B}" type="datetimeFigureOut">
               <a:rPr lang="en-US" smtClean="0"/>
-              <a:t>3/3/2025</a:t>
+              <a:t>3/10/2025</a:t>
             </a:fld>
             <a:endParaRPr lang="en-US"/>
           </a:p>
@@ -4614,7 +4749,7 @@
           <a:p>
             <a:fld id="{0560A9CD-0304-4E0B-9E82-E7E0115DE05B}" type="datetimeFigureOut">
               <a:rPr lang="en-US" smtClean="0"/>
-              <a:t>3/3/2025</a:t>
+              <a:t>3/10/2025</a:t>
             </a:fld>
             <a:endParaRPr lang="en-US"/>
           </a:p>
@@ -4825,7 +4960,7 @@
           <a:p>
             <a:fld id="{0560A9CD-0304-4E0B-9E82-E7E0115DE05B}" type="datetimeFigureOut">
               <a:rPr lang="en-US" smtClean="0"/>
-              <a:t>3/3/2025</a:t>
+              <a:t>3/10/2025</a:t>
             </a:fld>
             <a:endParaRPr lang="en-US"/>
           </a:p>
@@ -14530,18 +14665,11 @@
                     </a:p>
                     <a:p>
                       <a:r>
-                        <a:rPr lang="pt-BR" sz="1600" b="1">
-                          <a:latin typeface="Courier New" panose="02070309020205020404" pitchFamily="49" charset="0"/>
-                          <a:cs typeface="Courier New" panose="02070309020205020404" pitchFamily="49" charset="0"/>
-                        </a:rPr>
-                        <a:t>            return </a:t>
-                      </a:r>
-                      <a:r>
                         <a:rPr lang="pt-BR" sz="1600" b="1" dirty="0">
                           <a:latin typeface="Courier New" panose="02070309020205020404" pitchFamily="49" charset="0"/>
                           <a:cs typeface="Courier New" panose="02070309020205020404" pitchFamily="49" charset="0"/>
                         </a:rPr>
-                        <a:t>[tree], []</a:t>
+                        <a:t>            return [tree], []</a:t>
                       </a:r>
                     </a:p>
                     <a:p>
@@ -14744,20 +14872,12 @@
           <a:p>
             <a:pPr algn="ctr"/>
             <a:r>
-              <a:rPr lang="da-DK" dirty="0" err="1">
-                <a:solidFill>
-                  <a:srgbClr val="C00000"/>
-                </a:solidFill>
-              </a:rPr>
-              <a:t>Warning</a:t>
-            </a:r>
-            <a:r>
               <a:rPr lang="da-DK" dirty="0">
                 <a:solidFill>
                   <a:srgbClr val="C00000"/>
                 </a:solidFill>
               </a:rPr>
-              <a:t> </a:t>
+              <a:t>Warning </a:t>
             </a:r>
             <a:r>
               <a:rPr lang="da-DK" dirty="0">
@@ -14967,7 +15087,7 @@
                   </a:schemeClr>
                 </a:solidFill>
               </a:rPr>
-              <a:t> the steps in the problem statement.</a:t>
+              <a:t> the steps in the problem statement</a:t>
             </a:r>
             <a:endParaRPr lang="en-US" dirty="0">
               <a:solidFill>

--- a/ipsa/slides/lambda.pptx
+++ b/ipsa/slides/lambda.pptx
@@ -138,7 +138,7 @@
 <file path=ppt/revisionInfo.xml><?xml version="1.0" encoding="utf-8"?>
 <p1510:revInfo xmlns:a="http://schemas.openxmlformats.org/drawingml/2006/main" xmlns:r="http://schemas.openxmlformats.org/officeDocument/2006/relationships" xmlns:p1510="http://schemas.microsoft.com/office/powerpoint/2015/10/main">
   <p1510:revLst>
-    <p1510:client id="{9C659965-9BFA-46FA-A60D-394176C80DAF}" v="7" dt="2025-03-10T06:30:12.425"/>
+    <p1510:client id="{FA61A3CC-71AC-4B79-808A-A29D64296382}" v="3" dt="2025-10-27T18:29:00.979"/>
   </p1510:revLst>
 </p1510:revInfo>
 </file>
@@ -181,14 +181,6 @@
           <pc:docMk/>
           <pc:sldMk cId="2553496854" sldId="614"/>
         </pc:sldMkLst>
-        <pc:spChg chg="mod">
-          <ac:chgData name="Gerth Stølting Brodal" userId="04ef4784-6591-4f86-a140-f5c3b108582a" providerId="ADAL" clId="{9C659965-9BFA-46FA-A60D-394176C80DAF}" dt="2025-03-10T06:40:50.970" v="290" actId="20577"/>
-          <ac:spMkLst>
-            <pc:docMk/>
-            <pc:sldMk cId="2553496854" sldId="614"/>
-            <ac:spMk id="5" creationId="{00000000-0000-0000-0000-000000000000}"/>
-          </ac:spMkLst>
-        </pc:spChg>
       </pc:sldChg>
       <pc:sldChg chg="modSp mod modNotesTx">
         <pc:chgData name="Gerth Stølting Brodal" userId="04ef4784-6591-4f86-a140-f5c3b108582a" providerId="ADAL" clId="{9C659965-9BFA-46FA-A60D-394176C80DAF}" dt="2025-03-03T17:14:37.108" v="194" actId="313"/>
@@ -196,14 +188,6 @@
           <pc:docMk/>
           <pc:sldMk cId="2156517149" sldId="622"/>
         </pc:sldMkLst>
-        <pc:graphicFrameChg chg="mod modGraphic">
-          <ac:chgData name="Gerth Stølting Brodal" userId="04ef4784-6591-4f86-a140-f5c3b108582a" providerId="ADAL" clId="{9C659965-9BFA-46FA-A60D-394176C80DAF}" dt="2025-03-03T17:13:50.163" v="127" actId="313"/>
-          <ac:graphicFrameMkLst>
-            <pc:docMk/>
-            <pc:sldMk cId="2156517149" sldId="622"/>
-            <ac:graphicFrameMk id="4" creationId="{00000000-0000-0000-0000-000000000000}"/>
-          </ac:graphicFrameMkLst>
-        </pc:graphicFrameChg>
       </pc:sldChg>
     </pc:docChg>
   </pc:docChgLst>
@@ -427,6 +411,60 @@
       </pc:sldChg>
     </pc:docChg>
   </pc:docChgLst>
+  <pc:docChgLst>
+    <pc:chgData name="Gerth Stølting Brodal" userId="04ef4784-6591-4f86-a140-f5c3b108582a" providerId="ADAL" clId="{27124F44-A0F7-408A-AA2B-2C5136C1DC06}"/>
+    <pc:docChg chg="modSld">
+      <pc:chgData name="Gerth Stølting Brodal" userId="04ef4784-6591-4f86-a140-f5c3b108582a" providerId="ADAL" clId="{27124F44-A0F7-408A-AA2B-2C5136C1DC06}" dt="2025-10-27T18:29:27.576" v="7" actId="962"/>
+      <pc:docMkLst>
+        <pc:docMk/>
+      </pc:docMkLst>
+      <pc:sldChg chg="modSp mod">
+        <pc:chgData name="Gerth Stølting Brodal" userId="04ef4784-6591-4f86-a140-f5c3b108582a" providerId="ADAL" clId="{27124F44-A0F7-408A-AA2B-2C5136C1DC06}" dt="2025-10-27T18:28:52.190" v="2" actId="962"/>
+        <pc:sldMkLst>
+          <pc:docMk/>
+          <pc:sldMk cId="2082291879" sldId="621"/>
+        </pc:sldMkLst>
+        <pc:spChg chg="mod">
+          <ac:chgData name="Gerth Stølting Brodal" userId="04ef4784-6591-4f86-a140-f5c3b108582a" providerId="ADAL" clId="{27124F44-A0F7-408A-AA2B-2C5136C1DC06}" dt="2025-10-27T18:28:52.190" v="2" actId="962"/>
+          <ac:spMkLst>
+            <pc:docMk/>
+            <pc:sldMk cId="2082291879" sldId="621"/>
+            <ac:spMk id="5" creationId="{00000000-0000-0000-0000-000000000000}"/>
+          </ac:spMkLst>
+        </pc:spChg>
+      </pc:sldChg>
+      <pc:sldChg chg="modSp mod">
+        <pc:chgData name="Gerth Stølting Brodal" userId="04ef4784-6591-4f86-a140-f5c3b108582a" providerId="ADAL" clId="{27124F44-A0F7-408A-AA2B-2C5136C1DC06}" dt="2025-10-27T18:29:02.224" v="5" actId="962"/>
+        <pc:sldMkLst>
+          <pc:docMk/>
+          <pc:sldMk cId="1992269773" sldId="623"/>
+        </pc:sldMkLst>
+        <pc:spChg chg="mod">
+          <ac:chgData name="Gerth Stølting Brodal" userId="04ef4784-6591-4f86-a140-f5c3b108582a" providerId="ADAL" clId="{27124F44-A0F7-408A-AA2B-2C5136C1DC06}" dt="2025-10-27T18:29:02.224" v="5" actId="962"/>
+          <ac:spMkLst>
+            <pc:docMk/>
+            <pc:sldMk cId="1992269773" sldId="623"/>
+            <ac:spMk id="5" creationId="{00000000-0000-0000-0000-000000000000}"/>
+          </ac:spMkLst>
+        </pc:spChg>
+      </pc:sldChg>
+      <pc:sldChg chg="modSp mod">
+        <pc:chgData name="Gerth Stølting Brodal" userId="04ef4784-6591-4f86-a140-f5c3b108582a" providerId="ADAL" clId="{27124F44-A0F7-408A-AA2B-2C5136C1DC06}" dt="2025-10-27T18:29:27.576" v="7" actId="962"/>
+        <pc:sldMkLst>
+          <pc:docMk/>
+          <pc:sldMk cId="1510323083" sldId="624"/>
+        </pc:sldMkLst>
+        <pc:spChg chg="mod">
+          <ac:chgData name="Gerth Stølting Brodal" userId="04ef4784-6591-4f86-a140-f5c3b108582a" providerId="ADAL" clId="{27124F44-A0F7-408A-AA2B-2C5136C1DC06}" dt="2025-10-27T18:29:27.576" v="7" actId="962"/>
+          <ac:spMkLst>
+            <pc:docMk/>
+            <pc:sldMk cId="1510323083" sldId="624"/>
+            <ac:spMk id="6" creationId="{00000000-0000-0000-0000-000000000000}"/>
+          </ac:spMkLst>
+        </pc:spChg>
+      </pc:sldChg>
+    </pc:docChg>
+  </pc:docChgLst>
 </pc:chgInfo>
 </file>
 
@@ -512,7 +550,7 @@
           <a:p>
             <a:fld id="{FB1A172F-81D4-4DC4-9113-1DBD56EC3646}" type="datetimeFigureOut">
               <a:rPr lang="en-US" smtClean="0"/>
-              <a:t>3/10/2025</a:t>
+              <a:t>10/27/2025</a:t>
             </a:fld>
             <a:endParaRPr lang="en-US"/>
           </a:p>
@@ -2643,7 +2681,7 @@
           <a:p>
             <a:fld id="{0560A9CD-0304-4E0B-9E82-E7E0115DE05B}" type="datetimeFigureOut">
               <a:rPr lang="en-US" smtClean="0"/>
-              <a:t>3/10/2025</a:t>
+              <a:t>10/27/2025</a:t>
             </a:fld>
             <a:endParaRPr lang="en-US"/>
           </a:p>
@@ -2811,7 +2849,7 @@
           <a:p>
             <a:fld id="{0560A9CD-0304-4E0B-9E82-E7E0115DE05B}" type="datetimeFigureOut">
               <a:rPr lang="en-US" smtClean="0"/>
-              <a:t>3/10/2025</a:t>
+              <a:t>10/27/2025</a:t>
             </a:fld>
             <a:endParaRPr lang="en-US"/>
           </a:p>
@@ -2989,7 +3027,7 @@
           <a:p>
             <a:fld id="{0560A9CD-0304-4E0B-9E82-E7E0115DE05B}" type="datetimeFigureOut">
               <a:rPr lang="en-US" smtClean="0"/>
-              <a:t>3/10/2025</a:t>
+              <a:t>10/27/2025</a:t>
             </a:fld>
             <a:endParaRPr lang="en-US"/>
           </a:p>
@@ -3172,7 +3210,7 @@
           <a:p>
             <a:fld id="{0560A9CD-0304-4E0B-9E82-E7E0115DE05B}" type="datetimeFigureOut">
               <a:rPr lang="en-US" smtClean="0"/>
-              <a:t>3/10/2025</a:t>
+              <a:t>10/27/2025</a:t>
             </a:fld>
             <a:endParaRPr lang="en-US"/>
           </a:p>
@@ -3417,7 +3455,7 @@
           <a:p>
             <a:fld id="{0560A9CD-0304-4E0B-9E82-E7E0115DE05B}" type="datetimeFigureOut">
               <a:rPr lang="en-US" smtClean="0"/>
-              <a:t>3/10/2025</a:t>
+              <a:t>10/27/2025</a:t>
             </a:fld>
             <a:endParaRPr lang="en-US"/>
           </a:p>
@@ -3646,7 +3684,7 @@
           <a:p>
             <a:fld id="{0560A9CD-0304-4E0B-9E82-E7E0115DE05B}" type="datetimeFigureOut">
               <a:rPr lang="en-US" smtClean="0"/>
-              <a:t>3/10/2025</a:t>
+              <a:t>10/27/2025</a:t>
             </a:fld>
             <a:endParaRPr lang="en-US"/>
           </a:p>
@@ -4010,7 +4048,7 @@
           <a:p>
             <a:fld id="{0560A9CD-0304-4E0B-9E82-E7E0115DE05B}" type="datetimeFigureOut">
               <a:rPr lang="en-US" smtClean="0"/>
-              <a:t>3/10/2025</a:t>
+              <a:t>10/27/2025</a:t>
             </a:fld>
             <a:endParaRPr lang="en-US"/>
           </a:p>
@@ -4127,7 +4165,7 @@
           <a:p>
             <a:fld id="{0560A9CD-0304-4E0B-9E82-E7E0115DE05B}" type="datetimeFigureOut">
               <a:rPr lang="en-US" smtClean="0"/>
-              <a:t>3/10/2025</a:t>
+              <a:t>10/27/2025</a:t>
             </a:fld>
             <a:endParaRPr lang="en-US"/>
           </a:p>
@@ -4222,7 +4260,7 @@
           <a:p>
             <a:fld id="{0560A9CD-0304-4E0B-9E82-E7E0115DE05B}" type="datetimeFigureOut">
               <a:rPr lang="en-US" smtClean="0"/>
-              <a:t>3/10/2025</a:t>
+              <a:t>10/27/2025</a:t>
             </a:fld>
             <a:endParaRPr lang="en-US"/>
           </a:p>
@@ -4497,7 +4535,7 @@
           <a:p>
             <a:fld id="{0560A9CD-0304-4E0B-9E82-E7E0115DE05B}" type="datetimeFigureOut">
               <a:rPr lang="en-US" smtClean="0"/>
-              <a:t>3/10/2025</a:t>
+              <a:t>10/27/2025</a:t>
             </a:fld>
             <a:endParaRPr lang="en-US"/>
           </a:p>
@@ -4749,7 +4787,7 @@
           <a:p>
             <a:fld id="{0560A9CD-0304-4E0B-9E82-E7E0115DE05B}" type="datetimeFigureOut">
               <a:rPr lang="en-US" smtClean="0"/>
-              <a:t>3/10/2025</a:t>
+              <a:t>10/27/2025</a:t>
             </a:fld>
             <a:endParaRPr lang="en-US"/>
           </a:p>
@@ -4960,7 +4998,7 @@
           <a:p>
             <a:fld id="{0560A9CD-0304-4E0B-9E82-E7E0115DE05B}" type="datetimeFigureOut">
               <a:rPr lang="en-US" smtClean="0"/>
-              <a:t>3/10/2025</a:t>
+              <a:t>10/27/2025</a:t>
             </a:fld>
             <a:endParaRPr lang="en-US"/>
           </a:p>
@@ -6025,7 +6063,7 @@
       </p:sp>
       <p:sp>
         <p:nvSpPr>
-          <p:cNvPr id="5" name="Smiley Face 4"/>
+          <p:cNvPr id="5" name="Smiley Face 4" descr="QuizAnswer"/>
           <p:cNvSpPr/>
           <p:nvPr/>
         </p:nvSpPr>
@@ -14283,7 +14321,7 @@
       </p:sp>
       <p:sp>
         <p:nvSpPr>
-          <p:cNvPr id="6" name="Smiley Face 5"/>
+          <p:cNvPr id="6" name="Smiley Face 5" descr="QuizAnswer"/>
           <p:cNvSpPr/>
           <p:nvPr/>
         </p:nvSpPr>
@@ -26935,7 +26973,7 @@
       </p:sp>
       <p:sp>
         <p:nvSpPr>
-          <p:cNvPr id="5" name="Smiley Face 4"/>
+          <p:cNvPr id="5" name="Smiley Face 4" descr="QuizAnswer"/>
           <p:cNvSpPr/>
           <p:nvPr/>
         </p:nvSpPr>
@@ -29137,7 +29175,45 @@
       </a:bgFillStyleLst>
     </a:fmtScheme>
   </a:themeElements>
-  <a:objectDefaults/>
+  <a:objectDefaults>
+    <a:spDef>
+      <a:spPr>
+        <a:solidFill>
+          <a:srgbClr val="FFFF00"/>
+        </a:solidFill>
+        <a:ln>
+          <a:solidFill>
+            <a:schemeClr val="tx1">
+              <a:lumMod val="95000"/>
+              <a:lumOff val="5000"/>
+            </a:schemeClr>
+          </a:solidFill>
+        </a:ln>
+      </a:spPr>
+      <a:bodyPr rtlCol="0" anchor="ctr"/>
+      <a:lstStyle>
+        <a:defPPr algn="ctr">
+          <a:defRPr dirty="0"/>
+        </a:defPPr>
+      </a:lstStyle>
+      <a:style>
+        <a:lnRef idx="2">
+          <a:schemeClr val="accent1">
+            <a:shade val="50000"/>
+          </a:schemeClr>
+        </a:lnRef>
+        <a:fillRef idx="1">
+          <a:schemeClr val="accent1"/>
+        </a:fillRef>
+        <a:effectRef idx="0">
+          <a:schemeClr val="accent1"/>
+        </a:effectRef>
+        <a:fontRef idx="minor">
+          <a:schemeClr val="lt1"/>
+        </a:fontRef>
+      </a:style>
+    </a:spDef>
+  </a:objectDefaults>
   <a:extraClrSchemeLst/>
   <a:extLst>
     <a:ext uri="{05A4C25C-085E-4340-85A3-A5531E510DB2}">

--- a/ipsa/slides/lambda.pptx
+++ b/ipsa/slides/lambda.pptx
@@ -138,7 +138,7 @@
 <file path=ppt/revisionInfo.xml><?xml version="1.0" encoding="utf-8"?>
 <p1510:revInfo xmlns:a="http://schemas.openxmlformats.org/drawingml/2006/main" xmlns:r="http://schemas.openxmlformats.org/officeDocument/2006/relationships" xmlns:p1510="http://schemas.microsoft.com/office/powerpoint/2015/10/main">
   <p1510:revLst>
-    <p1510:client id="{FA61A3CC-71AC-4B79-808A-A29D64296382}" v="3" dt="2025-10-27T18:29:00.979"/>
+    <p1510:client id="{546A4144-B64D-4C3F-BBEA-9267EAB3C81C}" v="8" dt="2026-02-19T22:14:40.753"/>
   </p1510:revLst>
 </p1510:revInfo>
 </file>
@@ -146,322 +146,41 @@
 <file path=ppt/changesInfos/changesInfo1.xml><?xml version="1.0" encoding="utf-8"?>
 <pc:chgInfo xmlns:a="http://schemas.openxmlformats.org/drawingml/2006/main" xmlns:r="http://schemas.openxmlformats.org/officeDocument/2006/relationships" xmlns:ac="http://schemas.microsoft.com/office/drawing/2013/main/command" xmlns:pc="http://schemas.microsoft.com/office/powerpoint/2013/main/command">
   <pc:docChgLst>
-    <pc:chgData name="Gerth Stølting" userId="04ef4784-6591-4f86-a140-f5c3b108582a" providerId="ADAL" clId="{734C3A8B-8F67-4AB6-A6C8-CFD1AC566D4B}"/>
-    <pc:docChg chg="modSld sldOrd">
-      <pc:chgData name="Gerth Stølting" userId="04ef4784-6591-4f86-a140-f5c3b108582a" providerId="ADAL" clId="{734C3A8B-8F67-4AB6-A6C8-CFD1AC566D4B}" dt="2023-03-06T07:56:07.490" v="3"/>
+    <pc:chgData name="Gerth Stølting Brodal" userId="04ef4784-6591-4f86-a140-f5c3b108582a" providerId="ADAL" clId="{73BAC7D6-516A-44B5-B4B0-C7B08CA8B392}"/>
+    <pc:docChg chg="undo custSel modSld">
+      <pc:chgData name="Gerth Stølting Brodal" userId="04ef4784-6591-4f86-a140-f5c3b108582a" providerId="ADAL" clId="{73BAC7D6-516A-44B5-B4B0-C7B08CA8B392}" dt="2026-02-19T22:16:26.747" v="362" actId="1036"/>
       <pc:docMkLst>
         <pc:docMk/>
       </pc:docMkLst>
-      <pc:sldChg chg="ord">
-        <pc:chgData name="Gerth Stølting" userId="04ef4784-6591-4f86-a140-f5c3b108582a" providerId="ADAL" clId="{734C3A8B-8F67-4AB6-A6C8-CFD1AC566D4B}" dt="2023-03-06T07:56:07.490" v="3"/>
+      <pc:sldChg chg="modSp mod">
+        <pc:chgData name="Gerth Stølting Brodal" userId="04ef4784-6591-4f86-a140-f5c3b108582a" providerId="ADAL" clId="{73BAC7D6-516A-44B5-B4B0-C7B08CA8B392}" dt="2026-02-19T21:36:18.114" v="73" actId="20577"/>
         <pc:sldMkLst>
           <pc:docMk/>
-          <pc:sldMk cId="801879974" sldId="510"/>
+          <pc:sldMk cId="1968763958" sldId="615"/>
         </pc:sldMkLst>
-      </pc:sldChg>
-    </pc:docChg>
-  </pc:docChgLst>
-  <pc:docChgLst>
-    <pc:chgData name="Gerth Stølting Brodal" userId="04ef4784-6591-4f86-a140-f5c3b108582a" providerId="ADAL" clId="{9C659965-9BFA-46FA-A60D-394176C80DAF}"/>
-    <pc:docChg chg="undo redo custSel modSld">
-      <pc:chgData name="Gerth Stølting Brodal" userId="04ef4784-6591-4f86-a140-f5c3b108582a" providerId="ADAL" clId="{9C659965-9BFA-46FA-A60D-394176C80DAF}" dt="2025-03-10T06:40:50.970" v="290" actId="20577"/>
-      <pc:docMkLst>
-        <pc:docMk/>
-      </pc:docMkLst>
-      <pc:sldChg chg="modNotesTx">
-        <pc:chgData name="Gerth Stølting Brodal" userId="04ef4784-6591-4f86-a140-f5c3b108582a" providerId="ADAL" clId="{9C659965-9BFA-46FA-A60D-394176C80DAF}" dt="2025-03-10T06:31:18.066" v="289" actId="20577"/>
-        <pc:sldMkLst>
-          <pc:docMk/>
-          <pc:sldMk cId="1631732029" sldId="613"/>
-        </pc:sldMkLst>
-      </pc:sldChg>
-      <pc:sldChg chg="modSp mod">
-        <pc:chgData name="Gerth Stølting Brodal" userId="04ef4784-6591-4f86-a140-f5c3b108582a" providerId="ADAL" clId="{9C659965-9BFA-46FA-A60D-394176C80DAF}" dt="2025-03-10T06:40:50.970" v="290" actId="20577"/>
-        <pc:sldMkLst>
-          <pc:docMk/>
-          <pc:sldMk cId="2553496854" sldId="614"/>
-        </pc:sldMkLst>
+        <pc:graphicFrameChg chg="mod modGraphic">
+          <ac:chgData name="Gerth Stølting Brodal" userId="04ef4784-6591-4f86-a140-f5c3b108582a" providerId="ADAL" clId="{73BAC7D6-516A-44B5-B4B0-C7B08CA8B392}" dt="2026-02-19T21:36:18.114" v="73" actId="20577"/>
+          <ac:graphicFrameMkLst>
+            <pc:docMk/>
+            <pc:sldMk cId="1968763958" sldId="615"/>
+            <ac:graphicFrameMk id="4" creationId="{00000000-0000-0000-0000-000000000000}"/>
+          </ac:graphicFrameMkLst>
+        </pc:graphicFrameChg>
       </pc:sldChg>
       <pc:sldChg chg="modSp mod modNotesTx">
-        <pc:chgData name="Gerth Stølting Brodal" userId="04ef4784-6591-4f86-a140-f5c3b108582a" providerId="ADAL" clId="{9C659965-9BFA-46FA-A60D-394176C80DAF}" dt="2025-03-03T17:14:37.108" v="194" actId="313"/>
+        <pc:chgData name="Gerth Stølting Brodal" userId="04ef4784-6591-4f86-a140-f5c3b108582a" providerId="ADAL" clId="{73BAC7D6-516A-44B5-B4B0-C7B08CA8B392}" dt="2026-02-19T22:16:26.747" v="362" actId="1036"/>
         <pc:sldMkLst>
           <pc:docMk/>
           <pc:sldMk cId="2156517149" sldId="622"/>
         </pc:sldMkLst>
-      </pc:sldChg>
-    </pc:docChg>
-  </pc:docChgLst>
-  <pc:docChgLst>
-    <pc:chgData name="Gerth Stølting Brodal" userId="04ef4784-6591-4f86-a140-f5c3b108582a" providerId="ADAL" clId="{D95B4D7F-02F6-463D-98C8-C6F480714164}"/>
-    <pc:docChg chg="undo custSel modSld">
-      <pc:chgData name="Gerth Stølting Brodal" userId="04ef4784-6591-4f86-a140-f5c3b108582a" providerId="ADAL" clId="{D95B4D7F-02F6-463D-98C8-C6F480714164}" dt="2024-10-27T20:52:30.846" v="466" actId="20577"/>
-      <pc:docMkLst>
-        <pc:docMk/>
-      </pc:docMkLst>
-      <pc:sldChg chg="modSp mod">
-        <pc:chgData name="Gerth Stølting Brodal" userId="04ef4784-6591-4f86-a140-f5c3b108582a" providerId="ADAL" clId="{D95B4D7F-02F6-463D-98C8-C6F480714164}" dt="2024-10-27T20:52:30.846" v="466" actId="20577"/>
-        <pc:sldMkLst>
-          <pc:docMk/>
-          <pc:sldMk cId="801879974" sldId="510"/>
-        </pc:sldMkLst>
-      </pc:sldChg>
-      <pc:sldChg chg="modNotesTx">
-        <pc:chgData name="Gerth Stølting Brodal" userId="04ef4784-6591-4f86-a140-f5c3b108582a" providerId="ADAL" clId="{D95B4D7F-02F6-463D-98C8-C6F480714164}" dt="2024-10-27T08:04:50.916" v="162" actId="20577"/>
-        <pc:sldMkLst>
-          <pc:docMk/>
-          <pc:sldMk cId="4193267438" sldId="625"/>
-        </pc:sldMkLst>
-      </pc:sldChg>
-    </pc:docChg>
-  </pc:docChgLst>
-  <pc:docChgLst>
-    <pc:chgData name="Gerth Stølting Brodal" userId="04ef4784-6591-4f86-a140-f5c3b108582a" providerId="ADAL" clId="{93408A75-2116-4BC9-8B13-FD5E23B56413}"/>
-    <pc:docChg chg="undo custSel addSld delSld modSld">
-      <pc:chgData name="Gerth Stølting Brodal" userId="04ef4784-6591-4f86-a140-f5c3b108582a" providerId="ADAL" clId="{93408A75-2116-4BC9-8B13-FD5E23B56413}" dt="2022-03-02T12:39:09.586" v="1511" actId="20577"/>
-      <pc:docMkLst>
-        <pc:docMk/>
-      </pc:docMkLst>
-      <pc:sldChg chg="modSp mod">
-        <pc:chgData name="Gerth Stølting Brodal" userId="04ef4784-6591-4f86-a140-f5c3b108582a" providerId="ADAL" clId="{93408A75-2116-4BC9-8B13-FD5E23B56413}" dt="2022-03-02T12:21:43.829" v="1493" actId="20577"/>
-        <pc:sldMkLst>
-          <pc:docMk/>
-          <pc:sldMk cId="2401375598" sldId="616"/>
-        </pc:sldMkLst>
-      </pc:sldChg>
-      <pc:sldChg chg="modNotesTx">
-        <pc:chgData name="Gerth Stølting Brodal" userId="04ef4784-6591-4f86-a140-f5c3b108582a" providerId="ADAL" clId="{93408A75-2116-4BC9-8B13-FD5E23B56413}" dt="2022-03-01T20:13:10.896" v="1485" actId="20577"/>
-        <pc:sldMkLst>
-          <pc:docMk/>
-          <pc:sldMk cId="2117179183" sldId="626"/>
-        </pc:sldMkLst>
-      </pc:sldChg>
-      <pc:sldChg chg="del">
-        <pc:chgData name="Gerth Stølting Brodal" userId="04ef4784-6591-4f86-a140-f5c3b108582a" providerId="ADAL" clId="{93408A75-2116-4BC9-8B13-FD5E23B56413}" dt="2022-02-22T20:11:02.761" v="59" actId="47"/>
-        <pc:sldMkLst>
-          <pc:docMk/>
-          <pc:sldMk cId="649010544" sldId="627"/>
-        </pc:sldMkLst>
-      </pc:sldChg>
-      <pc:sldChg chg="addSp delSp modSp mod">
-        <pc:chgData name="Gerth Stølting Brodal" userId="04ef4784-6591-4f86-a140-f5c3b108582a" providerId="ADAL" clId="{93408A75-2116-4BC9-8B13-FD5E23B56413}" dt="2022-03-02T12:39:09.586" v="1511" actId="20577"/>
-        <pc:sldMkLst>
-          <pc:docMk/>
-          <pc:sldMk cId="256353597" sldId="628"/>
-        </pc:sldMkLst>
-      </pc:sldChg>
-      <pc:sldChg chg="modNotesTx">
-        <pc:chgData name="Gerth Stølting Brodal" userId="04ef4784-6591-4f86-a140-f5c3b108582a" providerId="ADAL" clId="{93408A75-2116-4BC9-8B13-FD5E23B56413}" dt="2022-02-22T20:09:56.624" v="58" actId="20577"/>
-        <pc:sldMkLst>
-          <pc:docMk/>
-          <pc:sldMk cId="110934910" sldId="629"/>
-        </pc:sldMkLst>
-      </pc:sldChg>
-      <pc:sldChg chg="modSp add mod modNotesTx">
-        <pc:chgData name="Gerth Stølting Brodal" userId="04ef4784-6591-4f86-a140-f5c3b108582a" providerId="ADAL" clId="{93408A75-2116-4BC9-8B13-FD5E23B56413}" dt="2022-03-01T20:08:28.148" v="1381" actId="20577"/>
-        <pc:sldMkLst>
-          <pc:docMk/>
-          <pc:sldMk cId="2011582212" sldId="630"/>
-        </pc:sldMkLst>
-      </pc:sldChg>
-    </pc:docChg>
-  </pc:docChgLst>
-  <pc:docChgLst>
-    <pc:chgData name="Gerth Stølting Brodal" userId="04ef4784-6591-4f86-a140-f5c3b108582a" providerId="ADAL" clId="{C6AD0761-B891-423A-81A4-2F456D07CD51}"/>
-    <pc:docChg chg="modSld">
-      <pc:chgData name="Gerth Stølting Brodal" userId="04ef4784-6591-4f86-a140-f5c3b108582a" providerId="ADAL" clId="{C6AD0761-B891-423A-81A4-2F456D07CD51}" dt="2021-03-02T11:34:10.900" v="41" actId="20577"/>
-      <pc:docMkLst>
-        <pc:docMk/>
-      </pc:docMkLst>
-      <pc:sldChg chg="modSp mod">
-        <pc:chgData name="Gerth Stølting Brodal" userId="04ef4784-6591-4f86-a140-f5c3b108582a" providerId="ADAL" clId="{C6AD0761-B891-423A-81A4-2F456D07CD51}" dt="2021-03-02T11:28:45.581" v="4" actId="20577"/>
-        <pc:sldMkLst>
-          <pc:docMk/>
-          <pc:sldMk cId="1492179731" sldId="611"/>
-        </pc:sldMkLst>
-      </pc:sldChg>
-      <pc:sldChg chg="modNotesTx">
-        <pc:chgData name="Gerth Stølting Brodal" userId="04ef4784-6591-4f86-a140-f5c3b108582a" providerId="ADAL" clId="{C6AD0761-B891-423A-81A4-2F456D07CD51}" dt="2021-03-02T11:34:10.900" v="41" actId="20577"/>
-        <pc:sldMkLst>
-          <pc:docMk/>
-          <pc:sldMk cId="2401375598" sldId="616"/>
-        </pc:sldMkLst>
-      </pc:sldChg>
-    </pc:docChg>
-  </pc:docChgLst>
-  <pc:docChgLst>
-    <pc:chgData name="Gerth Stølting Brodal" userId="04ef4784-6591-4f86-a140-f5c3b108582a" providerId="ADAL" clId="{70B00F23-41E4-4EAF-AB10-65CD07002C7D}"/>
-    <pc:docChg chg="custSel modSld">
-      <pc:chgData name="Gerth Stølting Brodal" userId="04ef4784-6591-4f86-a140-f5c3b108582a" providerId="ADAL" clId="{70B00F23-41E4-4EAF-AB10-65CD07002C7D}" dt="2024-02-28T06:20:02.748" v="19" actId="313"/>
-      <pc:docMkLst>
-        <pc:docMk/>
-      </pc:docMkLst>
-      <pc:sldChg chg="modNotesTx">
-        <pc:chgData name="Gerth Stølting Brodal" userId="04ef4784-6591-4f86-a140-f5c3b108582a" providerId="ADAL" clId="{70B00F23-41E4-4EAF-AB10-65CD07002C7D}" dt="2024-02-28T06:17:45.484" v="1" actId="20577"/>
-        <pc:sldMkLst>
-          <pc:docMk/>
-          <pc:sldMk cId="2185570808" sldId="618"/>
-        </pc:sldMkLst>
-      </pc:sldChg>
-      <pc:sldChg chg="modSp mod">
-        <pc:chgData name="Gerth Stølting Brodal" userId="04ef4784-6591-4f86-a140-f5c3b108582a" providerId="ADAL" clId="{70B00F23-41E4-4EAF-AB10-65CD07002C7D}" dt="2024-02-28T06:20:02.748" v="19" actId="313"/>
-        <pc:sldMkLst>
-          <pc:docMk/>
-          <pc:sldMk cId="2566093429" sldId="619"/>
-        </pc:sldMkLst>
-      </pc:sldChg>
-      <pc:sldChg chg="modSp mod">
-        <pc:chgData name="Gerth Stølting Brodal" userId="04ef4784-6591-4f86-a140-f5c3b108582a" providerId="ADAL" clId="{70B00F23-41E4-4EAF-AB10-65CD07002C7D}" dt="2024-02-28T06:19:55.486" v="9" actId="313"/>
-        <pc:sldMkLst>
-          <pc:docMk/>
-          <pc:sldMk cId="1879065634" sldId="620"/>
-        </pc:sldMkLst>
-      </pc:sldChg>
-    </pc:docChg>
-  </pc:docChgLst>
-  <pc:docChgLst>
-    <pc:chgData name="Gerth Stølting Brodal" userId="04ef4784-6591-4f86-a140-f5c3b108582a" providerId="ADAL" clId="{734C3A8B-8F67-4AB6-A6C8-CFD1AC566D4B}"/>
-    <pc:docChg chg="undo custSel modSld">
-      <pc:chgData name="Gerth Stølting Brodal" userId="04ef4784-6591-4f86-a140-f5c3b108582a" providerId="ADAL" clId="{734C3A8B-8F67-4AB6-A6C8-CFD1AC566D4B}" dt="2023-03-05T16:25:58.321" v="519" actId="20577"/>
-      <pc:docMkLst>
-        <pc:docMk/>
-      </pc:docMkLst>
-      <pc:sldChg chg="modNotesTx">
-        <pc:chgData name="Gerth Stølting Brodal" userId="04ef4784-6591-4f86-a140-f5c3b108582a" providerId="ADAL" clId="{734C3A8B-8F67-4AB6-A6C8-CFD1AC566D4B}" dt="2023-03-01T09:12:03.962" v="260" actId="20577"/>
-        <pc:sldMkLst>
-          <pc:docMk/>
-          <pc:sldMk cId="3317218114" sldId="584"/>
-        </pc:sldMkLst>
-      </pc:sldChg>
-      <pc:sldChg chg="modSp mod">
-        <pc:chgData name="Gerth Stølting Brodal" userId="04ef4784-6591-4f86-a140-f5c3b108582a" providerId="ADAL" clId="{734C3A8B-8F67-4AB6-A6C8-CFD1AC566D4B}" dt="2023-02-15T08:10:35.589" v="27" actId="20577"/>
-        <pc:sldMkLst>
-          <pc:docMk/>
-          <pc:sldMk cId="2553496854" sldId="614"/>
-        </pc:sldMkLst>
-      </pc:sldChg>
-      <pc:sldChg chg="modSp mod">
-        <pc:chgData name="Gerth Stølting Brodal" userId="04ef4784-6591-4f86-a140-f5c3b108582a" providerId="ADAL" clId="{734C3A8B-8F67-4AB6-A6C8-CFD1AC566D4B}" dt="2023-03-01T08:59:27.625" v="50" actId="20577"/>
-        <pc:sldMkLst>
-          <pc:docMk/>
-          <pc:sldMk cId="1968763958" sldId="615"/>
-        </pc:sldMkLst>
-      </pc:sldChg>
-      <pc:sldChg chg="modSp mod modNotesTx">
-        <pc:chgData name="Gerth Stølting Brodal" userId="04ef4784-6591-4f86-a140-f5c3b108582a" providerId="ADAL" clId="{734C3A8B-8F67-4AB6-A6C8-CFD1AC566D4B}" dt="2023-03-01T09:10:30.045" v="238" actId="20577"/>
-        <pc:sldMkLst>
-          <pc:docMk/>
-          <pc:sldMk cId="2401375598" sldId="616"/>
-        </pc:sldMkLst>
-      </pc:sldChg>
-      <pc:sldChg chg="modSp mod modNotesTx">
-        <pc:chgData name="Gerth Stølting Brodal" userId="04ef4784-6591-4f86-a140-f5c3b108582a" providerId="ADAL" clId="{734C3A8B-8F67-4AB6-A6C8-CFD1AC566D4B}" dt="2023-03-01T09:07:49.743" v="231" actId="20577"/>
-        <pc:sldMkLst>
-          <pc:docMk/>
-          <pc:sldMk cId="1159102347" sldId="617"/>
-        </pc:sldMkLst>
-      </pc:sldChg>
-      <pc:sldChg chg="modSp mod modNotesTx">
-        <pc:chgData name="Gerth Stølting Brodal" userId="04ef4784-6591-4f86-a140-f5c3b108582a" providerId="ADAL" clId="{734C3A8B-8F67-4AB6-A6C8-CFD1AC566D4B}" dt="2023-03-01T15:01:13.907" v="446" actId="20577"/>
-        <pc:sldMkLst>
-          <pc:docMk/>
-          <pc:sldMk cId="2185570808" sldId="618"/>
-        </pc:sldMkLst>
-      </pc:sldChg>
-      <pc:sldChg chg="modSp mod">
-        <pc:chgData name="Gerth Stølting Brodal" userId="04ef4784-6591-4f86-a140-f5c3b108582a" providerId="ADAL" clId="{734C3A8B-8F67-4AB6-A6C8-CFD1AC566D4B}" dt="2023-03-01T08:55:32.470" v="48" actId="121"/>
-        <pc:sldMkLst>
-          <pc:docMk/>
-          <pc:sldMk cId="2566093429" sldId="619"/>
-        </pc:sldMkLst>
-      </pc:sldChg>
-      <pc:sldChg chg="modSp mod modNotesTx">
-        <pc:chgData name="Gerth Stølting Brodal" userId="04ef4784-6591-4f86-a140-f5c3b108582a" providerId="ADAL" clId="{734C3A8B-8F67-4AB6-A6C8-CFD1AC566D4B}" dt="2023-03-01T09:21:47.541" v="316" actId="6549"/>
-        <pc:sldMkLst>
-          <pc:docMk/>
-          <pc:sldMk cId="2156517149" sldId="622"/>
-        </pc:sldMkLst>
-      </pc:sldChg>
-      <pc:sldChg chg="modNotesTx">
-        <pc:chgData name="Gerth Stølting Brodal" userId="04ef4784-6591-4f86-a140-f5c3b108582a" providerId="ADAL" clId="{734C3A8B-8F67-4AB6-A6C8-CFD1AC566D4B}" dt="2023-03-05T16:25:58.321" v="519" actId="20577"/>
-        <pc:sldMkLst>
-          <pc:docMk/>
-          <pc:sldMk cId="4193267438" sldId="625"/>
-        </pc:sldMkLst>
-      </pc:sldChg>
-      <pc:sldChg chg="modSp mod">
-        <pc:chgData name="Gerth Stølting Brodal" userId="04ef4784-6591-4f86-a140-f5c3b108582a" providerId="ADAL" clId="{734C3A8B-8F67-4AB6-A6C8-CFD1AC566D4B}" dt="2023-03-01T10:17:36.510" v="434" actId="207"/>
-        <pc:sldMkLst>
-          <pc:docMk/>
-          <pc:sldMk cId="2117179183" sldId="626"/>
-        </pc:sldMkLst>
-      </pc:sldChg>
-      <pc:sldChg chg="modSp mod">
-        <pc:chgData name="Gerth Stølting Brodal" userId="04ef4784-6591-4f86-a140-f5c3b108582a" providerId="ADAL" clId="{734C3A8B-8F67-4AB6-A6C8-CFD1AC566D4B}" dt="2023-03-01T10:27:37.070" v="435" actId="20577"/>
-        <pc:sldMkLst>
-          <pc:docMk/>
-          <pc:sldMk cId="256353597" sldId="628"/>
-        </pc:sldMkLst>
-      </pc:sldChg>
-      <pc:sldChg chg="modNotesTx">
-        <pc:chgData name="Gerth Stølting Brodal" userId="04ef4784-6591-4f86-a140-f5c3b108582a" providerId="ADAL" clId="{734C3A8B-8F67-4AB6-A6C8-CFD1AC566D4B}" dt="2023-03-01T11:21:10.038" v="437" actId="20577"/>
-        <pc:sldMkLst>
-          <pc:docMk/>
-          <pc:sldMk cId="2011582212" sldId="630"/>
-        </pc:sldMkLst>
-      </pc:sldChg>
-    </pc:docChg>
-  </pc:docChgLst>
-  <pc:docChgLst>
-    <pc:chgData name="Gerth Stølting Brodal" userId="04ef4784-6591-4f86-a140-f5c3b108582a" providerId="ADAL" clId="{27124F44-A0F7-408A-AA2B-2C5136C1DC06}"/>
-    <pc:docChg chg="modSld">
-      <pc:chgData name="Gerth Stølting Brodal" userId="04ef4784-6591-4f86-a140-f5c3b108582a" providerId="ADAL" clId="{27124F44-A0F7-408A-AA2B-2C5136C1DC06}" dt="2025-10-27T18:29:27.576" v="7" actId="962"/>
-      <pc:docMkLst>
-        <pc:docMk/>
-      </pc:docMkLst>
-      <pc:sldChg chg="modSp mod">
-        <pc:chgData name="Gerth Stølting Brodal" userId="04ef4784-6591-4f86-a140-f5c3b108582a" providerId="ADAL" clId="{27124F44-A0F7-408A-AA2B-2C5136C1DC06}" dt="2025-10-27T18:28:52.190" v="2" actId="962"/>
-        <pc:sldMkLst>
-          <pc:docMk/>
-          <pc:sldMk cId="2082291879" sldId="621"/>
-        </pc:sldMkLst>
-        <pc:spChg chg="mod">
-          <ac:chgData name="Gerth Stølting Brodal" userId="04ef4784-6591-4f86-a140-f5c3b108582a" providerId="ADAL" clId="{27124F44-A0F7-408A-AA2B-2C5136C1DC06}" dt="2025-10-27T18:28:52.190" v="2" actId="962"/>
-          <ac:spMkLst>
+        <pc:graphicFrameChg chg="mod modGraphic">
+          <ac:chgData name="Gerth Stølting Brodal" userId="04ef4784-6591-4f86-a140-f5c3b108582a" providerId="ADAL" clId="{73BAC7D6-516A-44B5-B4B0-C7B08CA8B392}" dt="2026-02-19T22:16:26.747" v="362" actId="1036"/>
+          <ac:graphicFrameMkLst>
             <pc:docMk/>
-            <pc:sldMk cId="2082291879" sldId="621"/>
-            <ac:spMk id="5" creationId="{00000000-0000-0000-0000-000000000000}"/>
-          </ac:spMkLst>
-        </pc:spChg>
-      </pc:sldChg>
-      <pc:sldChg chg="modSp mod">
-        <pc:chgData name="Gerth Stølting Brodal" userId="04ef4784-6591-4f86-a140-f5c3b108582a" providerId="ADAL" clId="{27124F44-A0F7-408A-AA2B-2C5136C1DC06}" dt="2025-10-27T18:29:02.224" v="5" actId="962"/>
-        <pc:sldMkLst>
-          <pc:docMk/>
-          <pc:sldMk cId="1992269773" sldId="623"/>
-        </pc:sldMkLst>
-        <pc:spChg chg="mod">
-          <ac:chgData name="Gerth Stølting Brodal" userId="04ef4784-6591-4f86-a140-f5c3b108582a" providerId="ADAL" clId="{27124F44-A0F7-408A-AA2B-2C5136C1DC06}" dt="2025-10-27T18:29:02.224" v="5" actId="962"/>
-          <ac:spMkLst>
-            <pc:docMk/>
-            <pc:sldMk cId="1992269773" sldId="623"/>
-            <ac:spMk id="5" creationId="{00000000-0000-0000-0000-000000000000}"/>
-          </ac:spMkLst>
-        </pc:spChg>
-      </pc:sldChg>
-      <pc:sldChg chg="modSp mod">
-        <pc:chgData name="Gerth Stølting Brodal" userId="04ef4784-6591-4f86-a140-f5c3b108582a" providerId="ADAL" clId="{27124F44-A0F7-408A-AA2B-2C5136C1DC06}" dt="2025-10-27T18:29:27.576" v="7" actId="962"/>
-        <pc:sldMkLst>
-          <pc:docMk/>
-          <pc:sldMk cId="1510323083" sldId="624"/>
-        </pc:sldMkLst>
-        <pc:spChg chg="mod">
-          <ac:chgData name="Gerth Stølting Brodal" userId="04ef4784-6591-4f86-a140-f5c3b108582a" providerId="ADAL" clId="{27124F44-A0F7-408A-AA2B-2C5136C1DC06}" dt="2025-10-27T18:29:27.576" v="7" actId="962"/>
-          <ac:spMkLst>
-            <pc:docMk/>
-            <pc:sldMk cId="1510323083" sldId="624"/>
-            <ac:spMk id="6" creationId="{00000000-0000-0000-0000-000000000000}"/>
-          </ac:spMkLst>
-        </pc:spChg>
+            <pc:sldMk cId="2156517149" sldId="622"/>
+            <ac:graphicFrameMk id="4" creationId="{00000000-0000-0000-0000-000000000000}"/>
+          </ac:graphicFrameMkLst>
+        </pc:graphicFrameChg>
       </pc:sldChg>
     </pc:docChg>
   </pc:docChgLst>
@@ -550,7 +269,7 @@
           <a:p>
             <a:fld id="{FB1A172F-81D4-4DC4-9113-1DBD56EC3646}" type="datetimeFigureOut">
               <a:rPr lang="en-US" smtClean="0"/>
-              <a:t>10/27/2025</a:t>
+              <a:t>2/19/2026</a:t>
             </a:fld>
             <a:endParaRPr lang="en-US"/>
           </a:p>
@@ -975,6 +694,89 @@
           <a:lstStyle/>
           <a:p>
             <a:r>
+              <a:rPr lang="da-DK" b="1" dirty="0" err="1"/>
+              <a:t>isalpha</a:t>
+            </a:r>
+            <a:r>
+              <a:rPr lang="da-DK" dirty="0"/>
+              <a:t>() </a:t>
+            </a:r>
+            <a:r>
+              <a:rPr lang="da-DK" dirty="0" err="1"/>
+              <a:t>also</a:t>
+            </a:r>
+            <a:r>
+              <a:rPr lang="da-DK" dirty="0"/>
+              <a:t> </a:t>
+            </a:r>
+            <a:r>
+              <a:rPr lang="da-DK" dirty="0" err="1"/>
+              <a:t>allow</a:t>
+            </a:r>
+            <a:r>
+              <a:rPr lang="da-DK" dirty="0"/>
+              <a:t> Danish </a:t>
+            </a:r>
+            <a:r>
+              <a:rPr lang="da-DK" dirty="0" err="1"/>
+              <a:t>characters</a:t>
+            </a:r>
+            <a:r>
+              <a:rPr lang="da-DK" dirty="0"/>
+              <a:t> (all </a:t>
+            </a:r>
+            <a:r>
+              <a:rPr lang="da-DK" dirty="0" err="1"/>
+              <a:t>characters</a:t>
+            </a:r>
+            <a:r>
+              <a:rPr lang="da-DK" dirty="0"/>
+              <a:t> must </a:t>
+            </a:r>
+            <a:r>
+              <a:rPr lang="da-DK" dirty="0" err="1"/>
+              <a:t>be</a:t>
+            </a:r>
+            <a:r>
+              <a:rPr lang="da-DK" dirty="0"/>
+              <a:t> </a:t>
+            </a:r>
+            <a:r>
+              <a:rPr lang="da-DK" dirty="0" err="1"/>
+              <a:t>characterized</a:t>
+            </a:r>
+            <a:r>
+              <a:rPr lang="da-DK" dirty="0"/>
+              <a:t> as </a:t>
+            </a:r>
+            <a:r>
+              <a:rPr lang="da-DK" dirty="0" err="1"/>
+              <a:t>Unicode</a:t>
+            </a:r>
+            <a:r>
+              <a:rPr lang="da-DK" dirty="0"/>
+              <a:t> ”letters”)</a:t>
+            </a:r>
+          </a:p>
+          <a:p>
+            <a:pPr marL="0" marR="0" lvl="0" indent="0" algn="l" defTabSz="914400" rtl="0" eaLnBrk="1" fontAlgn="auto" latinLnBrk="0" hangingPunct="1">
+              <a:lnSpc>
+                <a:spcPct val="100000"/>
+              </a:lnSpc>
+              <a:spcBef>
+                <a:spcPts val="0"/>
+              </a:spcBef>
+              <a:spcAft>
+                <a:spcPts val="0"/>
+              </a:spcAft>
+              <a:buClrTx/>
+              <a:buSzTx/>
+              <a:buFontTx/>
+              <a:buNone/>
+              <a:tabLst/>
+              <a:defRPr/>
+            </a:pPr>
+            <a:r>
               <a:rPr lang="da-DK" dirty="0"/>
               <a:t>The ‘~’ is </a:t>
             </a:r>
@@ -1023,9 +825,11 @@
               <a:t>aa</a:t>
             </a:r>
             <a:r>
-              <a:rPr lang="da-DK"/>
+              <a:rPr lang="da-DK" dirty="0"/>
               <a:t>’</a:t>
             </a:r>
+          </a:p>
+          <a:p>
             <a:endParaRPr lang="en-US" dirty="0"/>
           </a:p>
         </p:txBody>
@@ -2681,7 +2485,7 @@
           <a:p>
             <a:fld id="{0560A9CD-0304-4E0B-9E82-E7E0115DE05B}" type="datetimeFigureOut">
               <a:rPr lang="en-US" smtClean="0"/>
-              <a:t>10/27/2025</a:t>
+              <a:t>2/19/2026</a:t>
             </a:fld>
             <a:endParaRPr lang="en-US"/>
           </a:p>
@@ -2849,7 +2653,7 @@
           <a:p>
             <a:fld id="{0560A9CD-0304-4E0B-9E82-E7E0115DE05B}" type="datetimeFigureOut">
               <a:rPr lang="en-US" smtClean="0"/>
-              <a:t>10/27/2025</a:t>
+              <a:t>2/19/2026</a:t>
             </a:fld>
             <a:endParaRPr lang="en-US"/>
           </a:p>
@@ -3027,7 +2831,7 @@
           <a:p>
             <a:fld id="{0560A9CD-0304-4E0B-9E82-E7E0115DE05B}" type="datetimeFigureOut">
               <a:rPr lang="en-US" smtClean="0"/>
-              <a:t>10/27/2025</a:t>
+              <a:t>2/19/2026</a:t>
             </a:fld>
             <a:endParaRPr lang="en-US"/>
           </a:p>
@@ -3210,7 +3014,7 @@
           <a:p>
             <a:fld id="{0560A9CD-0304-4E0B-9E82-E7E0115DE05B}" type="datetimeFigureOut">
               <a:rPr lang="en-US" smtClean="0"/>
-              <a:t>10/27/2025</a:t>
+              <a:t>2/19/2026</a:t>
             </a:fld>
             <a:endParaRPr lang="en-US"/>
           </a:p>
@@ -3455,7 +3259,7 @@
           <a:p>
             <a:fld id="{0560A9CD-0304-4E0B-9E82-E7E0115DE05B}" type="datetimeFigureOut">
               <a:rPr lang="en-US" smtClean="0"/>
-              <a:t>10/27/2025</a:t>
+              <a:t>2/19/2026</a:t>
             </a:fld>
             <a:endParaRPr lang="en-US"/>
           </a:p>
@@ -3684,7 +3488,7 @@
           <a:p>
             <a:fld id="{0560A9CD-0304-4E0B-9E82-E7E0115DE05B}" type="datetimeFigureOut">
               <a:rPr lang="en-US" smtClean="0"/>
-              <a:t>10/27/2025</a:t>
+              <a:t>2/19/2026</a:t>
             </a:fld>
             <a:endParaRPr lang="en-US"/>
           </a:p>
@@ -4048,7 +3852,7 @@
           <a:p>
             <a:fld id="{0560A9CD-0304-4E0B-9E82-E7E0115DE05B}" type="datetimeFigureOut">
               <a:rPr lang="en-US" smtClean="0"/>
-              <a:t>10/27/2025</a:t>
+              <a:t>2/19/2026</a:t>
             </a:fld>
             <a:endParaRPr lang="en-US"/>
           </a:p>
@@ -4165,7 +3969,7 @@
           <a:p>
             <a:fld id="{0560A9CD-0304-4E0B-9E82-E7E0115DE05B}" type="datetimeFigureOut">
               <a:rPr lang="en-US" smtClean="0"/>
-              <a:t>10/27/2025</a:t>
+              <a:t>2/19/2026</a:t>
             </a:fld>
             <a:endParaRPr lang="en-US"/>
           </a:p>
@@ -4260,7 +4064,7 @@
           <a:p>
             <a:fld id="{0560A9CD-0304-4E0B-9E82-E7E0115DE05B}" type="datetimeFigureOut">
               <a:rPr lang="en-US" smtClean="0"/>
-              <a:t>10/27/2025</a:t>
+              <a:t>2/19/2026</a:t>
             </a:fld>
             <a:endParaRPr lang="en-US"/>
           </a:p>
@@ -4535,7 +4339,7 @@
           <a:p>
             <a:fld id="{0560A9CD-0304-4E0B-9E82-E7E0115DE05B}" type="datetimeFigureOut">
               <a:rPr lang="en-US" smtClean="0"/>
-              <a:t>10/27/2025</a:t>
+              <a:t>2/19/2026</a:t>
             </a:fld>
             <a:endParaRPr lang="en-US"/>
           </a:p>
@@ -4787,7 +4591,7 @@
           <a:p>
             <a:fld id="{0560A9CD-0304-4E0B-9E82-E7E0115DE05B}" type="datetimeFigureOut">
               <a:rPr lang="en-US" smtClean="0"/>
-              <a:t>10/27/2025</a:t>
+              <a:t>2/19/2026</a:t>
             </a:fld>
             <a:endParaRPr lang="en-US"/>
           </a:p>
@@ -4998,7 +4802,7 @@
           <a:p>
             <a:fld id="{0560A9CD-0304-4E0B-9E82-E7E0115DE05B}" type="datetimeFigureOut">
               <a:rPr lang="en-US" smtClean="0"/>
-              <a:t>10/27/2025</a:t>
+              <a:t>2/19/2026</a:t>
             </a:fld>
             <a:endParaRPr lang="en-US"/>
           </a:p>
@@ -9430,13 +9234,13 @@
           <p:nvPr>
             <p:extLst>
               <p:ext uri="{D42A27DB-BD31-4B8C-83A1-F6EECF244321}">
-                <p14:modId xmlns:p14="http://schemas.microsoft.com/office/powerpoint/2010/main" val="371317124"/>
+                <p14:modId xmlns:p14="http://schemas.microsoft.com/office/powerpoint/2010/main" val="4049454496"/>
               </p:ext>
             </p:extLst>
           </p:nvPr>
         </p:nvGraphicFramePr>
         <p:xfrm>
-          <a:off x="309403" y="1792484"/>
+          <a:off x="309403" y="2112523"/>
           <a:ext cx="11573193" cy="3962400"/>
         </p:xfrm>
         <a:graphic>
@@ -9705,7 +9509,7 @@
                           <a:latin typeface="Courier New" panose="02070309020205020404" pitchFamily="49" charset="0"/>
                           <a:cs typeface="Courier New" panose="02070309020205020404" pitchFamily="49" charset="0"/>
                         </a:rPr>
-                        <a:t># Sort by length, secondary alphabetically</a:t>
+                        <a:t># Sort by number of different letters, secondary alphabetically ignoring case</a:t>
                       </a:r>
                     </a:p>
                     <a:p>
@@ -9729,6 +9533,9 @@
                       </a:r>
                       <a:r>
                         <a:rPr lang="en-US" sz="1600" b="1" baseline="0" dirty="0">
+                          <a:solidFill>
+                            <a:srgbClr val="000000"/>
+                          </a:solidFill>
                           <a:latin typeface="Courier New" panose="02070309020205020404" pitchFamily="49" charset="0"/>
                           <a:cs typeface="Courier New" panose="02070309020205020404" pitchFamily="49" charset="0"/>
                         </a:rPr>
@@ -9744,7 +9551,17 @@
                           <a:latin typeface="Courier New" panose="02070309020205020404" pitchFamily="49" charset="0"/>
                           <a:cs typeface="Courier New" panose="02070309020205020404" pitchFamily="49" charset="0"/>
                         </a:rPr>
-                        <a:t>key=lambda s: (</a:t>
+                        <a:t>key=lambda s: </a:t>
+                      </a:r>
+                      <a:r>
+                        <a:rPr lang="en-US" sz="1600" b="1" baseline="0" dirty="0">
+                          <a:solidFill>
+                            <a:srgbClr val="C00000"/>
+                          </a:solidFill>
+                          <a:latin typeface="Courier New" panose="02070309020205020404" pitchFamily="49" charset="0"/>
+                          <a:cs typeface="Courier New" panose="02070309020205020404" pitchFamily="49" charset="0"/>
+                        </a:rPr>
+                        <a:t>(</a:t>
                       </a:r>
                       <a:r>
                         <a:rPr lang="en-US" sz="1600" b="1" baseline="0" dirty="0" err="1">
@@ -9768,19 +9585,98 @@
                           <a:latin typeface="Courier New" panose="02070309020205020404" pitchFamily="49" charset="0"/>
                           <a:cs typeface="Courier New" panose="02070309020205020404" pitchFamily="49" charset="0"/>
                         </a:rPr>
-                        <a:t>(s), s)</a:t>
+                        <a:t>({c for c in </a:t>
+                      </a:r>
+                      <a:r>
+                        <a:rPr lang="en-US" sz="1600" b="1" baseline="0" dirty="0" err="1">
+                          <a:solidFill>
+                            <a:schemeClr val="accent1">
+                              <a:lumMod val="50000"/>
+                            </a:schemeClr>
+                          </a:solidFill>
+                          <a:latin typeface="Courier New" panose="02070309020205020404" pitchFamily="49" charset="0"/>
+                          <a:cs typeface="Courier New" panose="02070309020205020404" pitchFamily="49" charset="0"/>
+                        </a:rPr>
+                        <a:t>s.upper</a:t>
                       </a:r>
                       <a:r>
                         <a:rPr lang="en-US" sz="1600" b="1" baseline="0" dirty="0">
+                          <a:solidFill>
+                            <a:schemeClr val="accent1">
+                              <a:lumMod val="50000"/>
+                            </a:schemeClr>
+                          </a:solidFill>
+                          <a:latin typeface="Courier New" panose="02070309020205020404" pitchFamily="49" charset="0"/>
+                          <a:cs typeface="Courier New" panose="02070309020205020404" pitchFamily="49" charset="0"/>
+                        </a:rPr>
+                        <a:t>() if 'A' &lt;= c &lt;= 'Z’})</a:t>
+                      </a:r>
+                      <a:r>
+                        <a:rPr lang="en-US" sz="1600" b="1" baseline="0" dirty="0">
+                          <a:solidFill>
+                            <a:srgbClr val="C00000"/>
+                          </a:solidFill>
+                          <a:latin typeface="Courier New" panose="02070309020205020404" pitchFamily="49" charset="0"/>
+                          <a:cs typeface="Courier New" panose="02070309020205020404" pitchFamily="49" charset="0"/>
+                        </a:rPr>
+                        <a:t>,</a:t>
+                      </a:r>
+                      <a:r>
+                        <a:rPr lang="en-US" sz="1600" b="1" baseline="0" dirty="0">
+                          <a:solidFill>
+                            <a:schemeClr val="accent1">
+                              <a:lumMod val="50000"/>
+                            </a:schemeClr>
+                          </a:solidFill>
+                          <a:latin typeface="Courier New" panose="02070309020205020404" pitchFamily="49" charset="0"/>
+                          <a:cs typeface="Courier New" panose="02070309020205020404" pitchFamily="49" charset="0"/>
+                        </a:rPr>
+                        <a:t> </a:t>
+                      </a:r>
+                      <a:r>
+                        <a:rPr lang="en-US" sz="1600" b="1" baseline="0" dirty="0" err="1">
+                          <a:solidFill>
+                            <a:schemeClr val="accent1">
+                              <a:lumMod val="50000"/>
+                            </a:schemeClr>
+                          </a:solidFill>
+                          <a:latin typeface="Courier New" panose="02070309020205020404" pitchFamily="49" charset="0"/>
+                          <a:cs typeface="Courier New" panose="02070309020205020404" pitchFamily="49" charset="0"/>
+                        </a:rPr>
+                        <a:t>s.upper</a:t>
+                      </a:r>
+                      <a:r>
+                        <a:rPr lang="en-US" sz="1600" b="1" baseline="0" dirty="0">
+                          <a:solidFill>
+                            <a:schemeClr val="accent1">
+                              <a:lumMod val="50000"/>
+                            </a:schemeClr>
+                          </a:solidFill>
+                          <a:latin typeface="Courier New" panose="02070309020205020404" pitchFamily="49" charset="0"/>
+                          <a:cs typeface="Courier New" panose="02070309020205020404" pitchFamily="49" charset="0"/>
+                        </a:rPr>
+                        <a:t>()</a:t>
+                      </a:r>
+                      <a:r>
+                        <a:rPr lang="en-US" sz="1600" b="1" baseline="0" dirty="0">
+                          <a:solidFill>
+                            <a:srgbClr val="C00000"/>
+                          </a:solidFill>
                           <a:latin typeface="Courier New" panose="02070309020205020404" pitchFamily="49" charset="0"/>
                           <a:cs typeface="Courier New" panose="02070309020205020404" pitchFamily="49" charset="0"/>
                         </a:rPr>
                         <a:t>)</a:t>
                       </a:r>
-                      <a:endParaRPr lang="pt-BR" sz="1600" b="1" baseline="0" dirty="0">
-                        <a:latin typeface="Courier New" panose="02070309020205020404" pitchFamily="49" charset="0"/>
-                        <a:cs typeface="Courier New" panose="02070309020205020404" pitchFamily="49" charset="0"/>
-                      </a:endParaRPr>
+                      <a:r>
+                        <a:rPr lang="en-US" sz="1600" b="1" baseline="0" dirty="0">
+                          <a:solidFill>
+                            <a:srgbClr val="000000"/>
+                          </a:solidFill>
+                          <a:latin typeface="Courier New" panose="02070309020205020404" pitchFamily="49" charset="0"/>
+                          <a:cs typeface="Courier New" panose="02070309020205020404" pitchFamily="49" charset="0"/>
+                        </a:rPr>
+                        <a:t>)</a:t>
+                      </a:r>
                     </a:p>
                     <a:p>
                       <a:pPr marL="266700" marR="0" lvl="0" indent="-266700" algn="l" defTabSz="914400" rtl="0" eaLnBrk="1" fontAlgn="auto" latinLnBrk="0" hangingPunct="1">
@@ -27472,7 +27368,7 @@
           <p:nvPr>
             <p:extLst>
               <p:ext uri="{D42A27DB-BD31-4B8C-83A1-F6EECF244321}">
-                <p14:modId xmlns:p14="http://schemas.microsoft.com/office/powerpoint/2010/main" val="829230961"/>
+                <p14:modId xmlns:p14="http://schemas.microsoft.com/office/powerpoint/2010/main" val="4051814837"/>
               </p:ext>
             </p:extLst>
           </p:nvPr>
@@ -27961,7 +27857,19 @@
                           <a:latin typeface="Courier New" panose="02070309020205020404" pitchFamily="49" charset="0"/>
                           <a:cs typeface="Courier New" panose="02070309020205020404" pitchFamily="49" charset="0"/>
                         </a:rPr>
-                        <a:t>[12, 15, 18]</a:t>
+                        <a:t>[12, 15, 18]  </a:t>
+                      </a:r>
+                      <a:r>
+                        <a:rPr lang="pt-BR" sz="1600" b="1" baseline="0" dirty="0">
+                          <a:solidFill>
+                            <a:schemeClr val="bg1">
+                              <a:lumMod val="50000"/>
+                            </a:schemeClr>
+                          </a:solidFill>
+                          <a:latin typeface="Courier New" panose="02070309020205020404" pitchFamily="49" charset="0"/>
+                          <a:cs typeface="Courier New" panose="02070309020205020404" pitchFamily="49" charset="0"/>
+                        </a:rPr>
+                        <a:t># (use itertools.starmap instead)</a:t>
                       </a:r>
                     </a:p>
                   </a:txBody>
